--- a/Quesito4-presentazione.pptx
+++ b/Quesito4-presentazione.pptx
@@ -355,7 +355,7 @@
           <a:p>
             <a:fld id="{D140825E-4A15-4D39-8176-1F07E904CB30}" type="datetimeFigureOut">
               <a:rPr lang="en-US" smtClean="0"/>
-              <a:t>02/04/16</a:t>
+              <a:t>04/04/16</a:t>
             </a:fld>
             <a:endParaRPr lang="en-US"/>
           </a:p>
@@ -446,7 +446,7 @@
           <a:p>
             <a:fld id="{D140825E-4A15-4D39-8176-1F07E904CB30}" type="datetimeFigureOut">
               <a:rPr lang="en-US" smtClean="0"/>
-              <a:t>02/04/16</a:t>
+              <a:t>04/04/16</a:t>
             </a:fld>
             <a:endParaRPr lang="en-US"/>
           </a:p>
@@ -749,7 +749,7 @@
           <a:p>
             <a:fld id="{D140825E-4A15-4D39-8176-1F07E904CB30}" type="datetimeFigureOut">
               <a:rPr lang="en-US" smtClean="0"/>
-              <a:t>02/04/16</a:t>
+              <a:t>04/04/16</a:t>
             </a:fld>
             <a:endParaRPr lang="en-US"/>
           </a:p>
@@ -970,7 +970,7 @@
           <a:p>
             <a:fld id="{D140825E-4A15-4D39-8176-1F07E904CB30}" type="datetimeFigureOut">
               <a:rPr lang="en-US" smtClean="0"/>
-              <a:t>02/04/16</a:t>
+              <a:t>04/04/16</a:t>
             </a:fld>
             <a:endParaRPr lang="en-US"/>
           </a:p>
@@ -1358,7 +1358,7 @@
           <a:p>
             <a:fld id="{D140825E-4A15-4D39-8176-1F07E904CB30}" type="datetimeFigureOut">
               <a:rPr lang="en-US" smtClean="0"/>
-              <a:t>02/04/16</a:t>
+              <a:t>04/04/16</a:t>
             </a:fld>
             <a:endParaRPr lang="en-US"/>
           </a:p>
@@ -1666,7 +1666,7 @@
           <a:p>
             <a:fld id="{D140825E-4A15-4D39-8176-1F07E904CB30}" type="datetimeFigureOut">
               <a:rPr lang="en-US" smtClean="0"/>
-              <a:t>02/04/16</a:t>
+              <a:t>04/04/16</a:t>
             </a:fld>
             <a:endParaRPr lang="en-US"/>
           </a:p>
@@ -1864,7 +1864,7 @@
           <a:p>
             <a:fld id="{D140825E-4A15-4D39-8176-1F07E904CB30}" type="datetimeFigureOut">
               <a:rPr lang="en-US" smtClean="0"/>
-              <a:t>02/04/16</a:t>
+              <a:t>04/04/16</a:t>
             </a:fld>
             <a:endParaRPr lang="en-US"/>
           </a:p>
@@ -2067,7 +2067,7 @@
           <a:p>
             <a:fld id="{D140825E-4A15-4D39-8176-1F07E904CB30}" type="datetimeFigureOut">
               <a:rPr lang="en-US" smtClean="0"/>
-              <a:t>02/04/16</a:t>
+              <a:t>04/04/16</a:t>
             </a:fld>
             <a:endParaRPr lang="en-US"/>
           </a:p>
@@ -2260,7 +2260,7 @@
           <a:p>
             <a:fld id="{D140825E-4A15-4D39-8176-1F07E904CB30}" type="datetimeFigureOut">
               <a:rPr lang="en-US" smtClean="0"/>
-              <a:t>02/04/16</a:t>
+              <a:t>04/04/16</a:t>
             </a:fld>
             <a:endParaRPr lang="en-US"/>
           </a:p>
@@ -2532,7 +2532,7 @@
           <a:p>
             <a:fld id="{D140825E-4A15-4D39-8176-1F07E904CB30}" type="datetimeFigureOut">
               <a:rPr lang="en-US" smtClean="0"/>
-              <a:t>02/04/16</a:t>
+              <a:t>04/04/16</a:t>
             </a:fld>
             <a:endParaRPr lang="en-US"/>
           </a:p>
@@ -2843,7 +2843,7 @@
           <a:p>
             <a:fld id="{D140825E-4A15-4D39-8176-1F07E904CB30}" type="datetimeFigureOut">
               <a:rPr lang="en-US" smtClean="0"/>
-              <a:t>02/04/16</a:t>
+              <a:t>04/04/16</a:t>
             </a:fld>
             <a:endParaRPr lang="en-US"/>
           </a:p>
@@ -3309,7 +3309,7 @@
           <a:p>
             <a:fld id="{D140825E-4A15-4D39-8176-1F07E904CB30}" type="datetimeFigureOut">
               <a:rPr lang="en-US" smtClean="0"/>
-              <a:t>02/04/16</a:t>
+              <a:t>04/04/16</a:t>
             </a:fld>
             <a:endParaRPr lang="en-US"/>
           </a:p>
@@ -3673,7 +3673,7 @@
           <a:p>
             <a:fld id="{D140825E-4A15-4D39-8176-1F07E904CB30}" type="datetimeFigureOut">
               <a:rPr lang="en-US" smtClean="0"/>
-              <a:t>02/04/16</a:t>
+              <a:t>04/04/16</a:t>
             </a:fld>
             <a:endParaRPr lang="en-US"/>
           </a:p>
@@ -3984,7 +3984,7 @@
           <a:p>
             <a:fld id="{D140825E-4A15-4D39-8176-1F07E904CB30}" type="datetimeFigureOut">
               <a:rPr lang="en-US" smtClean="0"/>
-              <a:t>02/04/16</a:t>
+              <a:t>04/04/16</a:t>
             </a:fld>
             <a:endParaRPr lang="en-US"/>
           </a:p>
@@ -4295,7 +4295,7 @@
           <a:p>
             <a:fld id="{D140825E-4A15-4D39-8176-1F07E904CB30}" type="datetimeFigureOut">
               <a:rPr lang="en-US" smtClean="0"/>
-              <a:t>02/04/16</a:t>
+              <a:t>04/04/16</a:t>
             </a:fld>
             <a:endParaRPr lang="en-US"/>
           </a:p>
@@ -4780,7 +4780,7 @@
           <a:p>
             <a:fld id="{D140825E-4A15-4D39-8176-1F07E904CB30}" type="datetimeFigureOut">
               <a:rPr lang="en-US" smtClean="0"/>
-              <a:t>02/04/16</a:t>
+              <a:t>04/04/16</a:t>
             </a:fld>
             <a:endParaRPr lang="en-US"/>
           </a:p>
@@ -5043,7 +5043,7 @@
           <a:p>
             <a:fld id="{D140825E-4A15-4D39-8176-1F07E904CB30}" type="datetimeFigureOut">
               <a:rPr lang="en-US" smtClean="0"/>
-              <a:t>02/04/16</a:t>
+              <a:t>04/04/16</a:t>
             </a:fld>
             <a:endParaRPr lang="en-US"/>
           </a:p>
@@ -5484,8 +5484,8 @@
         </p:nvSpPr>
         <p:spPr>
           <a:xfrm>
-            <a:off x="751905" y="1988674"/>
-            <a:ext cx="7920066" cy="3139321"/>
+            <a:off x="0" y="1988674"/>
+            <a:ext cx="9144000" cy="3139321"/>
           </a:xfrm>
           <a:prstGeom prst="rect">
             <a:avLst/>
@@ -5504,7 +5504,7 @@
               <a:t> </a:t>
             </a:r>
             <a:r>
-              <a:rPr lang="en-US" sz="6600" dirty="0" smtClean="0">
+              <a:rPr lang="en-US" sz="6600" b="1" dirty="0" smtClean="0">
                 <a:solidFill>
                   <a:srgbClr val="D7EEFB"/>
                 </a:solidFill>
@@ -5515,7 +5515,7 @@
           <a:p>
             <a:pPr algn="ctr"/>
             <a:r>
-              <a:rPr lang="en-US" sz="6600" dirty="0">
+              <a:rPr lang="en-US" sz="6600" b="1" dirty="0">
                 <a:solidFill>
                   <a:srgbClr val="D7EEFB"/>
                 </a:solidFill>
@@ -5523,7 +5523,7 @@
               <a:t>d</a:t>
             </a:r>
             <a:r>
-              <a:rPr lang="en-US" sz="6600" dirty="0" smtClean="0">
+              <a:rPr lang="en-US" sz="6600" b="1" dirty="0" smtClean="0">
                 <a:solidFill>
                   <a:srgbClr val="D7EEFB"/>
                 </a:solidFill>
@@ -5534,22 +5534,22 @@
           <a:p>
             <a:pPr algn="ctr"/>
             <a:r>
-              <a:rPr lang="en-US" sz="6600" dirty="0" smtClean="0">
-                <a:solidFill>
-                  <a:srgbClr val="D7EEFB"/>
-                </a:solidFill>
-              </a:rPr>
-              <a:t> </a:t>
-            </a:r>
-            <a:r>
-              <a:rPr lang="en-US" sz="6600" dirty="0" err="1" smtClean="0">
+              <a:rPr lang="en-US" sz="6600" b="1" dirty="0" smtClean="0">
+                <a:solidFill>
+                  <a:srgbClr val="D7EEFB"/>
+                </a:solidFill>
+              </a:rPr>
+              <a:t> </a:t>
+            </a:r>
+            <a:r>
+              <a:rPr lang="en-US" sz="6600" b="1" dirty="0" err="1" smtClean="0">
                 <a:solidFill>
                   <a:srgbClr val="D7EEFB"/>
                 </a:solidFill>
               </a:rPr>
               <a:t>pescatore</a:t>
             </a:r>
-            <a:endParaRPr lang="en-US" sz="7200" dirty="0">
+            <a:endParaRPr lang="en-US" sz="7200" b="1" dirty="0">
               <a:solidFill>
                 <a:srgbClr val="D7EEFB"/>
               </a:solidFill>
@@ -6562,6 +6562,13 @@
   <p:clrMapOvr>
     <a:masterClrMapping/>
   </p:clrMapOvr>
+  <p:timing>
+    <p:tnLst>
+      <p:par>
+        <p:cTn xmlns:p14="http://schemas.microsoft.com/office/powerpoint/2010/main" id="1" dur="indefinite" restart="never" nodeType="tmRoot"/>
+      </p:par>
+    </p:tnLst>
+  </p:timing>
 </p:sld>
 </file>
 
@@ -6603,7 +6610,7 @@
           <a:lstStyle/>
           <a:p>
             <a:r>
-              <a:rPr lang="en-US" dirty="0" err="1" smtClean="0">
+              <a:rPr lang="en-US" b="1" dirty="0" err="1" smtClean="0">
                 <a:solidFill>
                   <a:schemeClr val="bg2">
                     <a:lumMod val="20000"/>
@@ -6614,7 +6621,7 @@
               <a:t>Componenti</a:t>
             </a:r>
             <a:r>
-              <a:rPr lang="en-US" dirty="0" smtClean="0">
+              <a:rPr lang="en-US" b="1" dirty="0" smtClean="0">
                 <a:solidFill>
                   <a:schemeClr val="bg2">
                     <a:lumMod val="20000"/>
@@ -6624,7 +6631,7 @@
               </a:rPr>
               <a:t> del team</a:t>
             </a:r>
-            <a:endParaRPr lang="en-US" dirty="0">
+            <a:endParaRPr lang="en-US" b="1" dirty="0">
               <a:solidFill>
                 <a:schemeClr val="bg2">
                   <a:lumMod val="20000"/>
@@ -6656,21 +6663,26 @@
           <a:lstStyle/>
           <a:p>
             <a:r>
-              <a:rPr lang="en-US" dirty="0" err="1" smtClean="0">
-                <a:solidFill>
-                  <a:srgbClr val="D7EEFB"/>
-                </a:solidFill>
-              </a:rPr>
-              <a:t>Carta</a:t>
-            </a:r>
-            <a:r>
               <a:rPr lang="en-US" dirty="0" smtClean="0">
                 <a:solidFill>
                   <a:srgbClr val="D7EEFB"/>
                 </a:solidFill>
               </a:rPr>
-              <a:t> Stefano</a:t>
-            </a:r>
+              <a:t>Carta </a:t>
+            </a:r>
+            <a:r>
+              <a:rPr lang="en-US" dirty="0" smtClean="0">
+                <a:solidFill>
+                  <a:srgbClr val="D7EEFB"/>
+                </a:solidFill>
+              </a:rPr>
+              <a:t>Stefano (Team Leader)</a:t>
+            </a:r>
+            <a:endParaRPr lang="en-US" dirty="0" smtClean="0">
+              <a:solidFill>
+                <a:srgbClr val="D7EEFB"/>
+              </a:solidFill>
+            </a:endParaRPr>
           </a:p>
           <a:p>
             <a:r>
@@ -6840,10 +6852,10 @@
           <a:lstStyle/>
           <a:p>
             <a:r>
-              <a:rPr lang="en-US" dirty="0" smtClean="0"/>
+              <a:rPr lang="en-US" sz="6000" b="1" dirty="0" smtClean="0"/>
               <a:t>PROBLEMA</a:t>
             </a:r>
-            <a:endParaRPr lang="en-US" dirty="0"/>
+            <a:endParaRPr lang="en-US" sz="6000" b="1" dirty="0"/>
           </a:p>
         </p:txBody>
       </p:sp>
@@ -6857,7 +6869,12 @@
             <p:ph idx="1"/>
           </p:nvPr>
         </p:nvSpPr>
-        <p:spPr/>
+        <p:spPr>
+          <a:xfrm>
+            <a:off x="779463" y="1828800"/>
+            <a:ext cx="7583488" cy="943075"/>
+          </a:xfrm>
+        </p:spPr>
         <p:txBody>
           <a:bodyPr>
             <a:normAutofit/>
@@ -6947,108 +6964,7 @@
               <a:rPr lang="en-US" sz="2400" dirty="0" smtClean="0"/>
               <a:t>.</a:t>
             </a:r>
-          </a:p>
-          <a:p>
-            <a:pPr marL="0" indent="0">
-              <a:buNone/>
-            </a:pPr>
-            <a:r>
-              <a:rPr lang="en-US" sz="2400" dirty="0" err="1" smtClean="0"/>
-              <a:t>Nella</a:t>
-            </a:r>
-            <a:r>
-              <a:rPr lang="en-US" sz="2400" dirty="0" smtClean="0"/>
-              <a:t> </a:t>
-            </a:r>
-            <a:r>
-              <a:rPr lang="en-US" sz="2400" dirty="0" err="1" smtClean="0"/>
-              <a:t>sponda</a:t>
-            </a:r>
-            <a:r>
-              <a:rPr lang="en-US" sz="2400" dirty="0" smtClean="0"/>
-              <a:t> </a:t>
-            </a:r>
-            <a:r>
-              <a:rPr lang="en-US" sz="2400" dirty="0" err="1" smtClean="0"/>
-              <a:t>sinistra</a:t>
-            </a:r>
-            <a:r>
-              <a:rPr lang="en-US" sz="2400" dirty="0" smtClean="0"/>
-              <a:t> del </a:t>
-            </a:r>
-            <a:r>
-              <a:rPr lang="en-US" sz="2400" dirty="0" err="1" smtClean="0"/>
-              <a:t>fiume</a:t>
-            </a:r>
-            <a:r>
-              <a:rPr lang="en-US" sz="2400" dirty="0" smtClean="0"/>
-              <a:t> </a:t>
-            </a:r>
-            <a:r>
-              <a:rPr lang="en-US" sz="2400" dirty="0" err="1" smtClean="0"/>
-              <a:t>si</a:t>
-            </a:r>
-            <a:r>
-              <a:rPr lang="en-US" sz="2400" dirty="0" smtClean="0"/>
-              <a:t> </a:t>
-            </a:r>
-            <a:r>
-              <a:rPr lang="en-US" sz="2400" dirty="0" err="1" smtClean="0"/>
-              <a:t>trova</a:t>
-            </a:r>
-            <a:r>
-              <a:rPr lang="en-US" sz="2400" dirty="0" smtClean="0"/>
-              <a:t> </a:t>
-            </a:r>
-            <a:r>
-              <a:rPr lang="en-US" sz="2400" dirty="0" err="1" smtClean="0"/>
-              <a:t>il</a:t>
-            </a:r>
-            <a:r>
-              <a:rPr lang="en-US" sz="2400" dirty="0" smtClean="0"/>
-              <a:t> </a:t>
-            </a:r>
-            <a:r>
-              <a:rPr lang="en-US" sz="2400" dirty="0" err="1" smtClean="0"/>
-              <a:t>molo</a:t>
-            </a:r>
-            <a:r>
-              <a:rPr lang="en-US" sz="2400" dirty="0" smtClean="0"/>
-              <a:t> di un </a:t>
-            </a:r>
-            <a:r>
-              <a:rPr lang="en-US" sz="2400" dirty="0" err="1" smtClean="0"/>
-              <a:t>pescatore</a:t>
-            </a:r>
-            <a:r>
-              <a:rPr lang="en-US" sz="2400" dirty="0" smtClean="0"/>
-              <a:t> con la </a:t>
-            </a:r>
-            <a:r>
-              <a:rPr lang="en-US" sz="2400" dirty="0" err="1" smtClean="0"/>
-              <a:t>sua</a:t>
-            </a:r>
-            <a:r>
-              <a:rPr lang="en-US" sz="2400" dirty="0" smtClean="0"/>
-              <a:t> </a:t>
-            </a:r>
-            <a:r>
-              <a:rPr lang="en-US" sz="2400" dirty="0" err="1" smtClean="0"/>
-              <a:t>piccola</a:t>
-            </a:r>
-            <a:r>
-              <a:rPr lang="en-US" sz="2400" dirty="0" smtClean="0"/>
-              <a:t> </a:t>
-            </a:r>
-            <a:r>
-              <a:rPr lang="en-US" sz="2400" dirty="0" err="1" smtClean="0"/>
-              <a:t>barca</a:t>
-            </a:r>
-            <a:r>
-              <a:rPr lang="en-US" sz="2400" dirty="0" smtClean="0"/>
-              <a:t>.</a:t>
-            </a:r>
-            <a:endParaRPr lang="en-US" sz="2400" dirty="0"/>
+            <a:endParaRPr lang="en-US" sz="2400" dirty="0" smtClean="0"/>
           </a:p>
         </p:txBody>
       </p:sp>
@@ -7074,8 +6990,258 @@
         </p:blipFill>
         <p:spPr>
           <a:xfrm>
-            <a:off x="2372678" y="3793520"/>
+            <a:off x="2697234" y="3793520"/>
             <a:ext cx="3759525" cy="2594405"/>
+          </a:xfrm>
+          <a:prstGeom prst="rect">
+            <a:avLst/>
+          </a:prstGeom>
+        </p:spPr>
+      </p:pic>
+      <p:sp>
+        <p:nvSpPr>
+          <p:cNvPr id="5" name="TextBox 4"/>
+          <p:cNvSpPr txBox="1"/>
+          <p:nvPr/>
+        </p:nvSpPr>
+        <p:spPr>
+          <a:xfrm>
+            <a:off x="779463" y="2771875"/>
+            <a:ext cx="7583487" cy="1107996"/>
+          </a:xfrm>
+          <a:prstGeom prst="rect">
+            <a:avLst/>
+          </a:prstGeom>
+          <a:noFill/>
+        </p:spPr>
+        <p:txBody>
+          <a:bodyPr wrap="square" rtlCol="0">
+            <a:spAutoFit/>
+          </a:bodyPr>
+          <a:lstStyle/>
+          <a:p>
+            <a:r>
+              <a:rPr lang="en-US" sz="2400" dirty="0" err="1">
+                <a:solidFill>
+                  <a:schemeClr val="bg1"/>
+                </a:solidFill>
+              </a:rPr>
+              <a:t>Nella</a:t>
+            </a:r>
+            <a:r>
+              <a:rPr lang="en-US" sz="2400" dirty="0">
+                <a:solidFill>
+                  <a:schemeClr val="bg1"/>
+                </a:solidFill>
+              </a:rPr>
+              <a:t> </a:t>
+            </a:r>
+            <a:r>
+              <a:rPr lang="en-US" sz="2400" dirty="0" err="1">
+                <a:solidFill>
+                  <a:schemeClr val="bg1"/>
+                </a:solidFill>
+              </a:rPr>
+              <a:t>sponda</a:t>
+            </a:r>
+            <a:r>
+              <a:rPr lang="en-US" sz="2400" dirty="0">
+                <a:solidFill>
+                  <a:schemeClr val="bg1"/>
+                </a:solidFill>
+              </a:rPr>
+              <a:t> </a:t>
+            </a:r>
+            <a:r>
+              <a:rPr lang="en-US" sz="2400" dirty="0" err="1">
+                <a:solidFill>
+                  <a:schemeClr val="bg1"/>
+                </a:solidFill>
+              </a:rPr>
+              <a:t>sinistra</a:t>
+            </a:r>
+            <a:r>
+              <a:rPr lang="en-US" sz="2400" dirty="0">
+                <a:solidFill>
+                  <a:schemeClr val="bg1"/>
+                </a:solidFill>
+              </a:rPr>
+              <a:t> del </a:t>
+            </a:r>
+            <a:r>
+              <a:rPr lang="en-US" sz="2400" dirty="0" err="1">
+                <a:solidFill>
+                  <a:schemeClr val="bg1"/>
+                </a:solidFill>
+              </a:rPr>
+              <a:t>fiume</a:t>
+            </a:r>
+            <a:r>
+              <a:rPr lang="en-US" sz="2400" dirty="0">
+                <a:solidFill>
+                  <a:schemeClr val="bg1"/>
+                </a:solidFill>
+              </a:rPr>
+              <a:t> </a:t>
+            </a:r>
+            <a:r>
+              <a:rPr lang="en-US" sz="2400" dirty="0" err="1">
+                <a:solidFill>
+                  <a:schemeClr val="bg1"/>
+                </a:solidFill>
+              </a:rPr>
+              <a:t>si</a:t>
+            </a:r>
+            <a:r>
+              <a:rPr lang="en-US" sz="2400" dirty="0">
+                <a:solidFill>
+                  <a:schemeClr val="bg1"/>
+                </a:solidFill>
+              </a:rPr>
+              <a:t> </a:t>
+            </a:r>
+            <a:r>
+              <a:rPr lang="en-US" sz="2400" dirty="0" err="1">
+                <a:solidFill>
+                  <a:schemeClr val="bg1"/>
+                </a:solidFill>
+              </a:rPr>
+              <a:t>trova</a:t>
+            </a:r>
+            <a:r>
+              <a:rPr lang="en-US" sz="2400" dirty="0">
+                <a:solidFill>
+                  <a:schemeClr val="bg1"/>
+                </a:solidFill>
+              </a:rPr>
+              <a:t> </a:t>
+            </a:r>
+            <a:r>
+              <a:rPr lang="en-US" sz="2400" dirty="0" err="1">
+                <a:solidFill>
+                  <a:schemeClr val="bg1"/>
+                </a:solidFill>
+              </a:rPr>
+              <a:t>il</a:t>
+            </a:r>
+            <a:r>
+              <a:rPr lang="en-US" sz="2400" dirty="0">
+                <a:solidFill>
+                  <a:schemeClr val="bg1"/>
+                </a:solidFill>
+              </a:rPr>
+              <a:t> </a:t>
+            </a:r>
+            <a:r>
+              <a:rPr lang="en-US" sz="2400" dirty="0" err="1">
+                <a:solidFill>
+                  <a:schemeClr val="bg1"/>
+                </a:solidFill>
+              </a:rPr>
+              <a:t>molo</a:t>
+            </a:r>
+            <a:r>
+              <a:rPr lang="en-US" sz="2400" dirty="0">
+                <a:solidFill>
+                  <a:schemeClr val="bg1"/>
+                </a:solidFill>
+              </a:rPr>
+              <a:t> di un </a:t>
+            </a:r>
+            <a:r>
+              <a:rPr lang="en-US" sz="2400" dirty="0" err="1">
+                <a:solidFill>
+                  <a:schemeClr val="bg1"/>
+                </a:solidFill>
+              </a:rPr>
+              <a:t>pescatore</a:t>
+            </a:r>
+            <a:r>
+              <a:rPr lang="en-US" sz="2400" dirty="0">
+                <a:solidFill>
+                  <a:schemeClr val="bg1"/>
+                </a:solidFill>
+              </a:rPr>
+              <a:t> con la </a:t>
+            </a:r>
+            <a:r>
+              <a:rPr lang="en-US" sz="2400" dirty="0" err="1">
+                <a:solidFill>
+                  <a:schemeClr val="bg1"/>
+                </a:solidFill>
+              </a:rPr>
+              <a:t>sua</a:t>
+            </a:r>
+            <a:r>
+              <a:rPr lang="en-US" sz="2400" dirty="0">
+                <a:solidFill>
+                  <a:schemeClr val="bg1"/>
+                </a:solidFill>
+              </a:rPr>
+              <a:t> </a:t>
+            </a:r>
+            <a:r>
+              <a:rPr lang="en-US" sz="2400" dirty="0" err="1">
+                <a:solidFill>
+                  <a:schemeClr val="bg1"/>
+                </a:solidFill>
+              </a:rPr>
+              <a:t>piccola</a:t>
+            </a:r>
+            <a:r>
+              <a:rPr lang="en-US" sz="2400" dirty="0">
+                <a:solidFill>
+                  <a:schemeClr val="bg1"/>
+                </a:solidFill>
+              </a:rPr>
+              <a:t> </a:t>
+            </a:r>
+            <a:r>
+              <a:rPr lang="en-US" sz="2400" dirty="0" err="1">
+                <a:solidFill>
+                  <a:schemeClr val="bg1"/>
+                </a:solidFill>
+              </a:rPr>
+              <a:t>barca</a:t>
+            </a:r>
+            <a:r>
+              <a:rPr lang="en-US" sz="2400" dirty="0">
+                <a:solidFill>
+                  <a:schemeClr val="bg1"/>
+                </a:solidFill>
+              </a:rPr>
+              <a:t>.</a:t>
+            </a:r>
+          </a:p>
+          <a:p>
+            <a:endParaRPr lang="en-US" dirty="0"/>
+          </a:p>
+        </p:txBody>
+      </p:sp>
+      <p:pic>
+        <p:nvPicPr>
+          <p:cNvPr id="6" name="Picture 5" descr="information.png"/>
+          <p:cNvPicPr>
+            <a:picLocks noChangeAspect="1"/>
+          </p:cNvPicPr>
+          <p:nvPr/>
+        </p:nvPicPr>
+        <p:blipFill>
+          <a:blip r:embed="rId3">
+            <a:extLst>
+              <a:ext uri="{28A0092B-C50C-407E-A947-70E740481C1C}">
+                <a14:useLocalDpi xmlns:a14="http://schemas.microsoft.com/office/drawing/2010/main" val="0"/>
+              </a:ext>
+            </a:extLst>
+          </a:blip>
+          <a:stretch>
+            <a:fillRect/>
+          </a:stretch>
+        </p:blipFill>
+        <p:spPr>
+          <a:xfrm>
+            <a:off x="7144453" y="206890"/>
+            <a:ext cx="1218498" cy="1218498"/>
           </a:xfrm>
           <a:prstGeom prst="rect">
             <a:avLst/>
@@ -7135,10 +7301,10 @@
           <a:lstStyle/>
           <a:p>
             <a:r>
-              <a:rPr lang="en-US" dirty="0" smtClean="0"/>
+              <a:rPr lang="en-US" sz="6000" b="1" dirty="0" smtClean="0"/>
               <a:t>PROBLEMA</a:t>
             </a:r>
-            <a:endParaRPr lang="en-US" dirty="0"/>
+            <a:endParaRPr lang="en-US" sz="6000" b="1" dirty="0"/>
           </a:p>
         </p:txBody>
       </p:sp>
@@ -7155,7 +7321,7 @@
         <p:spPr>
           <a:xfrm>
             <a:off x="779463" y="1795377"/>
-            <a:ext cx="7583487" cy="4208930"/>
+            <a:ext cx="7583487" cy="894570"/>
           </a:xfrm>
         </p:spPr>
         <p:txBody>
@@ -7203,8 +7369,8 @@
         </p:blipFill>
         <p:spPr>
           <a:xfrm>
-            <a:off x="779464" y="2787311"/>
-            <a:ext cx="2191838" cy="1641248"/>
+            <a:off x="6252813" y="2780441"/>
+            <a:ext cx="2541268" cy="1902901"/>
           </a:xfrm>
           <a:prstGeom prst="rect">
             <a:avLst/>
@@ -7233,8 +7399,8 @@
         </p:blipFill>
         <p:spPr>
           <a:xfrm>
-            <a:off x="3391927" y="2787311"/>
-            <a:ext cx="2506350" cy="1641248"/>
+            <a:off x="356145" y="2780441"/>
+            <a:ext cx="2579768" cy="1891921"/>
           </a:xfrm>
           <a:prstGeom prst="rect">
             <a:avLst/>
@@ -7263,8 +7429,8 @@
         </p:blipFill>
         <p:spPr>
           <a:xfrm>
-            <a:off x="6115494" y="2787311"/>
-            <a:ext cx="2438400" cy="1641248"/>
+            <a:off x="3203166" y="2791422"/>
+            <a:ext cx="2810823" cy="1891920"/>
           </a:xfrm>
           <a:prstGeom prst="rect">
             <a:avLst/>
@@ -7279,8 +7445,8 @@
         </p:nvSpPr>
         <p:spPr>
           <a:xfrm>
-            <a:off x="779464" y="4679232"/>
-            <a:ext cx="2191838" cy="461665"/>
+            <a:off x="6252813" y="4679232"/>
+            <a:ext cx="2541268" cy="461665"/>
           </a:xfrm>
           <a:prstGeom prst="rect">
             <a:avLst/>
@@ -7295,14 +7461,14 @@
           <a:p>
             <a:pPr algn="ctr"/>
             <a:r>
-              <a:rPr lang="en-US" sz="2400" dirty="0" err="1" smtClean="0">
+              <a:rPr lang="en-US" sz="2400" b="1" dirty="0" err="1" smtClean="0">
                 <a:solidFill>
                   <a:srgbClr val="D7EEFB"/>
                 </a:solidFill>
               </a:rPr>
               <a:t>capra</a:t>
             </a:r>
-            <a:endParaRPr lang="en-US" sz="2400" dirty="0">
+            <a:endParaRPr lang="en-US" sz="2400" b="1" dirty="0">
               <a:solidFill>
                 <a:srgbClr val="D7EEFB"/>
               </a:solidFill>
@@ -7318,8 +7484,8 @@
         </p:nvSpPr>
         <p:spPr>
           <a:xfrm>
-            <a:off x="3391927" y="4679232"/>
-            <a:ext cx="2506350" cy="461665"/>
+            <a:off x="356145" y="4713155"/>
+            <a:ext cx="2579768" cy="461665"/>
           </a:xfrm>
           <a:prstGeom prst="rect">
             <a:avLst/>
@@ -7334,14 +7500,14 @@
           <a:p>
             <a:pPr algn="ctr"/>
             <a:r>
-              <a:rPr lang="en-US" sz="2400" dirty="0" err="1" smtClean="0">
+              <a:rPr lang="en-US" sz="2400" b="1" dirty="0" err="1" smtClean="0">
                 <a:solidFill>
                   <a:srgbClr val="D7EEFB"/>
                 </a:solidFill>
               </a:rPr>
               <a:t>cavolo</a:t>
             </a:r>
-            <a:endParaRPr lang="en-US" sz="2400" dirty="0">
+            <a:endParaRPr lang="en-US" sz="2400" b="1" dirty="0">
               <a:solidFill>
                 <a:srgbClr val="D7EEFB"/>
               </a:solidFill>
@@ -7357,8 +7523,8 @@
         </p:nvSpPr>
         <p:spPr>
           <a:xfrm>
-            <a:off x="6115494" y="4679232"/>
-            <a:ext cx="2438400" cy="461665"/>
+            <a:off x="3203166" y="4679232"/>
+            <a:ext cx="2810823" cy="461665"/>
           </a:xfrm>
           <a:prstGeom prst="rect">
             <a:avLst/>
@@ -7373,14 +7539,14 @@
           <a:p>
             <a:pPr algn="ctr"/>
             <a:r>
-              <a:rPr lang="en-US" sz="2400" dirty="0" err="1" smtClean="0">
+              <a:rPr lang="en-US" sz="2400" b="1" dirty="0" err="1" smtClean="0">
                 <a:solidFill>
                   <a:srgbClr val="D7EEFB"/>
                 </a:solidFill>
               </a:rPr>
               <a:t>lupo</a:t>
             </a:r>
-            <a:endParaRPr lang="en-US" sz="2400" dirty="0">
+            <a:endParaRPr lang="en-US" sz="2400" b="1" dirty="0">
               <a:solidFill>
                 <a:srgbClr val="D7EEFB"/>
               </a:solidFill>
@@ -7388,6 +7554,36 @@
           </a:p>
         </p:txBody>
       </p:sp>
+      <p:pic>
+        <p:nvPicPr>
+          <p:cNvPr id="10" name="Picture 9" descr="information.png"/>
+          <p:cNvPicPr>
+            <a:picLocks noChangeAspect="1"/>
+          </p:cNvPicPr>
+          <p:nvPr/>
+        </p:nvPicPr>
+        <p:blipFill>
+          <a:blip r:embed="rId5">
+            <a:extLst>
+              <a:ext uri="{28A0092B-C50C-407E-A947-70E740481C1C}">
+                <a14:useLocalDpi xmlns:a14="http://schemas.microsoft.com/office/drawing/2010/main" val="0"/>
+              </a:ext>
+            </a:extLst>
+          </a:blip>
+          <a:stretch>
+            <a:fillRect/>
+          </a:stretch>
+        </p:blipFill>
+        <p:spPr>
+          <a:xfrm>
+            <a:off x="7144453" y="206890"/>
+            <a:ext cx="1218498" cy="1218498"/>
+          </a:xfrm>
+          <a:prstGeom prst="rect">
+            <a:avLst/>
+          </a:prstGeom>
+        </p:spPr>
+      </p:pic>
     </p:spTree>
     <p:extLst>
       <p:ext uri="{BB962C8B-B14F-4D97-AF65-F5344CB8AC3E}">
@@ -7441,10 +7637,10 @@
           <a:lstStyle/>
           <a:p>
             <a:r>
-              <a:rPr lang="en-US" dirty="0" err="1" smtClean="0"/>
+              <a:rPr lang="en-US" sz="6600" b="1" dirty="0" err="1" smtClean="0"/>
               <a:t>Criticità</a:t>
             </a:r>
-            <a:endParaRPr lang="en-US" dirty="0"/>
+            <a:endParaRPr lang="en-US" b="1" dirty="0"/>
           </a:p>
         </p:txBody>
       </p:sp>
@@ -7458,11 +7654,19 @@
             <p:ph idx="1"/>
           </p:nvPr>
         </p:nvSpPr>
-        <p:spPr/>
+        <p:spPr>
+          <a:xfrm>
+            <a:off x="412574" y="1752349"/>
+            <a:ext cx="7583487" cy="600800"/>
+          </a:xfrm>
+        </p:spPr>
         <p:txBody>
           <a:bodyPr/>
           <a:lstStyle/>
           <a:p>
+            <a:pPr marL="0" indent="0">
+              <a:buNone/>
+            </a:pPr>
             <a:r>
               <a:rPr lang="en-US" dirty="0" err="1" smtClean="0"/>
               <a:t>Possiamo</a:t>
@@ -7500,146 +7704,6 @@
               <a:t>volta</a:t>
             </a:r>
             <a:endParaRPr lang="en-US" dirty="0" smtClean="0"/>
-          </a:p>
-          <a:p>
-            <a:r>
-              <a:rPr lang="en-US" dirty="0" smtClean="0"/>
-              <a:t>Capra e </a:t>
-            </a:r>
-            <a:r>
-              <a:rPr lang="en-US" dirty="0" err="1" smtClean="0"/>
-              <a:t>Lupo</a:t>
-            </a:r>
-            <a:r>
-              <a:rPr lang="en-US" dirty="0" smtClean="0"/>
-              <a:t> non </a:t>
-            </a:r>
-            <a:r>
-              <a:rPr lang="en-US" dirty="0" err="1" smtClean="0"/>
-              <a:t>possono</a:t>
-            </a:r>
-            <a:r>
-              <a:rPr lang="en-US" dirty="0" smtClean="0"/>
-              <a:t> stare </a:t>
-            </a:r>
-            <a:r>
-              <a:rPr lang="en-US" dirty="0" err="1" smtClean="0"/>
-              <a:t>insieme</a:t>
-            </a:r>
-            <a:r>
-              <a:rPr lang="en-US" dirty="0" smtClean="0"/>
-              <a:t> </a:t>
-            </a:r>
-            <a:r>
-              <a:rPr lang="en-US" dirty="0" err="1" smtClean="0"/>
-              <a:t>durante</a:t>
-            </a:r>
-            <a:r>
-              <a:rPr lang="en-US" dirty="0" smtClean="0"/>
-              <a:t> </a:t>
-            </a:r>
-            <a:r>
-              <a:rPr lang="en-US" dirty="0" err="1" smtClean="0"/>
-              <a:t>il</a:t>
-            </a:r>
-            <a:r>
-              <a:rPr lang="en-US" dirty="0" smtClean="0"/>
-              <a:t> </a:t>
-            </a:r>
-            <a:r>
-              <a:rPr lang="en-US" dirty="0" err="1" smtClean="0"/>
-              <a:t>periodo</a:t>
-            </a:r>
-            <a:r>
-              <a:rPr lang="en-US" dirty="0" smtClean="0"/>
-              <a:t> di </a:t>
-            </a:r>
-            <a:r>
-              <a:rPr lang="en-US" dirty="0" err="1" smtClean="0"/>
-              <a:t>assenza</a:t>
-            </a:r>
-            <a:r>
-              <a:rPr lang="en-US" dirty="0" smtClean="0"/>
-              <a:t> del </a:t>
-            </a:r>
-            <a:r>
-              <a:rPr lang="en-US" dirty="0" err="1" smtClean="0"/>
-              <a:t>pescatore</a:t>
-            </a:r>
-            <a:endParaRPr lang="en-US" dirty="0" smtClean="0"/>
-          </a:p>
-          <a:p>
-            <a:r>
-              <a:rPr lang="en-US" dirty="0" smtClean="0"/>
-              <a:t>Capra e </a:t>
-            </a:r>
-            <a:r>
-              <a:rPr lang="en-US" dirty="0" err="1" smtClean="0"/>
-              <a:t>cavolo</a:t>
-            </a:r>
-            <a:r>
-              <a:rPr lang="en-US" dirty="0" smtClean="0"/>
-              <a:t> non </a:t>
-            </a:r>
-            <a:r>
-              <a:rPr lang="en-US" dirty="0" err="1" smtClean="0"/>
-              <a:t>possono</a:t>
-            </a:r>
-            <a:r>
-              <a:rPr lang="en-US" dirty="0" smtClean="0"/>
-              <a:t> stare </a:t>
-            </a:r>
-            <a:r>
-              <a:rPr lang="en-US" dirty="0" err="1" smtClean="0"/>
-              <a:t>insieme</a:t>
-            </a:r>
-            <a:r>
-              <a:rPr lang="en-US" dirty="0" smtClean="0"/>
-              <a:t> </a:t>
-            </a:r>
-            <a:r>
-              <a:rPr lang="en-US" dirty="0" err="1" smtClean="0"/>
-              <a:t>durante</a:t>
-            </a:r>
-            <a:r>
-              <a:rPr lang="en-US" dirty="0" smtClean="0"/>
-              <a:t> </a:t>
-            </a:r>
-            <a:r>
-              <a:rPr lang="en-US" dirty="0" err="1" smtClean="0"/>
-              <a:t>il</a:t>
-            </a:r>
-            <a:r>
-              <a:rPr lang="en-US" dirty="0" smtClean="0"/>
-              <a:t> </a:t>
-            </a:r>
-            <a:r>
-              <a:rPr lang="en-US" dirty="0" err="1" smtClean="0"/>
-              <a:t>periodo</a:t>
-            </a:r>
-            <a:r>
-              <a:rPr lang="en-US" dirty="0" smtClean="0"/>
-              <a:t> di </a:t>
-            </a:r>
-            <a:r>
-              <a:rPr lang="en-US" dirty="0" err="1" smtClean="0"/>
-              <a:t>assenza</a:t>
-            </a:r>
-            <a:r>
-              <a:rPr lang="en-US" dirty="0" smtClean="0"/>
-              <a:t> del </a:t>
-            </a:r>
-            <a:r>
-              <a:rPr lang="en-US" dirty="0" err="1" smtClean="0"/>
-              <a:t>pescatore</a:t>
-            </a:r>
-            <a:endParaRPr lang="en-US" dirty="0" smtClean="0"/>
-          </a:p>
-          <a:p>
-            <a:pPr marL="0" indent="0">
-              <a:buNone/>
-            </a:pPr>
-            <a:endParaRPr lang="en-US" dirty="0"/>
           </a:p>
         </p:txBody>
       </p:sp>
@@ -7665,8 +7729,363 @@
         </p:blipFill>
         <p:spPr>
           <a:xfrm>
-            <a:off x="3408636" y="4330174"/>
-            <a:ext cx="2255716" cy="1707556"/>
+            <a:off x="4385849" y="381000"/>
+            <a:ext cx="1253657" cy="949007"/>
+          </a:xfrm>
+          <a:prstGeom prst="rect">
+            <a:avLst/>
+          </a:prstGeom>
+        </p:spPr>
+      </p:pic>
+      <p:sp>
+        <p:nvSpPr>
+          <p:cNvPr id="5" name="TextBox 4"/>
+          <p:cNvSpPr txBox="1"/>
+          <p:nvPr/>
+        </p:nvSpPr>
+        <p:spPr>
+          <a:xfrm>
+            <a:off x="412574" y="2497130"/>
+            <a:ext cx="7583487" cy="1323439"/>
+          </a:xfrm>
+          <a:prstGeom prst="rect">
+            <a:avLst/>
+          </a:prstGeom>
+          <a:noFill/>
+        </p:spPr>
+        <p:txBody>
+          <a:bodyPr wrap="square" rtlCol="0">
+            <a:spAutoFit/>
+          </a:bodyPr>
+          <a:lstStyle/>
+          <a:p>
+            <a:r>
+              <a:rPr lang="en-US" sz="2200" dirty="0">
+                <a:solidFill>
+                  <a:schemeClr val="bg1"/>
+                </a:solidFill>
+              </a:rPr>
+              <a:t>Capra e </a:t>
+            </a:r>
+            <a:r>
+              <a:rPr lang="en-US" sz="2200" dirty="0" err="1">
+                <a:solidFill>
+                  <a:schemeClr val="bg1"/>
+                </a:solidFill>
+              </a:rPr>
+              <a:t>Lupo</a:t>
+            </a:r>
+            <a:r>
+              <a:rPr lang="en-US" sz="2200" dirty="0">
+                <a:solidFill>
+                  <a:schemeClr val="bg1"/>
+                </a:solidFill>
+              </a:rPr>
+              <a:t> non </a:t>
+            </a:r>
+            <a:r>
+              <a:rPr lang="en-US" sz="2200" dirty="0" err="1">
+                <a:solidFill>
+                  <a:schemeClr val="bg1"/>
+                </a:solidFill>
+              </a:rPr>
+              <a:t>possono</a:t>
+            </a:r>
+            <a:r>
+              <a:rPr lang="en-US" sz="2200" dirty="0">
+                <a:solidFill>
+                  <a:schemeClr val="bg1"/>
+                </a:solidFill>
+              </a:rPr>
+              <a:t> stare </a:t>
+            </a:r>
+            <a:r>
+              <a:rPr lang="en-US" sz="2200" dirty="0" err="1">
+                <a:solidFill>
+                  <a:schemeClr val="bg1"/>
+                </a:solidFill>
+              </a:rPr>
+              <a:t>insieme</a:t>
+            </a:r>
+            <a:r>
+              <a:rPr lang="en-US" sz="2200" dirty="0">
+                <a:solidFill>
+                  <a:schemeClr val="bg1"/>
+                </a:solidFill>
+              </a:rPr>
+              <a:t> </a:t>
+            </a:r>
+            <a:r>
+              <a:rPr lang="en-US" sz="2200" dirty="0" err="1">
+                <a:solidFill>
+                  <a:schemeClr val="bg1"/>
+                </a:solidFill>
+              </a:rPr>
+              <a:t>durante</a:t>
+            </a:r>
+            <a:r>
+              <a:rPr lang="en-US" sz="2200" dirty="0">
+                <a:solidFill>
+                  <a:schemeClr val="bg1"/>
+                </a:solidFill>
+              </a:rPr>
+              <a:t> </a:t>
+            </a:r>
+            <a:r>
+              <a:rPr lang="en-US" sz="2200" dirty="0" err="1">
+                <a:solidFill>
+                  <a:schemeClr val="bg1"/>
+                </a:solidFill>
+              </a:rPr>
+              <a:t>il</a:t>
+            </a:r>
+            <a:r>
+              <a:rPr lang="en-US" sz="2200" dirty="0">
+                <a:solidFill>
+                  <a:schemeClr val="bg1"/>
+                </a:solidFill>
+              </a:rPr>
+              <a:t> </a:t>
+            </a:r>
+            <a:r>
+              <a:rPr lang="en-US" sz="2200" dirty="0" err="1">
+                <a:solidFill>
+                  <a:schemeClr val="bg1"/>
+                </a:solidFill>
+              </a:rPr>
+              <a:t>periodo</a:t>
+            </a:r>
+            <a:r>
+              <a:rPr lang="en-US" sz="2200" dirty="0">
+                <a:solidFill>
+                  <a:schemeClr val="bg1"/>
+                </a:solidFill>
+              </a:rPr>
+              <a:t> di </a:t>
+            </a:r>
+            <a:r>
+              <a:rPr lang="en-US" sz="2200" dirty="0" err="1">
+                <a:solidFill>
+                  <a:schemeClr val="bg1"/>
+                </a:solidFill>
+              </a:rPr>
+              <a:t>assenza</a:t>
+            </a:r>
+            <a:r>
+              <a:rPr lang="en-US" sz="2200" dirty="0">
+                <a:solidFill>
+                  <a:schemeClr val="bg1"/>
+                </a:solidFill>
+              </a:rPr>
+              <a:t> del </a:t>
+            </a:r>
+            <a:r>
+              <a:rPr lang="en-US" sz="2200" dirty="0" err="1">
+                <a:solidFill>
+                  <a:schemeClr val="bg1"/>
+                </a:solidFill>
+              </a:rPr>
+              <a:t>pescatore</a:t>
+            </a:r>
+            <a:endParaRPr lang="en-US" sz="2200" dirty="0">
+              <a:solidFill>
+                <a:schemeClr val="bg1"/>
+              </a:solidFill>
+            </a:endParaRPr>
+          </a:p>
+          <a:p>
+            <a:endParaRPr lang="en-US" dirty="0"/>
+          </a:p>
+          <a:p>
+            <a:endParaRPr lang="en-US" dirty="0"/>
+          </a:p>
+        </p:txBody>
+      </p:sp>
+      <p:sp>
+        <p:nvSpPr>
+          <p:cNvPr id="6" name="TextBox 5"/>
+          <p:cNvSpPr txBox="1"/>
+          <p:nvPr/>
+        </p:nvSpPr>
+        <p:spPr>
+          <a:xfrm>
+            <a:off x="412574" y="3599960"/>
+            <a:ext cx="7583487" cy="1046440"/>
+          </a:xfrm>
+          <a:prstGeom prst="rect">
+            <a:avLst/>
+          </a:prstGeom>
+          <a:noFill/>
+        </p:spPr>
+        <p:txBody>
+          <a:bodyPr wrap="square" rtlCol="0">
+            <a:spAutoFit/>
+          </a:bodyPr>
+          <a:lstStyle/>
+          <a:p>
+            <a:r>
+              <a:rPr lang="en-US" sz="2200" dirty="0">
+                <a:solidFill>
+                  <a:schemeClr val="bg1"/>
+                </a:solidFill>
+              </a:rPr>
+              <a:t>Capra e </a:t>
+            </a:r>
+            <a:r>
+              <a:rPr lang="en-US" sz="2200" dirty="0" err="1">
+                <a:solidFill>
+                  <a:schemeClr val="bg1"/>
+                </a:solidFill>
+              </a:rPr>
+              <a:t>cavolo</a:t>
+            </a:r>
+            <a:r>
+              <a:rPr lang="en-US" sz="2200" dirty="0">
+                <a:solidFill>
+                  <a:schemeClr val="bg1"/>
+                </a:solidFill>
+              </a:rPr>
+              <a:t> non </a:t>
+            </a:r>
+            <a:r>
+              <a:rPr lang="en-US" sz="2200" dirty="0" err="1">
+                <a:solidFill>
+                  <a:schemeClr val="bg1"/>
+                </a:solidFill>
+              </a:rPr>
+              <a:t>possono</a:t>
+            </a:r>
+            <a:r>
+              <a:rPr lang="en-US" sz="2200" dirty="0">
+                <a:solidFill>
+                  <a:schemeClr val="bg1"/>
+                </a:solidFill>
+              </a:rPr>
+              <a:t> stare </a:t>
+            </a:r>
+            <a:r>
+              <a:rPr lang="en-US" sz="2200" dirty="0" err="1">
+                <a:solidFill>
+                  <a:schemeClr val="bg1"/>
+                </a:solidFill>
+              </a:rPr>
+              <a:t>insieme</a:t>
+            </a:r>
+            <a:r>
+              <a:rPr lang="en-US" sz="2200" dirty="0">
+                <a:solidFill>
+                  <a:schemeClr val="bg1"/>
+                </a:solidFill>
+              </a:rPr>
+              <a:t> </a:t>
+            </a:r>
+            <a:r>
+              <a:rPr lang="en-US" sz="2200" dirty="0" err="1">
+                <a:solidFill>
+                  <a:schemeClr val="bg1"/>
+                </a:solidFill>
+              </a:rPr>
+              <a:t>durante</a:t>
+            </a:r>
+            <a:r>
+              <a:rPr lang="en-US" sz="2200" dirty="0">
+                <a:solidFill>
+                  <a:schemeClr val="bg1"/>
+                </a:solidFill>
+              </a:rPr>
+              <a:t> </a:t>
+            </a:r>
+            <a:r>
+              <a:rPr lang="en-US" sz="2200" dirty="0" err="1">
+                <a:solidFill>
+                  <a:schemeClr val="bg1"/>
+                </a:solidFill>
+              </a:rPr>
+              <a:t>il</a:t>
+            </a:r>
+            <a:r>
+              <a:rPr lang="en-US" sz="2200" dirty="0">
+                <a:solidFill>
+                  <a:schemeClr val="bg1"/>
+                </a:solidFill>
+              </a:rPr>
+              <a:t> </a:t>
+            </a:r>
+            <a:r>
+              <a:rPr lang="en-US" sz="2200" dirty="0" err="1">
+                <a:solidFill>
+                  <a:schemeClr val="bg1"/>
+                </a:solidFill>
+              </a:rPr>
+              <a:t>periodo</a:t>
+            </a:r>
+            <a:r>
+              <a:rPr lang="en-US" sz="2200" dirty="0">
+                <a:solidFill>
+                  <a:schemeClr val="bg1"/>
+                </a:solidFill>
+              </a:rPr>
+              <a:t> di </a:t>
+            </a:r>
+            <a:r>
+              <a:rPr lang="en-US" sz="2200" dirty="0" err="1">
+                <a:solidFill>
+                  <a:schemeClr val="bg1"/>
+                </a:solidFill>
+              </a:rPr>
+              <a:t>assenza</a:t>
+            </a:r>
+            <a:r>
+              <a:rPr lang="en-US" sz="2200" dirty="0">
+                <a:solidFill>
+                  <a:schemeClr val="bg1"/>
+                </a:solidFill>
+              </a:rPr>
+              <a:t> del </a:t>
+            </a:r>
+            <a:r>
+              <a:rPr lang="en-US" sz="2200" dirty="0" err="1">
+                <a:solidFill>
+                  <a:schemeClr val="bg1"/>
+                </a:solidFill>
+              </a:rPr>
+              <a:t>pescatore</a:t>
+            </a:r>
+            <a:endParaRPr lang="en-US" sz="2200" dirty="0">
+              <a:solidFill>
+                <a:schemeClr val="bg1"/>
+              </a:solidFill>
+            </a:endParaRPr>
+          </a:p>
+          <a:p>
+            <a:endParaRPr lang="en-US" dirty="0"/>
+          </a:p>
+        </p:txBody>
+      </p:sp>
+      <p:pic>
+        <p:nvPicPr>
+          <p:cNvPr id="7" name="Picture 6" descr="numero-uno1.png"/>
+          <p:cNvPicPr>
+            <a:picLocks noChangeAspect="1"/>
+          </p:cNvPicPr>
+          <p:nvPr/>
+        </p:nvPicPr>
+        <p:blipFill>
+          <a:blip r:embed="rId3">
+            <a:extLst>
+              <a:ext uri="{28A0092B-C50C-407E-A947-70E740481C1C}">
+                <a14:useLocalDpi xmlns:a14="http://schemas.microsoft.com/office/drawing/2010/main" val="0"/>
+              </a:ext>
+            </a:extLst>
+          </a:blip>
+          <a:stretch>
+            <a:fillRect/>
+          </a:stretch>
+        </p:blipFill>
+        <p:spPr>
+          <a:xfrm>
+            <a:off x="7144455" y="1330007"/>
+            <a:ext cx="1285099" cy="1167123"/>
           </a:xfrm>
           <a:prstGeom prst="rect">
             <a:avLst/>

--- a/Quesito4-presentazione.pptx
+++ b/Quesito4-presentazione.pptx
@@ -18,7 +18,6 @@
     <p:sldId id="263" r:id="rId12"/>
     <p:sldId id="264" r:id="rId13"/>
     <p:sldId id="265" r:id="rId14"/>
-    <p:sldId id="269" r:id="rId15"/>
   </p:sldIdLst>
   <p:sldSz cx="9144000" cy="6858000" type="screen4x3"/>
   <p:notesSz cx="6858000" cy="9144000"/>
@@ -5466,7 +5465,7 @@
                   <a:srgbClr val="D7EEFB"/>
                 </a:solidFill>
               </a:rPr>
-              <a:t>TeamSoftwareRevolution</a:t>
+              <a:t>TeamSoftwareRevolut</a:t>
             </a:r>
             <a:endParaRPr lang="en-US" sz="3200" dirty="0">
               <a:solidFill>
@@ -5476,9 +5475,39 @@
           </a:p>
         </p:txBody>
       </p:sp>
-      <p:sp>
-        <p:nvSpPr>
-          <p:cNvPr id="5" name="TextBox 4"/>
+      <p:pic>
+        <p:nvPicPr>
+          <p:cNvPr id="2" name="Picture 1" descr="image15.png"/>
+          <p:cNvPicPr>
+            <a:picLocks noChangeAspect="1"/>
+          </p:cNvPicPr>
+          <p:nvPr/>
+        </p:nvPicPr>
+        <p:blipFill>
+          <a:blip r:embed="rId2">
+            <a:extLst>
+              <a:ext uri="{28A0092B-C50C-407E-A947-70E740481C1C}">
+                <a14:useLocalDpi xmlns:a14="http://schemas.microsoft.com/office/drawing/2010/main" val="0"/>
+              </a:ext>
+            </a:extLst>
+          </a:blip>
+          <a:stretch>
+            <a:fillRect/>
+          </a:stretch>
+        </p:blipFill>
+        <p:spPr>
+          <a:xfrm>
+            <a:off x="0" y="0"/>
+            <a:ext cx="9204915" cy="6858000"/>
+          </a:xfrm>
+          <a:prstGeom prst="rect">
+            <a:avLst/>
+          </a:prstGeom>
+        </p:spPr>
+      </p:pic>
+      <p:sp>
+        <p:nvSpPr>
+          <p:cNvPr id="6" name="TextBox 5"/>
           <p:cNvSpPr txBox="1"/>
           <p:nvPr/>
         </p:nvSpPr>
@@ -5495,63 +5524,269 @@
         <p:txBody>
           <a:bodyPr wrap="square" rtlCol="0">
             <a:spAutoFit/>
+            <a:scene3d>
+              <a:camera prst="orthographicFront"/>
+              <a:lightRig rig="soft" dir="tl">
+                <a:rot lat="0" lon="0" rev="0"/>
+              </a:lightRig>
+            </a:scene3d>
+            <a:sp3d contourW="25400" prstMaterial="matte">
+              <a:bevelT w="25400" h="55880" prst="artDeco"/>
+              <a:contourClr>
+                <a:schemeClr val="accent2">
+                  <a:tint val="20000"/>
+                </a:schemeClr>
+              </a:contourClr>
+            </a:sp3d>
           </a:bodyPr>
           <a:lstStyle/>
           <a:p>
-            <a:pPr algn="ctr"/>
-            <a:r>
-              <a:rPr lang="en-US" sz="6600" dirty="0" smtClean="0"/>
+            <a:r>
+              <a:rPr lang="en-US" sz="6600" b="1" spc="50" dirty="0" smtClean="0">
+                <a:ln w="11430"/>
+                <a:gradFill>
+                  <a:gsLst>
+                    <a:gs pos="25000">
+                      <a:schemeClr val="accent2">
+                        <a:satMod val="155000"/>
+                      </a:schemeClr>
+                    </a:gs>
+                    <a:gs pos="100000">
+                      <a:schemeClr val="accent2">
+                        <a:shade val="45000"/>
+                        <a:satMod val="165000"/>
+                      </a:schemeClr>
+                    </a:gs>
+                  </a:gsLst>
+                  <a:lin ang="5400000"/>
+                </a:gradFill>
+                <a:effectLst>
+                  <a:outerShdw blurRad="76200" dist="50800" dir="5400000" algn="tl" rotWithShape="0">
+                    <a:srgbClr val="000000">
+                      <a:alpha val="65000"/>
+                    </a:srgbClr>
+                  </a:outerShdw>
+                </a:effectLst>
+              </a:rPr>
+              <a:t>Dilemma</a:t>
+            </a:r>
+          </a:p>
+          <a:p>
+            <a:r>
+              <a:rPr lang="en-US" sz="6600" b="1" spc="50" dirty="0">
+                <a:ln w="11430"/>
+                <a:gradFill>
+                  <a:gsLst>
+                    <a:gs pos="25000">
+                      <a:schemeClr val="accent2">
+                        <a:satMod val="155000"/>
+                      </a:schemeClr>
+                    </a:gs>
+                    <a:gs pos="100000">
+                      <a:schemeClr val="accent2">
+                        <a:shade val="45000"/>
+                        <a:satMod val="165000"/>
+                      </a:schemeClr>
+                    </a:gs>
+                  </a:gsLst>
+                  <a:lin ang="5400000"/>
+                </a:gradFill>
+                <a:effectLst>
+                  <a:outerShdw blurRad="76200" dist="50800" dir="5400000" algn="tl" rotWithShape="0">
+                    <a:srgbClr val="000000">
+                      <a:alpha val="65000"/>
+                    </a:srgbClr>
+                  </a:outerShdw>
+                </a:effectLst>
+              </a:rPr>
+              <a:t>d</a:t>
+            </a:r>
+            <a:r>
+              <a:rPr lang="en-US" sz="6600" b="1" spc="50" dirty="0" smtClean="0">
+                <a:ln w="11430"/>
+                <a:gradFill>
+                  <a:gsLst>
+                    <a:gs pos="25000">
+                      <a:schemeClr val="accent2">
+                        <a:satMod val="155000"/>
+                      </a:schemeClr>
+                    </a:gs>
+                    <a:gs pos="100000">
+                      <a:schemeClr val="accent2">
+                        <a:shade val="45000"/>
+                        <a:satMod val="165000"/>
+                      </a:schemeClr>
+                    </a:gs>
+                  </a:gsLst>
+                  <a:lin ang="5400000"/>
+                </a:gradFill>
+                <a:effectLst>
+                  <a:outerShdw blurRad="76200" dist="50800" dir="5400000" algn="tl" rotWithShape="0">
+                    <a:srgbClr val="000000">
+                      <a:alpha val="65000"/>
+                    </a:srgbClr>
+                  </a:outerShdw>
+                </a:effectLst>
+              </a:rPr>
+              <a:t>el</a:t>
+            </a:r>
+          </a:p>
+          <a:p>
+            <a:r>
+              <a:rPr lang="en-US" sz="6600" b="1" spc="50" dirty="0" err="1" smtClean="0">
+                <a:ln w="11430"/>
+                <a:gradFill>
+                  <a:gsLst>
+                    <a:gs pos="25000">
+                      <a:schemeClr val="accent2">
+                        <a:satMod val="155000"/>
+                      </a:schemeClr>
+                    </a:gs>
+                    <a:gs pos="100000">
+                      <a:schemeClr val="accent2">
+                        <a:shade val="45000"/>
+                        <a:satMod val="165000"/>
+                      </a:schemeClr>
+                    </a:gs>
+                  </a:gsLst>
+                  <a:lin ang="5400000"/>
+                </a:gradFill>
+                <a:effectLst>
+                  <a:outerShdw blurRad="76200" dist="50800" dir="5400000" algn="tl" rotWithShape="0">
+                    <a:srgbClr val="000000">
+                      <a:alpha val="65000"/>
+                    </a:srgbClr>
+                  </a:outerShdw>
+                </a:effectLst>
+              </a:rPr>
+              <a:t>pescatore</a:t>
+            </a:r>
+            <a:endParaRPr lang="en-US" sz="7200" b="1" spc="50" dirty="0">
+              <a:ln w="11430"/>
+              <a:gradFill>
+                <a:gsLst>
+                  <a:gs pos="25000">
+                    <a:schemeClr val="accent2">
+                      <a:satMod val="155000"/>
+                    </a:schemeClr>
+                  </a:gs>
+                  <a:gs pos="100000">
+                    <a:schemeClr val="accent2">
+                      <a:shade val="45000"/>
+                      <a:satMod val="165000"/>
+                    </a:schemeClr>
+                  </a:gs>
+                </a:gsLst>
+                <a:lin ang="5400000"/>
+              </a:gradFill>
+              <a:effectLst>
+                <a:outerShdw blurRad="76200" dist="50800" dir="5400000" algn="tl" rotWithShape="0">
+                  <a:srgbClr val="000000">
+                    <a:alpha val="65000"/>
+                  </a:srgbClr>
+                </a:outerShdw>
+              </a:effectLst>
+            </a:endParaRPr>
+          </a:p>
+        </p:txBody>
+      </p:sp>
+      <p:sp>
+        <p:nvSpPr>
+          <p:cNvPr id="3" name="TextBox 2"/>
+          <p:cNvSpPr txBox="1"/>
+          <p:nvPr/>
+        </p:nvSpPr>
+        <p:spPr>
+          <a:xfrm>
+            <a:off x="1056037" y="95107"/>
+            <a:ext cx="7081911" cy="523220"/>
+          </a:xfrm>
+          <a:prstGeom prst="rect">
+            <a:avLst/>
+          </a:prstGeom>
+          <a:noFill/>
+        </p:spPr>
+        <p:txBody>
+          <a:bodyPr wrap="none" rtlCol="0">
+            <a:spAutoFit/>
+          </a:bodyPr>
+          <a:lstStyle/>
+          <a:p>
+            <a:r>
+              <a:rPr lang="en-US" sz="2800" dirty="0" smtClean="0">
+                <a:solidFill>
+                  <a:srgbClr val="FFFF00"/>
+                </a:solidFill>
+              </a:rPr>
+              <a:t>ISW </a:t>
+            </a:r>
+            <a:r>
+              <a:rPr lang="en-US" sz="2800" dirty="0" smtClean="0">
+                <a:solidFill>
+                  <a:srgbClr val="FFFF00"/>
+                </a:solidFill>
+              </a:rPr>
+              <a:t>–</a:t>
+            </a:r>
+            <a:r>
+              <a:rPr lang="en-US" sz="2800" dirty="0" smtClean="0">
+                <a:solidFill>
+                  <a:srgbClr val="FFFF00"/>
+                </a:solidFill>
+              </a:rPr>
               <a:t> </a:t>
             </a:r>
             <a:r>
-              <a:rPr lang="en-US" sz="6600" b="1" dirty="0" smtClean="0">
-                <a:solidFill>
-                  <a:srgbClr val="D7EEFB"/>
-                </a:solidFill>
-              </a:rPr>
-              <a:t>Dilemma </a:t>
-            </a:r>
-          </a:p>
-          <a:p>
-            <a:pPr algn="ctr"/>
-            <a:r>
-              <a:rPr lang="en-US" sz="6600" b="1" dirty="0">
-                <a:solidFill>
-                  <a:srgbClr val="D7EEFB"/>
-                </a:solidFill>
-              </a:rPr>
-              <a:t>d</a:t>
-            </a:r>
-            <a:r>
-              <a:rPr lang="en-US" sz="6600" b="1" dirty="0" smtClean="0">
-                <a:solidFill>
-                  <a:srgbClr val="D7EEFB"/>
-                </a:solidFill>
-              </a:rPr>
-              <a:t>el</a:t>
-            </a:r>
-          </a:p>
-          <a:p>
-            <a:pPr algn="ctr"/>
-            <a:r>
-              <a:rPr lang="en-US" sz="6600" b="1" dirty="0" smtClean="0">
-                <a:solidFill>
-                  <a:srgbClr val="D7EEFB"/>
+              <a:rPr lang="en-US" sz="2800" dirty="0" err="1" smtClean="0">
+                <a:solidFill>
+                  <a:srgbClr val="FFFF00"/>
+                </a:solidFill>
+              </a:rPr>
+              <a:t>Gruppo</a:t>
+            </a:r>
+            <a:r>
+              <a:rPr lang="en-US" sz="2800" dirty="0">
+                <a:solidFill>
+                  <a:srgbClr val="FFFF00"/>
                 </a:solidFill>
               </a:rPr>
               <a:t> </a:t>
             </a:r>
             <a:r>
-              <a:rPr lang="en-US" sz="6600" b="1" dirty="0" err="1" smtClean="0">
-                <a:solidFill>
-                  <a:srgbClr val="D7EEFB"/>
-                </a:solidFill>
-              </a:rPr>
-              <a:t>pescatore</a:t>
-            </a:r>
-            <a:endParaRPr lang="en-US" sz="7200" b="1" dirty="0">
+              <a:rPr lang="en-US" sz="2800" dirty="0" smtClean="0">
+                <a:solidFill>
+                  <a:srgbClr val="FFFF00"/>
+                </a:solidFill>
+              </a:rPr>
+              <a:t>01 </a:t>
+            </a:r>
+            <a:r>
+              <a:rPr lang="en-US" sz="2800" dirty="0" smtClean="0">
+                <a:solidFill>
+                  <a:srgbClr val="FFFF00"/>
+                </a:solidFill>
+              </a:rPr>
+              <a:t>–</a:t>
+            </a:r>
+            <a:r>
+              <a:rPr lang="en-US" sz="2800" dirty="0" smtClean="0">
+                <a:solidFill>
+                  <a:srgbClr val="FFFF00"/>
+                </a:solidFill>
+              </a:rPr>
+              <a:t> </a:t>
+            </a:r>
+            <a:r>
+              <a:rPr lang="en-US" sz="2800" dirty="0" err="1" smtClean="0">
+                <a:solidFill>
+                  <a:srgbClr val="FFFF00"/>
+                </a:solidFill>
+              </a:rPr>
+              <a:t>TeamSoftwareRevolution</a:t>
+            </a:r>
+            <a:endParaRPr lang="en-US" sz="2800" dirty="0">
               <a:solidFill>
-                <a:srgbClr val="D7EEFB"/>
+                <a:srgbClr val="FFFF00"/>
               </a:solidFill>
             </a:endParaRPr>
           </a:p>
@@ -5627,7 +5862,12 @@
             <p:ph idx="1"/>
           </p:nvPr>
         </p:nvSpPr>
-        <p:spPr/>
+        <p:spPr>
+          <a:xfrm>
+            <a:off x="779463" y="1828800"/>
+            <a:ext cx="7583487" cy="2708717"/>
+          </a:xfrm>
+        </p:spPr>
         <p:txBody>
           <a:bodyPr/>
           <a:lstStyle/>
@@ -5831,42 +6071,174 @@
               <a:rPr lang="en-US" dirty="0" err="1" smtClean="0"/>
               <a:t>ermetico</a:t>
             </a:r>
-            <a:endParaRPr lang="en-US" dirty="0"/>
+            <a:endParaRPr lang="en-US" dirty="0" smtClean="0"/>
           </a:p>
           <a:p>
             <a:pPr marL="0" indent="0">
               <a:buNone/>
             </a:pPr>
-            <a:r>
-              <a:rPr lang="en-US" dirty="0" err="1" smtClean="0"/>
+            <a:endParaRPr lang="en-US" dirty="0"/>
+          </a:p>
+        </p:txBody>
+      </p:sp>
+      <p:sp>
+        <p:nvSpPr>
+          <p:cNvPr id="4" name="TextBox 3"/>
+          <p:cNvSpPr txBox="1"/>
+          <p:nvPr/>
+        </p:nvSpPr>
+        <p:spPr>
+          <a:xfrm>
+            <a:off x="779463" y="4965584"/>
+            <a:ext cx="4531033" cy="923330"/>
+          </a:xfrm>
+          <a:prstGeom prst="rect">
+            <a:avLst/>
+          </a:prstGeom>
+          <a:noFill/>
+        </p:spPr>
+        <p:txBody>
+          <a:bodyPr wrap="none" rtlCol="0">
+            <a:spAutoFit/>
+          </a:bodyPr>
+          <a:lstStyle/>
+          <a:p>
+            <a:r>
+              <a:rPr lang="en-US" sz="3600" b="1" dirty="0" err="1">
+                <a:solidFill>
+                  <a:srgbClr val="FF7172"/>
+                </a:solidFill>
+              </a:rPr>
               <a:t>Numero</a:t>
             </a:r>
             <a:r>
-              <a:rPr lang="en-US" dirty="0" smtClean="0"/>
+              <a:rPr lang="en-US" sz="3600" b="1" dirty="0">
+                <a:solidFill>
+                  <a:srgbClr val="FF7172"/>
+                </a:solidFill>
+              </a:rPr>
               <a:t> di </a:t>
             </a:r>
             <a:r>
-              <a:rPr lang="en-US" dirty="0" err="1" smtClean="0"/>
+              <a:rPr lang="en-US" sz="3600" b="1" dirty="0" err="1">
+                <a:solidFill>
+                  <a:srgbClr val="FF7172"/>
+                </a:solidFill>
+              </a:rPr>
               <a:t>viaggi</a:t>
             </a:r>
             <a:r>
-              <a:rPr lang="en-US" dirty="0" smtClean="0"/>
+              <a:rPr lang="en-US" sz="3600" b="1" dirty="0">
+                <a:solidFill>
+                  <a:srgbClr val="FF7172"/>
+                </a:solidFill>
+              </a:rPr>
               <a:t> : 1</a:t>
             </a:r>
           </a:p>
           <a:p>
-            <a:pPr marL="457200" indent="-457200">
-              <a:buFont typeface="+mj-lt"/>
-              <a:buAutoNum type="arabicPeriod"/>
-            </a:pPr>
-            <a:endParaRPr lang="en-US" dirty="0" smtClean="0"/>
-          </a:p>
-          <a:p>
-            <a:pPr marL="457200" indent="-457200">
-              <a:buFont typeface="+mj-lt"/>
-              <a:buAutoNum type="arabicPeriod"/>
-            </a:pPr>
             <a:endParaRPr lang="en-US" dirty="0"/>
+          </a:p>
+        </p:txBody>
+      </p:sp>
+      <p:pic>
+        <p:nvPicPr>
+          <p:cNvPr id="5" name="Picture 4" descr="uomo-gatto_sarabanda.jpg"/>
+          <p:cNvPicPr>
+            <a:picLocks noChangeAspect="1"/>
+          </p:cNvPicPr>
+          <p:nvPr/>
+        </p:nvPicPr>
+        <p:blipFill>
+          <a:blip r:embed="rId2">
+            <a:extLst>
+              <a:ext uri="{28A0092B-C50C-407E-A947-70E740481C1C}">
+                <a14:useLocalDpi xmlns:a14="http://schemas.microsoft.com/office/drawing/2010/main" val="0"/>
+              </a:ext>
+            </a:extLst>
+          </a:blip>
+          <a:stretch>
+            <a:fillRect/>
+          </a:stretch>
+        </p:blipFill>
+        <p:spPr>
+          <a:xfrm>
+            <a:off x="5674387" y="4197555"/>
+            <a:ext cx="2916620" cy="2480410"/>
+          </a:xfrm>
+          <a:prstGeom prst="rect">
+            <a:avLst/>
+          </a:prstGeom>
+        </p:spPr>
+      </p:pic>
+      <p:sp>
+        <p:nvSpPr>
+          <p:cNvPr id="6" name="TextBox 5"/>
+          <p:cNvSpPr txBox="1"/>
+          <p:nvPr/>
+        </p:nvSpPr>
+        <p:spPr>
+          <a:xfrm>
+            <a:off x="5674387" y="4197555"/>
+            <a:ext cx="2916620" cy="369332"/>
+          </a:xfrm>
+          <a:prstGeom prst="rect">
+            <a:avLst/>
+          </a:prstGeom>
+          <a:noFill/>
+        </p:spPr>
+        <p:txBody>
+          <a:bodyPr wrap="square" rtlCol="0">
+            <a:spAutoFit/>
+          </a:bodyPr>
+          <a:lstStyle/>
+          <a:p>
+            <a:pPr algn="ctr"/>
+            <a:r>
+              <a:rPr lang="en-US" b="1" dirty="0" smtClean="0">
+                <a:solidFill>
+                  <a:schemeClr val="bg1"/>
+                </a:solidFill>
+              </a:rPr>
+              <a:t>La </a:t>
+            </a:r>
+            <a:r>
+              <a:rPr lang="en-US" b="1" dirty="0" err="1" smtClean="0">
+                <a:solidFill>
+                  <a:schemeClr val="bg1"/>
+                </a:solidFill>
+              </a:rPr>
+              <a:t>indovino</a:t>
+            </a:r>
+            <a:r>
+              <a:rPr lang="en-US" b="1" dirty="0" smtClean="0">
+                <a:solidFill>
+                  <a:schemeClr val="bg1"/>
+                </a:solidFill>
+              </a:rPr>
+              <a:t> con </a:t>
+            </a:r>
+            <a:r>
+              <a:rPr lang="en-US" b="1" dirty="0" err="1" smtClean="0">
+                <a:solidFill>
+                  <a:schemeClr val="bg1"/>
+                </a:solidFill>
+              </a:rPr>
+              <a:t>una</a:t>
+            </a:r>
+            <a:r>
+              <a:rPr lang="en-US" b="1" dirty="0" smtClean="0">
+                <a:solidFill>
+                  <a:schemeClr val="bg1"/>
+                </a:solidFill>
+              </a:rPr>
+              <a:t>!</a:t>
+            </a:r>
+            <a:endParaRPr lang="en-US" b="1" dirty="0">
+              <a:solidFill>
+                <a:schemeClr val="bg1"/>
+              </a:solidFill>
+            </a:endParaRPr>
           </a:p>
         </p:txBody>
       </p:sp>
@@ -5883,9 +6255,442 @@
   <p:timing>
     <p:tnLst>
       <p:par>
-        <p:cTn xmlns:p14="http://schemas.microsoft.com/office/powerpoint/2010/main" id="1" dur="indefinite" restart="never" nodeType="tmRoot"/>
+        <p:cTn xmlns:p14="http://schemas.microsoft.com/office/powerpoint/2010/main" id="1" dur="indefinite" restart="never" nodeType="tmRoot">
+          <p:childTnLst>
+            <p:seq concurrent="1" nextAc="seek">
+              <p:cTn id="2" dur="indefinite" nodeType="mainSeq">
+                <p:childTnLst>
+                  <p:par>
+                    <p:cTn id="3" fill="hold">
+                      <p:stCondLst>
+                        <p:cond delay="indefinite"/>
+                      </p:stCondLst>
+                      <p:childTnLst>
+                        <p:par>
+                          <p:cTn id="4" fill="hold">
+                            <p:stCondLst>
+                              <p:cond delay="0"/>
+                            </p:stCondLst>
+                            <p:childTnLst>
+                              <p:par>
+                                <p:cTn id="5" presetID="43" presetClass="entr" presetSubtype="0" fill="hold" grpId="0" nodeType="clickEffect">
+                                  <p:stCondLst>
+                                    <p:cond delay="0"/>
+                                  </p:stCondLst>
+                                  <p:childTnLst>
+                                    <p:set>
+                                      <p:cBhvr>
+                                        <p:cTn id="6" dur="1" fill="hold">
+                                          <p:stCondLst>
+                                            <p:cond delay="0"/>
+                                          </p:stCondLst>
+                                        </p:cTn>
+                                        <p:tgtEl>
+                                          <p:spTgt spid="4"/>
+                                        </p:tgtEl>
+                                        <p:attrNameLst>
+                                          <p:attrName>style.visibility</p:attrName>
+                                        </p:attrNameLst>
+                                      </p:cBhvr>
+                                      <p:to>
+                                        <p:strVal val="visible"/>
+                                      </p:to>
+                                    </p:set>
+                                    <p:animEffect transition="in" filter="fade">
+                                      <p:cBhvr>
+                                        <p:cTn id="7" dur="100"/>
+                                        <p:tgtEl>
+                                          <p:spTgt spid="4"/>
+                                        </p:tgtEl>
+                                      </p:cBhvr>
+                                    </p:animEffect>
+                                    <p:anim calcmode="lin" valueType="num">
+                                      <p:cBhvr>
+                                        <p:cTn id="8" dur="400" fill="hold"/>
+                                        <p:tgtEl>
+                                          <p:spTgt spid="4"/>
+                                        </p:tgtEl>
+                                        <p:attrNameLst>
+                                          <p:attrName>ppt_x</p:attrName>
+                                        </p:attrNameLst>
+                                      </p:cBhvr>
+                                      <p:tavLst>
+                                        <p:tav tm="0">
+                                          <p:val>
+                                            <p:strVal val="#ppt_x"/>
+                                          </p:val>
+                                        </p:tav>
+                                        <p:tav tm="100000">
+                                          <p:val>
+                                            <p:strVal val="#ppt_x"/>
+                                          </p:val>
+                                        </p:tav>
+                                      </p:tavLst>
+                                    </p:anim>
+                                    <p:anim calcmode="lin" valueType="num">
+                                      <p:cBhvr>
+                                        <p:cTn id="9" dur="400" fill="hold"/>
+                                        <p:tgtEl>
+                                          <p:spTgt spid="4"/>
+                                        </p:tgtEl>
+                                        <p:attrNameLst>
+                                          <p:attrName>ppt_y</p:attrName>
+                                        </p:attrNameLst>
+                                      </p:cBhvr>
+                                      <p:tavLst>
+                                        <p:tav tm="0">
+                                          <p:val>
+                                            <p:strVal val="#ppt_y+0.31"/>
+                                          </p:val>
+                                        </p:tav>
+                                        <p:tav tm="100000">
+                                          <p:val>
+                                            <p:strVal val="#ppt_y+0.31"/>
+                                          </p:val>
+                                        </p:tav>
+                                      </p:tavLst>
+                                    </p:anim>
+                                    <p:anim calcmode="lin" valueType="num">
+                                      <p:cBhvr>
+                                        <p:cTn id="10" dur="600" decel="50000" fill="hold">
+                                          <p:stCondLst>
+                                            <p:cond delay="400"/>
+                                          </p:stCondLst>
+                                        </p:cTn>
+                                        <p:tgtEl>
+                                          <p:spTgt spid="4"/>
+                                        </p:tgtEl>
+                                        <p:attrNameLst>
+                                          <p:attrName>ppt_x</p:attrName>
+                                        </p:attrNameLst>
+                                      </p:cBhvr>
+                                      <p:tavLst>
+                                        <p:tav tm="0">
+                                          <p:val>
+                                            <p:strVal val="#ppt_x"/>
+                                          </p:val>
+                                        </p:tav>
+                                        <p:tav tm="5000">
+                                          <p:val>
+                                            <p:strVal val="#ppt_x+0.0242"/>
+                                          </p:val>
+                                        </p:tav>
+                                        <p:tav tm="10000">
+                                          <p:val>
+                                            <p:strVal val="#ppt_x+0.0479"/>
+                                          </p:val>
+                                        </p:tav>
+                                        <p:tav tm="15000">
+                                          <p:val>
+                                            <p:strVal val="#ppt_x+0.0704"/>
+                                          </p:val>
+                                        </p:tav>
+                                        <p:tav tm="20000">
+                                          <p:val>
+                                            <p:strVal val="#ppt_x+0.0911"/>
+                                          </p:val>
+                                        </p:tav>
+                                        <p:tav tm="25000">
+                                          <p:val>
+                                            <p:strVal val="#ppt_x+0.1096"/>
+                                          </p:val>
+                                        </p:tav>
+                                        <p:tav tm="30000">
+                                          <p:val>
+                                            <p:strVal val="#ppt_x+0.1254"/>
+                                          </p:val>
+                                        </p:tav>
+                                        <p:tav tm="35000">
+                                          <p:val>
+                                            <p:strVal val="#ppt_x+0.1381"/>
+                                          </p:val>
+                                        </p:tav>
+                                        <p:tav tm="40000">
+                                          <p:val>
+                                            <p:strVal val="#ppt_x+0.1474"/>
+                                          </p:val>
+                                        </p:tav>
+                                        <p:tav tm="45000">
+                                          <p:val>
+                                            <p:strVal val="#ppt_x+0.1531"/>
+                                          </p:val>
+                                        </p:tav>
+                                        <p:tav tm="50000">
+                                          <p:val>
+                                            <p:strVal val="#ppt_x+0.1550"/>
+                                          </p:val>
+                                        </p:tav>
+                                        <p:tav tm="55000">
+                                          <p:val>
+                                            <p:strVal val="#ppt_x+0.1531"/>
+                                          </p:val>
+                                        </p:tav>
+                                        <p:tav tm="60000">
+                                          <p:val>
+                                            <p:strVal val="#ppt_x+0.1474"/>
+                                          </p:val>
+                                        </p:tav>
+                                        <p:tav tm="65000">
+                                          <p:val>
+                                            <p:strVal val="#ppt_x+0.1381"/>
+                                          </p:val>
+                                        </p:tav>
+                                        <p:tav tm="70000">
+                                          <p:val>
+                                            <p:strVal val="#ppt_x+0.1254"/>
+                                          </p:val>
+                                        </p:tav>
+                                        <p:tav tm="75000">
+                                          <p:val>
+                                            <p:strVal val="#ppt_x+0.1096"/>
+                                          </p:val>
+                                        </p:tav>
+                                        <p:tav tm="80000">
+                                          <p:val>
+                                            <p:strVal val="#ppt_x+0.0911"/>
+                                          </p:val>
+                                        </p:tav>
+                                        <p:tav tm="85000">
+                                          <p:val>
+                                            <p:strVal val="#ppt_x+0.0704"/>
+                                          </p:val>
+                                        </p:tav>
+                                        <p:tav tm="90000">
+                                          <p:val>
+                                            <p:strVal val="#ppt_x+0.0479"/>
+                                          </p:val>
+                                        </p:tav>
+                                        <p:tav tm="95000">
+                                          <p:val>
+                                            <p:strVal val="#ppt_x+0.0242"/>
+                                          </p:val>
+                                        </p:tav>
+                                        <p:tav tm="100000">
+                                          <p:val>
+                                            <p:strVal val="#ppt_x"/>
+                                          </p:val>
+                                        </p:tav>
+                                      </p:tavLst>
+                                    </p:anim>
+                                    <p:anim calcmode="lin" valueType="num">
+                                      <p:cBhvr>
+                                        <p:cTn id="11" dur="600" decel="50000" fill="hold">
+                                          <p:stCondLst>
+                                            <p:cond delay="400"/>
+                                          </p:stCondLst>
+                                        </p:cTn>
+                                        <p:tgtEl>
+                                          <p:spTgt spid="4"/>
+                                        </p:tgtEl>
+                                        <p:attrNameLst>
+                                          <p:attrName>ppt_y</p:attrName>
+                                        </p:attrNameLst>
+                                      </p:cBhvr>
+                                      <p:tavLst>
+                                        <p:tav tm="0">
+                                          <p:val>
+                                            <p:strVal val="#ppt_y+0.31"/>
+                                          </p:val>
+                                        </p:tav>
+                                        <p:tav tm="5000">
+                                          <p:val>
+                                            <p:strVal val="#ppt_y+0.308"/>
+                                          </p:val>
+                                        </p:tav>
+                                        <p:tav tm="10000">
+                                          <p:val>
+                                            <p:strVal val="#ppt_y+0.3024"/>
+                                          </p:val>
+                                        </p:tav>
+                                        <p:tav tm="15000">
+                                          <p:val>
+                                            <p:strVal val="#ppt_y+0.2931"/>
+                                          </p:val>
+                                        </p:tav>
+                                        <p:tav tm="20000">
+                                          <p:val>
+                                            <p:strVal val="#ppt_y+0.2804"/>
+                                          </p:val>
+                                        </p:tav>
+                                        <p:tav tm="25000">
+                                          <p:val>
+                                            <p:strVal val="#ppt_y+0.2646"/>
+                                          </p:val>
+                                        </p:tav>
+                                        <p:tav tm="30000">
+                                          <p:val>
+                                            <p:strVal val="#ppt_y+0.2461"/>
+                                          </p:val>
+                                        </p:tav>
+                                        <p:tav tm="35000">
+                                          <p:val>
+                                            <p:strVal val="#ppt_y+0.2253"/>
+                                          </p:val>
+                                        </p:tav>
+                                        <p:tav tm="40000">
+                                          <p:val>
+                                            <p:strVal val="#ppt_y+0.2029"/>
+                                          </p:val>
+                                        </p:tav>
+                                        <p:tav tm="45000">
+                                          <p:val>
+                                            <p:strVal val="#ppt_y+0.1792"/>
+                                          </p:val>
+                                        </p:tav>
+                                        <p:tav tm="50000">
+                                          <p:val>
+                                            <p:strVal val="#ppt_y+0.155"/>
+                                          </p:val>
+                                        </p:tav>
+                                        <p:tav tm="55000">
+                                          <p:val>
+                                            <p:strVal val="#ppt_y+0.1307"/>
+                                          </p:val>
+                                        </p:tav>
+                                        <p:tav tm="60000">
+                                          <p:val>
+                                            <p:strVal val="#ppt_y+0.1071"/>
+                                          </p:val>
+                                        </p:tav>
+                                        <p:tav tm="65000">
+                                          <p:val>
+                                            <p:strVal val="#ppt_y+0.0846"/>
+                                          </p:val>
+                                        </p:tav>
+                                        <p:tav tm="70000">
+                                          <p:val>
+                                            <p:strVal val="#ppt_y+0.0639"/>
+                                          </p:val>
+                                        </p:tav>
+                                        <p:tav tm="75000">
+                                          <p:val>
+                                            <p:strVal val="#ppt_y+0.0454"/>
+                                          </p:val>
+                                        </p:tav>
+                                        <p:tav tm="80000">
+                                          <p:val>
+                                            <p:strVal val="#ppt_y+0.0296"/>
+                                          </p:val>
+                                        </p:tav>
+                                        <p:tav tm="85000">
+                                          <p:val>
+                                            <p:strVal val="#ppt_y+0.0169"/>
+                                          </p:val>
+                                        </p:tav>
+                                        <p:tav tm="90000">
+                                          <p:val>
+                                            <p:strVal val="#ppt_y+0.0076"/>
+                                          </p:val>
+                                        </p:tav>
+                                        <p:tav tm="95000">
+                                          <p:val>
+                                            <p:strVal val="#ppt_y+0.0019"/>
+                                          </p:val>
+                                        </p:tav>
+                                        <p:tav tm="100000">
+                                          <p:val>
+                                            <p:strVal val="#ppt_y"/>
+                                          </p:val>
+                                        </p:tav>
+                                      </p:tavLst>
+                                    </p:anim>
+                                  </p:childTnLst>
+                                </p:cTn>
+                              </p:par>
+                            </p:childTnLst>
+                          </p:cTn>
+                        </p:par>
+                        <p:par>
+                          <p:cTn id="12" fill="hold">
+                            <p:stCondLst>
+                              <p:cond delay="1000"/>
+                            </p:stCondLst>
+                            <p:childTnLst>
+                              <p:par>
+                                <p:cTn id="13" presetID="1" presetClass="entr" presetSubtype="0" fill="hold" nodeType="afterEffect">
+                                  <p:stCondLst>
+                                    <p:cond delay="0"/>
+                                  </p:stCondLst>
+                                  <p:childTnLst>
+                                    <p:set>
+                                      <p:cBhvr>
+                                        <p:cTn id="14" dur="1" fill="hold">
+                                          <p:stCondLst>
+                                            <p:cond delay="0"/>
+                                          </p:stCondLst>
+                                        </p:cTn>
+                                        <p:tgtEl>
+                                          <p:spTgt spid="5"/>
+                                        </p:tgtEl>
+                                        <p:attrNameLst>
+                                          <p:attrName>style.visibility</p:attrName>
+                                        </p:attrNameLst>
+                                      </p:cBhvr>
+                                      <p:to>
+                                        <p:strVal val="visible"/>
+                                      </p:to>
+                                    </p:set>
+                                  </p:childTnLst>
+                                </p:cTn>
+                              </p:par>
+                              <p:par>
+                                <p:cTn id="15" presetID="1" presetClass="entr" presetSubtype="0" fill="hold" grpId="0" nodeType="withEffect">
+                                  <p:stCondLst>
+                                    <p:cond delay="0"/>
+                                  </p:stCondLst>
+                                  <p:childTnLst>
+                                    <p:set>
+                                      <p:cBhvr>
+                                        <p:cTn id="16" dur="1" fill="hold">
+                                          <p:stCondLst>
+                                            <p:cond delay="0"/>
+                                          </p:stCondLst>
+                                        </p:cTn>
+                                        <p:tgtEl>
+                                          <p:spTgt spid="6"/>
+                                        </p:tgtEl>
+                                        <p:attrNameLst>
+                                          <p:attrName>style.visibility</p:attrName>
+                                        </p:attrNameLst>
+                                      </p:cBhvr>
+                                      <p:to>
+                                        <p:strVal val="visible"/>
+                                      </p:to>
+                                    </p:set>
+                                  </p:childTnLst>
+                                </p:cTn>
+                              </p:par>
+                            </p:childTnLst>
+                          </p:cTn>
+                        </p:par>
+                      </p:childTnLst>
+                    </p:cTn>
+                  </p:par>
+                </p:childTnLst>
+              </p:cTn>
+              <p:prevCondLst>
+                <p:cond evt="onPrev" delay="0">
+                  <p:tgtEl>
+                    <p:sldTgt/>
+                  </p:tgtEl>
+                </p:cond>
+              </p:prevCondLst>
+              <p:nextCondLst>
+                <p:cond evt="onNext" delay="0">
+                  <p:tgtEl>
+                    <p:sldTgt/>
+                  </p:tgtEl>
+                </p:cond>
+              </p:nextCondLst>
+            </p:seq>
+          </p:childTnLst>
+        </p:cTn>
       </p:par>
     </p:tnLst>
+    <p:bldLst>
+      <p:bldP spid="4" grpId="0"/>
+      <p:bldP spid="6" grpId="0"/>
+    </p:bldLst>
   </p:timing>
 </p:sld>
 </file>
@@ -5917,36 +6722,41 @@
             <p:ph type="title"/>
           </p:nvPr>
         </p:nvSpPr>
-        <p:spPr/>
+        <p:spPr>
+          <a:xfrm>
+            <a:off x="779463" y="381000"/>
+            <a:ext cx="8025606" cy="1044388"/>
+          </a:xfrm>
+        </p:spPr>
         <p:txBody>
           <a:bodyPr/>
           <a:lstStyle/>
           <a:p>
             <a:r>
-              <a:rPr lang="en-US" dirty="0" err="1" smtClean="0"/>
+              <a:rPr lang="en-US" sz="4400" b="1" dirty="0" err="1" smtClean="0"/>
               <a:t>Analisi</a:t>
             </a:r>
             <a:r>
-              <a:rPr lang="en-US" dirty="0" smtClean="0"/>
+              <a:rPr lang="en-US" sz="4400" b="1" dirty="0" smtClean="0"/>
               <a:t> </a:t>
             </a:r>
             <a:r>
-              <a:rPr lang="en-US" dirty="0" err="1" smtClean="0"/>
+              <a:rPr lang="en-US" sz="4400" b="1" dirty="0" err="1" smtClean="0"/>
               <a:t>soluzione</a:t>
             </a:r>
             <a:r>
-              <a:rPr lang="en-US" dirty="0" smtClean="0"/>
+              <a:rPr lang="en-US" sz="4400" b="1" dirty="0" smtClean="0"/>
               <a:t> </a:t>
             </a:r>
             <a:r>
-              <a:rPr lang="en-US" dirty="0" err="1" smtClean="0"/>
+              <a:rPr lang="en-US" sz="4400" b="1" dirty="0" err="1" smtClean="0"/>
               <a:t>Informatico</a:t>
             </a:r>
             <a:r>
-              <a:rPr lang="en-US" dirty="0" smtClean="0"/>
+              <a:rPr lang="en-US" sz="4400" b="1" dirty="0" smtClean="0"/>
               <a:t> </a:t>
             </a:r>
-            <a:endParaRPr lang="en-US" dirty="0"/>
+            <a:endParaRPr lang="en-US" sz="4400" b="1" dirty="0"/>
           </a:p>
         </p:txBody>
       </p:sp>
@@ -5960,7 +6770,12 @@
             <p:ph idx="1"/>
           </p:nvPr>
         </p:nvSpPr>
-        <p:spPr/>
+        <p:spPr>
+          <a:xfrm>
+            <a:off x="779463" y="1828800"/>
+            <a:ext cx="7583487" cy="1981002"/>
+          </a:xfrm>
+        </p:spPr>
         <p:txBody>
           <a:bodyPr/>
           <a:lstStyle/>
@@ -6102,6 +6917,51 @@
               <a:t>. </a:t>
             </a:r>
             <a:endParaRPr lang="en-US" dirty="0"/>
+          </a:p>
+        </p:txBody>
+      </p:sp>
+      <p:sp>
+        <p:nvSpPr>
+          <p:cNvPr id="4" name="TextBox 3"/>
+          <p:cNvSpPr txBox="1"/>
+          <p:nvPr/>
+        </p:nvSpPr>
+        <p:spPr>
+          <a:xfrm>
+            <a:off x="0" y="4979853"/>
+            <a:ext cx="9144000" cy="769441"/>
+          </a:xfrm>
+          <a:prstGeom prst="rect">
+            <a:avLst/>
+          </a:prstGeom>
+          <a:noFill/>
+        </p:spPr>
+        <p:txBody>
+          <a:bodyPr wrap="square" rtlCol="0">
+            <a:spAutoFit/>
+          </a:bodyPr>
+          <a:lstStyle/>
+          <a:p>
+            <a:pPr algn="ctr"/>
+            <a:r>
+              <a:rPr lang="en-US" sz="4400" b="1" dirty="0" smtClean="0">
+                <a:solidFill>
+                  <a:schemeClr val="accent5">
+                    <a:lumMod val="60000"/>
+                    <a:lumOff val="40000"/>
+                  </a:schemeClr>
+                </a:solidFill>
+              </a:rPr>
+              <a:t>TROPPO TEMPO</a:t>
+            </a:r>
+            <a:endParaRPr lang="en-US" sz="4400" b="1" dirty="0">
+              <a:solidFill>
+                <a:schemeClr val="accent5">
+                  <a:lumMod val="60000"/>
+                  <a:lumOff val="40000"/>
+                </a:schemeClr>
+              </a:solidFill>
+            </a:endParaRPr>
           </a:p>
         </p:txBody>
       </p:sp>
@@ -6118,9 +6978,198 @@
   <p:timing>
     <p:tnLst>
       <p:par>
-        <p:cTn xmlns:p14="http://schemas.microsoft.com/office/powerpoint/2010/main" id="1" dur="indefinite" restart="never" nodeType="tmRoot"/>
+        <p:cTn xmlns:p14="http://schemas.microsoft.com/office/powerpoint/2010/main" id="1" dur="indefinite" restart="never" nodeType="tmRoot">
+          <p:childTnLst>
+            <p:seq concurrent="1" nextAc="seek">
+              <p:cTn id="2" dur="indefinite" nodeType="mainSeq">
+                <p:childTnLst>
+                  <p:par>
+                    <p:cTn id="3" fill="hold">
+                      <p:stCondLst>
+                        <p:cond delay="indefinite"/>
+                      </p:stCondLst>
+                      <p:childTnLst>
+                        <p:par>
+                          <p:cTn id="4" fill="hold">
+                            <p:stCondLst>
+                              <p:cond delay="0"/>
+                            </p:stCondLst>
+                            <p:childTnLst>
+                              <p:par>
+                                <p:cTn id="5" presetID="41" presetClass="entr" presetSubtype="0" fill="hold" grpId="0" nodeType="clickEffect">
+                                  <p:stCondLst>
+                                    <p:cond delay="0"/>
+                                  </p:stCondLst>
+                                  <p:iterate type="lt">
+                                    <p:tmPct val="10000"/>
+                                  </p:iterate>
+                                  <p:childTnLst>
+                                    <p:set>
+                                      <p:cBhvr>
+                                        <p:cTn id="6" dur="1" fill="hold">
+                                          <p:stCondLst>
+                                            <p:cond delay="0"/>
+                                          </p:stCondLst>
+                                        </p:cTn>
+                                        <p:tgtEl>
+                                          <p:spTgt spid="4"/>
+                                        </p:tgtEl>
+                                        <p:attrNameLst>
+                                          <p:attrName>style.visibility</p:attrName>
+                                        </p:attrNameLst>
+                                      </p:cBhvr>
+                                      <p:to>
+                                        <p:strVal val="visible"/>
+                                      </p:to>
+                                    </p:set>
+                                    <p:anim calcmode="lin" valueType="num">
+                                      <p:cBhvr>
+                                        <p:cTn id="7" dur="500" fill="hold"/>
+                                        <p:tgtEl>
+                                          <p:spTgt spid="4"/>
+                                        </p:tgtEl>
+                                        <p:attrNameLst>
+                                          <p:attrName>ppt_x</p:attrName>
+                                        </p:attrNameLst>
+                                      </p:cBhvr>
+                                      <p:tavLst>
+                                        <p:tav tm="0">
+                                          <p:val>
+                                            <p:strVal val="#ppt_x"/>
+                                          </p:val>
+                                        </p:tav>
+                                        <p:tav tm="50000">
+                                          <p:val>
+                                            <p:strVal val="#ppt_x+.1"/>
+                                          </p:val>
+                                        </p:tav>
+                                        <p:tav tm="100000">
+                                          <p:val>
+                                            <p:strVal val="#ppt_x"/>
+                                          </p:val>
+                                        </p:tav>
+                                      </p:tavLst>
+                                    </p:anim>
+                                    <p:anim calcmode="lin" valueType="num">
+                                      <p:cBhvr>
+                                        <p:cTn id="8" dur="500" fill="hold"/>
+                                        <p:tgtEl>
+                                          <p:spTgt spid="4"/>
+                                        </p:tgtEl>
+                                        <p:attrNameLst>
+                                          <p:attrName>ppt_y</p:attrName>
+                                        </p:attrNameLst>
+                                      </p:cBhvr>
+                                      <p:tavLst>
+                                        <p:tav tm="0">
+                                          <p:val>
+                                            <p:strVal val="#ppt_y"/>
+                                          </p:val>
+                                        </p:tav>
+                                        <p:tav tm="100000">
+                                          <p:val>
+                                            <p:strVal val="#ppt_y"/>
+                                          </p:val>
+                                        </p:tav>
+                                      </p:tavLst>
+                                    </p:anim>
+                                    <p:anim calcmode="lin" valueType="num">
+                                      <p:cBhvr>
+                                        <p:cTn id="9" dur="500" fill="hold"/>
+                                        <p:tgtEl>
+                                          <p:spTgt spid="4"/>
+                                        </p:tgtEl>
+                                        <p:attrNameLst>
+                                          <p:attrName>ppt_h</p:attrName>
+                                        </p:attrNameLst>
+                                      </p:cBhvr>
+                                      <p:tavLst>
+                                        <p:tav tm="0">
+                                          <p:val>
+                                            <p:strVal val="#ppt_h/10"/>
+                                          </p:val>
+                                        </p:tav>
+                                        <p:tav tm="50000">
+                                          <p:val>
+                                            <p:strVal val="#ppt_h+.01"/>
+                                          </p:val>
+                                        </p:tav>
+                                        <p:tav tm="100000">
+                                          <p:val>
+                                            <p:strVal val="#ppt_h"/>
+                                          </p:val>
+                                        </p:tav>
+                                      </p:tavLst>
+                                    </p:anim>
+                                    <p:anim calcmode="lin" valueType="num">
+                                      <p:cBhvr>
+                                        <p:cTn id="10" dur="500" fill="hold"/>
+                                        <p:tgtEl>
+                                          <p:spTgt spid="4"/>
+                                        </p:tgtEl>
+                                        <p:attrNameLst>
+                                          <p:attrName>ppt_w</p:attrName>
+                                        </p:attrNameLst>
+                                      </p:cBhvr>
+                                      <p:tavLst>
+                                        <p:tav tm="0">
+                                          <p:val>
+                                            <p:strVal val="#ppt_w/10"/>
+                                          </p:val>
+                                        </p:tav>
+                                        <p:tav tm="50000">
+                                          <p:val>
+                                            <p:strVal val="#ppt_w+.01"/>
+                                          </p:val>
+                                        </p:tav>
+                                        <p:tav tm="100000">
+                                          <p:val>
+                                            <p:strVal val="#ppt_w"/>
+                                          </p:val>
+                                        </p:tav>
+                                      </p:tavLst>
+                                    </p:anim>
+                                    <p:animEffect transition="in" filter="fade">
+                                      <p:cBhvr>
+                                        <p:cTn id="11" dur="500" tmFilter="0,0; .5, 1; 1, 1"/>
+                                        <p:tgtEl>
+                                          <p:spTgt spid="4"/>
+                                        </p:tgtEl>
+                                      </p:cBhvr>
+                                    </p:animEffect>
+                                  </p:childTnLst>
+                                </p:cTn>
+                              </p:par>
+                            </p:childTnLst>
+                          </p:cTn>
+                        </p:par>
+                      </p:childTnLst>
+                    </p:cTn>
+                  </p:par>
+                </p:childTnLst>
+              </p:cTn>
+              <p:prevCondLst>
+                <p:cond evt="onPrev" delay="0">
+                  <p:tgtEl>
+                    <p:sldTgt/>
+                  </p:tgtEl>
+                </p:cond>
+              </p:prevCondLst>
+              <p:nextCondLst>
+                <p:cond evt="onNext" delay="0">
+                  <p:tgtEl>
+                    <p:sldTgt/>
+                  </p:tgtEl>
+                </p:cond>
+              </p:nextCondLst>
+            </p:seq>
+          </p:childTnLst>
+        </p:cTn>
       </p:par>
     </p:tnLst>
+    <p:bldLst>
+      <p:bldP spid="4" grpId="0"/>
+    </p:bldLst>
   </p:timing>
 </p:sld>
 </file>
@@ -6152,28 +7201,45 @@
             <p:ph type="title"/>
           </p:nvPr>
         </p:nvSpPr>
-        <p:spPr/>
+        <p:spPr>
+          <a:xfrm>
+            <a:off x="779463" y="381000"/>
+            <a:ext cx="8139772" cy="1044388"/>
+          </a:xfrm>
+        </p:spPr>
         <p:txBody>
           <a:bodyPr/>
           <a:lstStyle/>
           <a:p>
             <a:r>
-              <a:rPr lang="en-US" dirty="0" err="1" smtClean="0"/>
+              <a:rPr lang="en-US" sz="4400" b="1" dirty="0" err="1" smtClean="0"/>
               <a:t>Analisi</a:t>
             </a:r>
             <a:r>
-              <a:rPr lang="en-US" dirty="0" smtClean="0"/>
-              <a:t> 1°soluzione </a:t>
-            </a:r>
-            <a:r>
-              <a:rPr lang="en-US" dirty="0" err="1" smtClean="0"/>
+              <a:rPr lang="en-US" sz="4400" b="1" dirty="0" smtClean="0"/>
+              <a:t> </a:t>
+            </a:r>
+            <a:r>
+              <a:rPr lang="en-US" sz="4400" b="1" dirty="0"/>
+              <a:t>1</a:t>
+            </a:r>
+            <a:r>
+              <a:rPr lang="en-US" sz="4400" b="1" dirty="0" smtClean="0"/>
+              <a:t>°</a:t>
+            </a:r>
+            <a:r>
+              <a:rPr lang="en-US" sz="4400" b="1" dirty="0" smtClean="0"/>
+              <a:t>soluzione </a:t>
+            </a:r>
+            <a:r>
+              <a:rPr lang="en-US" sz="4400" b="1" dirty="0" err="1" smtClean="0"/>
               <a:t>ingegnere</a:t>
             </a:r>
             <a:r>
-              <a:rPr lang="en-US" dirty="0" smtClean="0"/>
+              <a:rPr lang="en-US" sz="4400" b="1" dirty="0" smtClean="0"/>
               <a:t> </a:t>
             </a:r>
-            <a:endParaRPr lang="en-US" dirty="0"/>
+            <a:endParaRPr lang="en-US" sz="4400" b="1" dirty="0"/>
           </a:p>
         </p:txBody>
       </p:sp>
@@ -6187,7 +7253,12 @@
             <p:ph idx="1"/>
           </p:nvPr>
         </p:nvSpPr>
-        <p:spPr/>
+        <p:spPr>
+          <a:xfrm>
+            <a:off x="779463" y="1828800"/>
+            <a:ext cx="7583487" cy="1453052"/>
+          </a:xfrm>
+        </p:spPr>
         <p:txBody>
           <a:bodyPr/>
           <a:lstStyle/>
@@ -6261,6 +7332,99 @@
           </a:p>
         </p:txBody>
       </p:sp>
+      <p:sp>
+        <p:nvSpPr>
+          <p:cNvPr id="4" name="TextBox 3"/>
+          <p:cNvSpPr txBox="1"/>
+          <p:nvPr/>
+        </p:nvSpPr>
+        <p:spPr>
+          <a:xfrm>
+            <a:off x="1" y="3453078"/>
+            <a:ext cx="9143999" cy="769441"/>
+          </a:xfrm>
+          <a:prstGeom prst="rect">
+            <a:avLst/>
+          </a:prstGeom>
+          <a:noFill/>
+        </p:spPr>
+        <p:txBody>
+          <a:bodyPr wrap="square" rtlCol="0">
+            <a:spAutoFit/>
+          </a:bodyPr>
+          <a:lstStyle/>
+          <a:p>
+            <a:pPr algn="ctr"/>
+            <a:r>
+              <a:rPr lang="en-US" sz="4400" b="1" dirty="0" err="1" smtClean="0">
+                <a:solidFill>
+                  <a:schemeClr val="bg1"/>
+                </a:solidFill>
+              </a:rPr>
+              <a:t>Possiamo</a:t>
+            </a:r>
+            <a:r>
+              <a:rPr lang="en-US" sz="4400" b="1" dirty="0" smtClean="0">
+                <a:solidFill>
+                  <a:schemeClr val="bg1"/>
+                </a:solidFill>
+              </a:rPr>
+              <a:t> fare di </a:t>
+            </a:r>
+            <a:r>
+              <a:rPr lang="en-US" sz="4400" b="1" dirty="0" err="1" smtClean="0">
+                <a:solidFill>
+                  <a:schemeClr val="bg1"/>
+                </a:solidFill>
+              </a:rPr>
+              <a:t>meglio</a:t>
+            </a:r>
+            <a:r>
+              <a:rPr lang="en-US" sz="4400" b="1" dirty="0" smtClean="0">
+                <a:solidFill>
+                  <a:schemeClr val="bg1"/>
+                </a:solidFill>
+              </a:rPr>
+              <a:t>?</a:t>
+            </a:r>
+            <a:endParaRPr lang="en-US" sz="4400" b="1" dirty="0">
+              <a:solidFill>
+                <a:schemeClr val="bg1"/>
+              </a:solidFill>
+            </a:endParaRPr>
+          </a:p>
+        </p:txBody>
+      </p:sp>
+      <p:pic>
+        <p:nvPicPr>
+          <p:cNvPr id="5" name="Picture 4" descr="domande-risposte.jpg"/>
+          <p:cNvPicPr>
+            <a:picLocks noChangeAspect="1"/>
+          </p:cNvPicPr>
+          <p:nvPr/>
+        </p:nvPicPr>
+        <p:blipFill>
+          <a:blip r:embed="rId2">
+            <a:extLst>
+              <a:ext uri="{28A0092B-C50C-407E-A947-70E740481C1C}">
+                <a14:useLocalDpi xmlns:a14="http://schemas.microsoft.com/office/drawing/2010/main" val="0"/>
+              </a:ext>
+            </a:extLst>
+          </a:blip>
+          <a:stretch>
+            <a:fillRect/>
+          </a:stretch>
+        </p:blipFill>
+        <p:spPr>
+          <a:xfrm>
+            <a:off x="2511655" y="4222519"/>
+            <a:ext cx="4127971" cy="2417812"/>
+          </a:xfrm>
+          <a:prstGeom prst="rect">
+            <a:avLst/>
+          </a:prstGeom>
+        </p:spPr>
+      </p:pic>
     </p:spTree>
     <p:extLst>
       <p:ext uri="{BB962C8B-B14F-4D97-AF65-F5344CB8AC3E}">
@@ -6274,9 +7438,234 @@
   <p:timing>
     <p:tnLst>
       <p:par>
-        <p:cTn xmlns:p14="http://schemas.microsoft.com/office/powerpoint/2010/main" id="1" dur="indefinite" restart="never" nodeType="tmRoot"/>
+        <p:cTn xmlns:p14="http://schemas.microsoft.com/office/powerpoint/2010/main" id="1" dur="indefinite" restart="never" nodeType="tmRoot">
+          <p:childTnLst>
+            <p:seq concurrent="1" nextAc="seek">
+              <p:cTn id="2" dur="indefinite" nodeType="mainSeq">
+                <p:childTnLst>
+                  <p:par>
+                    <p:cTn id="3" fill="hold">
+                      <p:stCondLst>
+                        <p:cond delay="indefinite"/>
+                      </p:stCondLst>
+                      <p:childTnLst>
+                        <p:par>
+                          <p:cTn id="4" fill="hold">
+                            <p:stCondLst>
+                              <p:cond delay="0"/>
+                            </p:stCondLst>
+                            <p:childTnLst>
+                              <p:par>
+                                <p:cTn id="5" presetID="41" presetClass="entr" presetSubtype="0" fill="hold" grpId="0" nodeType="clickEffect">
+                                  <p:stCondLst>
+                                    <p:cond delay="0"/>
+                                  </p:stCondLst>
+                                  <p:iterate type="lt">
+                                    <p:tmPct val="10000"/>
+                                  </p:iterate>
+                                  <p:childTnLst>
+                                    <p:set>
+                                      <p:cBhvr>
+                                        <p:cTn id="6" dur="1" fill="hold">
+                                          <p:stCondLst>
+                                            <p:cond delay="0"/>
+                                          </p:stCondLst>
+                                        </p:cTn>
+                                        <p:tgtEl>
+                                          <p:spTgt spid="4"/>
+                                        </p:tgtEl>
+                                        <p:attrNameLst>
+                                          <p:attrName>style.visibility</p:attrName>
+                                        </p:attrNameLst>
+                                      </p:cBhvr>
+                                      <p:to>
+                                        <p:strVal val="visible"/>
+                                      </p:to>
+                                    </p:set>
+                                    <p:anim calcmode="lin" valueType="num">
+                                      <p:cBhvr>
+                                        <p:cTn id="7" dur="500" fill="hold"/>
+                                        <p:tgtEl>
+                                          <p:spTgt spid="4"/>
+                                        </p:tgtEl>
+                                        <p:attrNameLst>
+                                          <p:attrName>ppt_x</p:attrName>
+                                        </p:attrNameLst>
+                                      </p:cBhvr>
+                                      <p:tavLst>
+                                        <p:tav tm="0">
+                                          <p:val>
+                                            <p:strVal val="#ppt_x"/>
+                                          </p:val>
+                                        </p:tav>
+                                        <p:tav tm="50000">
+                                          <p:val>
+                                            <p:strVal val="#ppt_x+.1"/>
+                                          </p:val>
+                                        </p:tav>
+                                        <p:tav tm="100000">
+                                          <p:val>
+                                            <p:strVal val="#ppt_x"/>
+                                          </p:val>
+                                        </p:tav>
+                                      </p:tavLst>
+                                    </p:anim>
+                                    <p:anim calcmode="lin" valueType="num">
+                                      <p:cBhvr>
+                                        <p:cTn id="8" dur="500" fill="hold"/>
+                                        <p:tgtEl>
+                                          <p:spTgt spid="4"/>
+                                        </p:tgtEl>
+                                        <p:attrNameLst>
+                                          <p:attrName>ppt_y</p:attrName>
+                                        </p:attrNameLst>
+                                      </p:cBhvr>
+                                      <p:tavLst>
+                                        <p:tav tm="0">
+                                          <p:val>
+                                            <p:strVal val="#ppt_y"/>
+                                          </p:val>
+                                        </p:tav>
+                                        <p:tav tm="100000">
+                                          <p:val>
+                                            <p:strVal val="#ppt_y"/>
+                                          </p:val>
+                                        </p:tav>
+                                      </p:tavLst>
+                                    </p:anim>
+                                    <p:anim calcmode="lin" valueType="num">
+                                      <p:cBhvr>
+                                        <p:cTn id="9" dur="500" fill="hold"/>
+                                        <p:tgtEl>
+                                          <p:spTgt spid="4"/>
+                                        </p:tgtEl>
+                                        <p:attrNameLst>
+                                          <p:attrName>ppt_h</p:attrName>
+                                        </p:attrNameLst>
+                                      </p:cBhvr>
+                                      <p:tavLst>
+                                        <p:tav tm="0">
+                                          <p:val>
+                                            <p:strVal val="#ppt_h/10"/>
+                                          </p:val>
+                                        </p:tav>
+                                        <p:tav tm="50000">
+                                          <p:val>
+                                            <p:strVal val="#ppt_h+.01"/>
+                                          </p:val>
+                                        </p:tav>
+                                        <p:tav tm="100000">
+                                          <p:val>
+                                            <p:strVal val="#ppt_h"/>
+                                          </p:val>
+                                        </p:tav>
+                                      </p:tavLst>
+                                    </p:anim>
+                                    <p:anim calcmode="lin" valueType="num">
+                                      <p:cBhvr>
+                                        <p:cTn id="10" dur="500" fill="hold"/>
+                                        <p:tgtEl>
+                                          <p:spTgt spid="4"/>
+                                        </p:tgtEl>
+                                        <p:attrNameLst>
+                                          <p:attrName>ppt_w</p:attrName>
+                                        </p:attrNameLst>
+                                      </p:cBhvr>
+                                      <p:tavLst>
+                                        <p:tav tm="0">
+                                          <p:val>
+                                            <p:strVal val="#ppt_w/10"/>
+                                          </p:val>
+                                        </p:tav>
+                                        <p:tav tm="50000">
+                                          <p:val>
+                                            <p:strVal val="#ppt_w+.01"/>
+                                          </p:val>
+                                        </p:tav>
+                                        <p:tav tm="100000">
+                                          <p:val>
+                                            <p:strVal val="#ppt_w"/>
+                                          </p:val>
+                                        </p:tav>
+                                      </p:tavLst>
+                                    </p:anim>
+                                    <p:animEffect transition="in" filter="fade">
+                                      <p:cBhvr>
+                                        <p:cTn id="11" dur="500" tmFilter="0,0; .5, 1; 1, 1"/>
+                                        <p:tgtEl>
+                                          <p:spTgt spid="4"/>
+                                        </p:tgtEl>
+                                      </p:cBhvr>
+                                    </p:animEffect>
+                                  </p:childTnLst>
+                                </p:cTn>
+                              </p:par>
+                            </p:childTnLst>
+                          </p:cTn>
+                        </p:par>
+                        <p:par>
+                          <p:cTn id="12" fill="hold">
+                            <p:stCondLst>
+                              <p:cond delay="1500"/>
+                            </p:stCondLst>
+                            <p:childTnLst>
+                              <p:par>
+                                <p:cTn id="13" presetID="1" presetClass="entr" presetSubtype="0" fill="hold" nodeType="afterEffect">
+                                  <p:stCondLst>
+                                    <p:cond delay="0"/>
+                                  </p:stCondLst>
+                                  <p:childTnLst>
+                                    <p:set>
+                                      <p:cBhvr>
+                                        <p:cTn id="14" dur="1" fill="hold">
+                                          <p:stCondLst>
+                                            <p:cond delay="0"/>
+                                          </p:stCondLst>
+                                        </p:cTn>
+                                        <p:tgtEl>
+                                          <p:spTgt spid="5"/>
+                                        </p:tgtEl>
+                                        <p:attrNameLst>
+                                          <p:attrName>style.visibility</p:attrName>
+                                        </p:attrNameLst>
+                                      </p:cBhvr>
+                                      <p:to>
+                                        <p:strVal val="visible"/>
+                                      </p:to>
+                                    </p:set>
+                                  </p:childTnLst>
+                                </p:cTn>
+                              </p:par>
+                            </p:childTnLst>
+                          </p:cTn>
+                        </p:par>
+                      </p:childTnLst>
+                    </p:cTn>
+                  </p:par>
+                </p:childTnLst>
+              </p:cTn>
+              <p:prevCondLst>
+                <p:cond evt="onPrev" delay="0">
+                  <p:tgtEl>
+                    <p:sldTgt/>
+                  </p:tgtEl>
+                </p:cond>
+              </p:prevCondLst>
+              <p:nextCondLst>
+                <p:cond evt="onNext" delay="0">
+                  <p:tgtEl>
+                    <p:sldTgt/>
+                  </p:tgtEl>
+                </p:cond>
+              </p:nextCondLst>
+            </p:seq>
+          </p:childTnLst>
+        </p:cTn>
       </p:par>
     </p:tnLst>
+    <p:bldLst>
+      <p:bldP spid="4" grpId="0"/>
+    </p:bldLst>
   </p:timing>
 </p:sld>
 </file>
@@ -6308,24 +7697,29 @@
             <p:ph type="title"/>
           </p:nvPr>
         </p:nvSpPr>
-        <p:spPr/>
+        <p:spPr>
+          <a:xfrm>
+            <a:off x="779463" y="381000"/>
+            <a:ext cx="8068418" cy="1044388"/>
+          </a:xfrm>
+        </p:spPr>
         <p:txBody>
           <a:bodyPr/>
           <a:lstStyle/>
           <a:p>
             <a:r>
-              <a:rPr lang="en-US" dirty="0" err="1" smtClean="0"/>
+              <a:rPr lang="en-US" sz="4400" b="1" dirty="0" err="1" smtClean="0"/>
               <a:t>Analisi</a:t>
             </a:r>
             <a:r>
-              <a:rPr lang="en-US" dirty="0" smtClean="0"/>
+              <a:rPr lang="en-US" sz="4400" b="1" dirty="0" smtClean="0"/>
               <a:t> 2°soluzione </a:t>
             </a:r>
             <a:r>
-              <a:rPr lang="en-US" dirty="0" err="1" smtClean="0"/>
+              <a:rPr lang="en-US" sz="4400" b="1" dirty="0" err="1" smtClean="0"/>
               <a:t>ingegnere</a:t>
             </a:r>
-            <a:endParaRPr lang="en-US" dirty="0"/>
+            <a:endParaRPr lang="en-US" sz="4400" b="1" dirty="0"/>
           </a:p>
         </p:txBody>
       </p:sp>
@@ -6339,7 +7733,12 @@
             <p:ph idx="1"/>
           </p:nvPr>
         </p:nvSpPr>
-        <p:spPr/>
+        <p:spPr>
+          <a:xfrm>
+            <a:off x="779463" y="1828800"/>
+            <a:ext cx="7583487" cy="2009540"/>
+          </a:xfrm>
+        </p:spPr>
         <p:txBody>
           <a:bodyPr/>
           <a:lstStyle/>
@@ -6409,56 +7808,164 @@
               <a:t> : </a:t>
             </a:r>
             <a:r>
-              <a:rPr lang="en-US" dirty="0" err="1" smtClean="0"/>
+              <a:rPr lang="en-US" b="1" u="sng" dirty="0" err="1" smtClean="0">
+                <a:solidFill>
+                  <a:srgbClr val="FFFF00"/>
+                </a:solidFill>
+              </a:rPr>
               <a:t>il</a:t>
             </a:r>
             <a:r>
-              <a:rPr lang="en-US" dirty="0" smtClean="0"/>
+              <a:rPr lang="en-US" b="1" u="sng" dirty="0" smtClean="0">
+                <a:solidFill>
+                  <a:srgbClr val="FFFF00"/>
+                </a:solidFill>
+              </a:rPr>
               <a:t> </a:t>
             </a:r>
             <a:r>
-              <a:rPr lang="en-US" dirty="0" err="1" smtClean="0"/>
+              <a:rPr lang="en-US" b="1" u="sng" dirty="0" err="1" smtClean="0">
+                <a:solidFill>
+                  <a:srgbClr val="FFFF00"/>
+                </a:solidFill>
+              </a:rPr>
               <a:t>numero</a:t>
             </a:r>
             <a:r>
-              <a:rPr lang="en-US" dirty="0" smtClean="0"/>
+              <a:rPr lang="en-US" b="1" u="sng" dirty="0" smtClean="0">
+                <a:solidFill>
+                  <a:srgbClr val="FFFF00"/>
+                </a:solidFill>
+              </a:rPr>
               <a:t> di </a:t>
             </a:r>
             <a:r>
-              <a:rPr lang="en-US" dirty="0" err="1" smtClean="0"/>
+              <a:rPr lang="en-US" b="1" u="sng" dirty="0" err="1" smtClean="0">
+                <a:solidFill>
+                  <a:srgbClr val="FFFF00"/>
+                </a:solidFill>
+              </a:rPr>
               <a:t>viaggi</a:t>
             </a:r>
             <a:r>
-              <a:rPr lang="en-US" dirty="0" smtClean="0"/>
+              <a:rPr lang="en-US" b="1" u="sng" dirty="0" smtClean="0">
+                <a:solidFill>
+                  <a:srgbClr val="FFFF00"/>
+                </a:solidFill>
+              </a:rPr>
               <a:t> </a:t>
             </a:r>
             <a:r>
-              <a:rPr lang="en-US" dirty="0" err="1" smtClean="0"/>
+              <a:rPr lang="en-US" b="1" u="sng" dirty="0" err="1" smtClean="0">
+                <a:solidFill>
+                  <a:srgbClr val="FFFF00"/>
+                </a:solidFill>
+              </a:rPr>
               <a:t>si</a:t>
             </a:r>
             <a:r>
-              <a:rPr lang="en-US" dirty="0" smtClean="0"/>
+              <a:rPr lang="en-US" b="1" u="sng" dirty="0" smtClean="0">
+                <a:solidFill>
+                  <a:srgbClr val="FFFF00"/>
+                </a:solidFill>
+              </a:rPr>
               <a:t> </a:t>
             </a:r>
             <a:r>
-              <a:rPr lang="en-US" dirty="0" err="1" smtClean="0"/>
+              <a:rPr lang="en-US" b="1" u="sng" dirty="0" err="1" smtClean="0">
+                <a:solidFill>
+                  <a:srgbClr val="FFFF00"/>
+                </a:solidFill>
+              </a:rPr>
               <a:t>riduce</a:t>
             </a:r>
             <a:r>
-              <a:rPr lang="en-US" dirty="0" smtClean="0"/>
+              <a:rPr lang="en-US" b="1" u="sng" dirty="0" smtClean="0">
+                <a:solidFill>
+                  <a:srgbClr val="FFFF00"/>
+                </a:solidFill>
+              </a:rPr>
               <a:t> a </a:t>
             </a:r>
             <a:r>
-              <a:rPr lang="en-US" dirty="0" err="1" smtClean="0"/>
+              <a:rPr lang="en-US" b="1" u="sng" dirty="0" err="1" smtClean="0">
+                <a:solidFill>
+                  <a:srgbClr val="FFFF00"/>
+                </a:solidFill>
+              </a:rPr>
               <a:t>uno</a:t>
             </a:r>
-            <a:endParaRPr lang="en-US" dirty="0" smtClean="0"/>
+            <a:endParaRPr lang="en-US" b="1" u="sng" dirty="0" smtClean="0">
+              <a:solidFill>
+                <a:srgbClr val="FFFF00"/>
+              </a:solidFill>
+            </a:endParaRPr>
           </a:p>
           <a:p>
             <a:pPr marL="0" indent="0">
               <a:buNone/>
             </a:pPr>
             <a:endParaRPr lang="en-US" dirty="0"/>
+          </a:p>
+        </p:txBody>
+      </p:sp>
+      <p:pic>
+        <p:nvPicPr>
+          <p:cNvPr id="4" name="Picture 3" descr="86c55c29ce49df95.jpg"/>
+          <p:cNvPicPr>
+            <a:picLocks noChangeAspect="1"/>
+          </p:cNvPicPr>
+          <p:nvPr/>
+        </p:nvPicPr>
+        <p:blipFill>
+          <a:blip r:embed="rId2">
+            <a:extLst>
+              <a:ext uri="{28A0092B-C50C-407E-A947-70E740481C1C}">
+                <a14:useLocalDpi xmlns:a14="http://schemas.microsoft.com/office/drawing/2010/main" val="0"/>
+              </a:ext>
+            </a:extLst>
+          </a:blip>
+          <a:stretch>
+            <a:fillRect/>
+          </a:stretch>
+        </p:blipFill>
+        <p:spPr>
+          <a:xfrm>
+            <a:off x="2169032" y="3367465"/>
+            <a:ext cx="4698421" cy="3124893"/>
+          </a:xfrm>
+          <a:prstGeom prst="rect">
+            <a:avLst/>
+          </a:prstGeom>
+        </p:spPr>
+      </p:pic>
+      <p:sp>
+        <p:nvSpPr>
+          <p:cNvPr id="5" name="TextBox 4"/>
+          <p:cNvSpPr txBox="1"/>
+          <p:nvPr/>
+        </p:nvSpPr>
+        <p:spPr>
+          <a:xfrm>
+            <a:off x="4396279" y="3367465"/>
+            <a:ext cx="2471174" cy="769441"/>
+          </a:xfrm>
+          <a:prstGeom prst="rect">
+            <a:avLst/>
+          </a:prstGeom>
+          <a:noFill/>
+        </p:spPr>
+        <p:txBody>
+          <a:bodyPr wrap="none" rtlCol="0">
+            <a:spAutoFit/>
+          </a:bodyPr>
+          <a:lstStyle/>
+          <a:p>
+            <a:r>
+              <a:rPr lang="en-US" sz="4400" b="1" dirty="0" smtClean="0"/>
+              <a:t>EVVAI !!!</a:t>
+            </a:r>
+            <a:endParaRPr lang="en-US" sz="4400" b="1" dirty="0"/>
           </a:p>
         </p:txBody>
       </p:sp>
@@ -6475,99 +7982,107 @@
   <p:timing>
     <p:tnLst>
       <p:par>
-        <p:cTn xmlns:p14="http://schemas.microsoft.com/office/powerpoint/2010/main" id="1" dur="indefinite" restart="never" nodeType="tmRoot"/>
+        <p:cTn xmlns:p14="http://schemas.microsoft.com/office/powerpoint/2010/main" id="1" dur="indefinite" restart="never" nodeType="tmRoot">
+          <p:childTnLst>
+            <p:seq concurrent="1" nextAc="seek">
+              <p:cTn id="2" dur="indefinite" nodeType="mainSeq">
+                <p:childTnLst>
+                  <p:par>
+                    <p:cTn id="3" fill="hold">
+                      <p:stCondLst>
+                        <p:cond delay="indefinite"/>
+                      </p:stCondLst>
+                      <p:childTnLst>
+                        <p:par>
+                          <p:cTn id="4" fill="hold">
+                            <p:stCondLst>
+                              <p:cond delay="0"/>
+                            </p:stCondLst>
+                            <p:childTnLst>
+                              <p:par>
+                                <p:cTn id="5" presetID="1" presetClass="entr" presetSubtype="0" fill="hold" nodeType="clickEffect">
+                                  <p:stCondLst>
+                                    <p:cond delay="0"/>
+                                  </p:stCondLst>
+                                  <p:childTnLst>
+                                    <p:set>
+                                      <p:cBhvr>
+                                        <p:cTn id="6" dur="1" fill="hold">
+                                          <p:stCondLst>
+                                            <p:cond delay="0"/>
+                                          </p:stCondLst>
+                                        </p:cTn>
+                                        <p:tgtEl>
+                                          <p:spTgt spid="4"/>
+                                        </p:tgtEl>
+                                        <p:attrNameLst>
+                                          <p:attrName>style.visibility</p:attrName>
+                                        </p:attrNameLst>
+                                      </p:cBhvr>
+                                      <p:to>
+                                        <p:strVal val="visible"/>
+                                      </p:to>
+                                    </p:set>
+                                  </p:childTnLst>
+                                </p:cTn>
+                              </p:par>
+                              <p:par>
+                                <p:cTn id="7" presetID="1" presetClass="entr" presetSubtype="0" fill="hold" grpId="0" nodeType="withEffect">
+                                  <p:stCondLst>
+                                    <p:cond delay="0"/>
+                                  </p:stCondLst>
+                                  <p:childTnLst>
+                                    <p:set>
+                                      <p:cBhvr>
+                                        <p:cTn id="8" dur="1" fill="hold">
+                                          <p:stCondLst>
+                                            <p:cond delay="0"/>
+                                          </p:stCondLst>
+                                        </p:cTn>
+                                        <p:tgtEl>
+                                          <p:spTgt spid="5"/>
+                                        </p:tgtEl>
+                                        <p:attrNameLst>
+                                          <p:attrName>style.visibility</p:attrName>
+                                        </p:attrNameLst>
+                                      </p:cBhvr>
+                                      <p:to>
+                                        <p:strVal val="visible"/>
+                                      </p:to>
+                                    </p:set>
+                                  </p:childTnLst>
+                                </p:cTn>
+                              </p:par>
+                            </p:childTnLst>
+                          </p:cTn>
+                        </p:par>
+                      </p:childTnLst>
+                    </p:cTn>
+                  </p:par>
+                </p:childTnLst>
+              </p:cTn>
+              <p:prevCondLst>
+                <p:cond evt="onPrev" delay="0">
+                  <p:tgtEl>
+                    <p:sldTgt/>
+                  </p:tgtEl>
+                </p:cond>
+              </p:prevCondLst>
+              <p:nextCondLst>
+                <p:cond evt="onNext" delay="0">
+                  <p:tgtEl>
+                    <p:sldTgt/>
+                  </p:tgtEl>
+                </p:cond>
+              </p:nextCondLst>
+            </p:seq>
+          </p:childTnLst>
+        </p:cTn>
       </p:par>
     </p:tnLst>
-  </p:timing>
-</p:sld>
-</file>
-
-<file path=ppt/slides/slide14.xml><?xml version="1.0" encoding="utf-8"?>
-<p:sld xmlns:a="http://schemas.openxmlformats.org/drawingml/2006/main" xmlns:r="http://schemas.openxmlformats.org/officeDocument/2006/relationships" xmlns:p="http://schemas.openxmlformats.org/presentationml/2006/main">
-  <p:cSld>
-    <p:spTree>
-      <p:nvGrpSpPr>
-        <p:cNvPr id="1" name=""/>
-        <p:cNvGrpSpPr/>
-        <p:nvPr/>
-      </p:nvGrpSpPr>
-      <p:grpSpPr>
-        <a:xfrm>
-          <a:off x="0" y="0"/>
-          <a:ext cx="0" cy="0"/>
-          <a:chOff x="0" y="0"/>
-          <a:chExt cx="0" cy="0"/>
-        </a:xfrm>
-      </p:grpSpPr>
-      <p:sp>
-        <p:nvSpPr>
-          <p:cNvPr id="2" name="Title 1"/>
-          <p:cNvSpPr>
-            <a:spLocks noGrp="1"/>
-          </p:cNvSpPr>
-          <p:nvPr>
-            <p:ph type="title"/>
-          </p:nvPr>
-        </p:nvSpPr>
-        <p:spPr/>
-        <p:txBody>
-          <a:bodyPr/>
-          <a:lstStyle/>
-          <a:p>
-            <a:pPr algn="ctr"/>
-            <a:r>
-              <a:rPr lang="en-US" dirty="0" err="1" smtClean="0"/>
-              <a:t>Domande</a:t>
-            </a:r>
-            <a:r>
-              <a:rPr lang="en-US" dirty="0" smtClean="0"/>
-              <a:t> ?</a:t>
-            </a:r>
-            <a:endParaRPr lang="en-US" dirty="0"/>
-          </a:p>
-        </p:txBody>
-      </p:sp>
-      <p:pic>
-        <p:nvPicPr>
-          <p:cNvPr id="6" name="Content Placeholder 5" descr="faq.png"/>
-          <p:cNvPicPr>
-            <a:picLocks noGrp="1" noChangeAspect="1"/>
-          </p:cNvPicPr>
-          <p:nvPr>
-            <p:ph idx="1"/>
-          </p:nvPr>
-        </p:nvPicPr>
-        <p:blipFill>
-          <a:blip r:embed="rId2">
-            <a:extLst>
-              <a:ext uri="{28A0092B-C50C-407E-A947-70E740481C1C}">
-                <a14:useLocalDpi xmlns:a14="http://schemas.microsoft.com/office/drawing/2010/main" val="0"/>
-              </a:ext>
-            </a:extLst>
-          </a:blip>
-          <a:srcRect t="9738" b="9738"/>
-          <a:stretch>
-            <a:fillRect/>
-          </a:stretch>
-        </p:blipFill>
-        <p:spPr/>
-      </p:pic>
-    </p:spTree>
-    <p:extLst>
-      <p:ext uri="{BB962C8B-B14F-4D97-AF65-F5344CB8AC3E}">
-        <p14:creationId xmlns:p14="http://schemas.microsoft.com/office/powerpoint/2010/main" val="380981076"/>
-      </p:ext>
-    </p:extLst>
-  </p:cSld>
-  <p:clrMapOvr>
-    <a:masterClrMapping/>
-  </p:clrMapOvr>
-  <p:timing>
-    <p:tnLst>
-      <p:par>
-        <p:cTn xmlns:p14="http://schemas.microsoft.com/office/powerpoint/2010/main" id="1" dur="indefinite" restart="never" nodeType="tmRoot"/>
-      </p:par>
-    </p:tnLst>
+    <p:bldLst>
+      <p:bldP spid="5" grpId="0"/>
+    </p:bldLst>
   </p:timing>
 </p:sld>
 </file>
@@ -6668,21 +8183,8 @@
                   <a:srgbClr val="D7EEFB"/>
                 </a:solidFill>
               </a:rPr>
-              <a:t>Carta </a:t>
-            </a:r>
-            <a:r>
-              <a:rPr lang="en-US" dirty="0" smtClean="0">
-                <a:solidFill>
-                  <a:srgbClr val="D7EEFB"/>
-                </a:solidFill>
-              </a:rPr>
-              <a:t>Stefano (Team Leader)</a:t>
-            </a:r>
-            <a:endParaRPr lang="en-US" dirty="0" smtClean="0">
-              <a:solidFill>
-                <a:srgbClr val="D7EEFB"/>
-              </a:solidFill>
-            </a:endParaRPr>
+              <a:t>Carta Stefano (Team Leader)</a:t>
+            </a:r>
           </a:p>
           <a:p>
             <a:r>
@@ -6964,7 +8466,6 @@
               <a:rPr lang="en-US" sz="2400" dirty="0" smtClean="0"/>
               <a:t>.</a:t>
             </a:r>
-            <a:endParaRPr lang="en-US" sz="2400" dirty="0" smtClean="0"/>
           </a:p>
         </p:txBody>
       </p:sp>
@@ -7261,9 +8762,166 @@
   <p:timing>
     <p:tnLst>
       <p:par>
-        <p:cTn xmlns:p14="http://schemas.microsoft.com/office/powerpoint/2010/main" id="1" dur="indefinite" restart="never" nodeType="tmRoot"/>
+        <p:cTn xmlns:p14="http://schemas.microsoft.com/office/powerpoint/2010/main" id="1" dur="indefinite" restart="never" nodeType="tmRoot">
+          <p:childTnLst>
+            <p:seq concurrent="1" nextAc="seek">
+              <p:cTn id="2" dur="indefinite" nodeType="mainSeq">
+                <p:childTnLst>
+                  <p:par>
+                    <p:cTn id="3" fill="hold">
+                      <p:stCondLst>
+                        <p:cond delay="indefinite"/>
+                      </p:stCondLst>
+                      <p:childTnLst>
+                        <p:par>
+                          <p:cTn id="4" fill="hold">
+                            <p:stCondLst>
+                              <p:cond delay="0"/>
+                            </p:stCondLst>
+                            <p:childTnLst>
+                              <p:par>
+                                <p:cTn id="5" presetID="1" presetClass="entr" presetSubtype="0" fill="hold" grpId="0" nodeType="clickEffect">
+                                  <p:stCondLst>
+                                    <p:cond delay="0"/>
+                                  </p:stCondLst>
+                                  <p:childTnLst>
+                                    <p:set>
+                                      <p:cBhvr>
+                                        <p:cTn id="6" dur="1" fill="hold">
+                                          <p:stCondLst>
+                                            <p:cond delay="0"/>
+                                          </p:stCondLst>
+                                        </p:cTn>
+                                        <p:tgtEl>
+                                          <p:spTgt spid="3">
+                                            <p:txEl>
+                                              <p:pRg st="0" end="0"/>
+                                            </p:txEl>
+                                          </p:spTgt>
+                                        </p:tgtEl>
+                                        <p:attrNameLst>
+                                          <p:attrName>style.visibility</p:attrName>
+                                        </p:attrNameLst>
+                                      </p:cBhvr>
+                                      <p:to>
+                                        <p:strVal val="visible"/>
+                                      </p:to>
+                                    </p:set>
+                                  </p:childTnLst>
+                                </p:cTn>
+                              </p:par>
+                            </p:childTnLst>
+                          </p:cTn>
+                        </p:par>
+                      </p:childTnLst>
+                    </p:cTn>
+                  </p:par>
+                  <p:par>
+                    <p:cTn id="7" fill="hold">
+                      <p:stCondLst>
+                        <p:cond delay="indefinite"/>
+                      </p:stCondLst>
+                      <p:childTnLst>
+                        <p:par>
+                          <p:cTn id="8" fill="hold">
+                            <p:stCondLst>
+                              <p:cond delay="0"/>
+                            </p:stCondLst>
+                            <p:childTnLst>
+                              <p:par>
+                                <p:cTn id="9" presetID="1" presetClass="entr" presetSubtype="0" fill="hold" grpId="0" nodeType="clickEffect">
+                                  <p:stCondLst>
+                                    <p:cond delay="0"/>
+                                  </p:stCondLst>
+                                  <p:childTnLst>
+                                    <p:set>
+                                      <p:cBhvr>
+                                        <p:cTn id="10" dur="1" fill="hold">
+                                          <p:stCondLst>
+                                            <p:cond delay="0"/>
+                                          </p:stCondLst>
+                                        </p:cTn>
+                                        <p:tgtEl>
+                                          <p:spTgt spid="5"/>
+                                        </p:tgtEl>
+                                        <p:attrNameLst>
+                                          <p:attrName>style.visibility</p:attrName>
+                                        </p:attrNameLst>
+                                      </p:cBhvr>
+                                      <p:to>
+                                        <p:strVal val="visible"/>
+                                      </p:to>
+                                    </p:set>
+                                  </p:childTnLst>
+                                </p:cTn>
+                              </p:par>
+                            </p:childTnLst>
+                          </p:cTn>
+                        </p:par>
+                        <p:par>
+                          <p:cTn id="11" fill="hold">
+                            <p:stCondLst>
+                              <p:cond delay="0"/>
+                            </p:stCondLst>
+                            <p:childTnLst>
+                              <p:par>
+                                <p:cTn id="12" presetID="1" presetClass="entr" presetSubtype="0" fill="hold" nodeType="afterEffect">
+                                  <p:stCondLst>
+                                    <p:cond delay="0"/>
+                                  </p:stCondLst>
+                                  <p:childTnLst>
+                                    <p:set>
+                                      <p:cBhvr>
+                                        <p:cTn id="13" dur="1" fill="hold">
+                                          <p:stCondLst>
+                                            <p:cond delay="0"/>
+                                          </p:stCondLst>
+                                        </p:cTn>
+                                        <p:tgtEl>
+                                          <p:spTgt spid="4"/>
+                                        </p:tgtEl>
+                                        <p:attrNameLst>
+                                          <p:attrName>style.visibility</p:attrName>
+                                        </p:attrNameLst>
+                                      </p:cBhvr>
+                                      <p:to>
+                                        <p:strVal val="visible"/>
+                                      </p:to>
+                                    </p:set>
+                                  </p:childTnLst>
+                                </p:cTn>
+                              </p:par>
+                            </p:childTnLst>
+                          </p:cTn>
+                        </p:par>
+                      </p:childTnLst>
+                    </p:cTn>
+                  </p:par>
+                </p:childTnLst>
+              </p:cTn>
+              <p:prevCondLst>
+                <p:cond evt="onPrev" delay="0">
+                  <p:tgtEl>
+                    <p:sldTgt/>
+                  </p:tgtEl>
+                </p:cond>
+              </p:prevCondLst>
+              <p:nextCondLst>
+                <p:cond evt="onNext" delay="0">
+                  <p:tgtEl>
+                    <p:sldTgt/>
+                  </p:tgtEl>
+                </p:cond>
+              </p:nextCondLst>
+            </p:seq>
+          </p:childTnLst>
+        </p:cTn>
       </p:par>
     </p:tnLst>
+    <p:bldLst>
+      <p:bldP spid="3" grpId="0" build="p"/>
+      <p:bldP spid="5" grpId="0"/>
+    </p:bldLst>
   </p:timing>
 </p:sld>
 </file>
@@ -7597,9 +9255,529 @@
   <p:timing>
     <p:tnLst>
       <p:par>
-        <p:cTn xmlns:p14="http://schemas.microsoft.com/office/powerpoint/2010/main" id="1" dur="indefinite" restart="never" nodeType="tmRoot"/>
+        <p:cTn xmlns:p14="http://schemas.microsoft.com/office/powerpoint/2010/main" id="1" dur="indefinite" restart="never" nodeType="tmRoot">
+          <p:childTnLst>
+            <p:seq concurrent="1" nextAc="seek">
+              <p:cTn id="2" dur="indefinite" nodeType="mainSeq">
+                <p:childTnLst>
+                  <p:par>
+                    <p:cTn id="3" fill="hold">
+                      <p:stCondLst>
+                        <p:cond delay="indefinite"/>
+                      </p:stCondLst>
+                      <p:childTnLst>
+                        <p:par>
+                          <p:cTn id="4" fill="hold">
+                            <p:stCondLst>
+                              <p:cond delay="0"/>
+                            </p:stCondLst>
+                            <p:childTnLst>
+                              <p:par>
+                                <p:cTn id="5" presetID="2" presetClass="entr" presetSubtype="8" fill="hold" nodeType="clickEffect">
+                                  <p:stCondLst>
+                                    <p:cond delay="0"/>
+                                  </p:stCondLst>
+                                  <p:childTnLst>
+                                    <p:set>
+                                      <p:cBhvr>
+                                        <p:cTn id="6" dur="1" fill="hold">
+                                          <p:stCondLst>
+                                            <p:cond delay="0"/>
+                                          </p:stCondLst>
+                                        </p:cTn>
+                                        <p:tgtEl>
+                                          <p:spTgt spid="5"/>
+                                        </p:tgtEl>
+                                        <p:attrNameLst>
+                                          <p:attrName>style.visibility</p:attrName>
+                                        </p:attrNameLst>
+                                      </p:cBhvr>
+                                      <p:to>
+                                        <p:strVal val="visible"/>
+                                      </p:to>
+                                    </p:set>
+                                    <p:anim calcmode="lin" valueType="num">
+                                      <p:cBhvr additive="base">
+                                        <p:cTn id="7" dur="500" fill="hold"/>
+                                        <p:tgtEl>
+                                          <p:spTgt spid="5"/>
+                                        </p:tgtEl>
+                                        <p:attrNameLst>
+                                          <p:attrName>ppt_x</p:attrName>
+                                        </p:attrNameLst>
+                                      </p:cBhvr>
+                                      <p:tavLst>
+                                        <p:tav tm="0">
+                                          <p:val>
+                                            <p:strVal val="0-#ppt_w/2"/>
+                                          </p:val>
+                                        </p:tav>
+                                        <p:tav tm="100000">
+                                          <p:val>
+                                            <p:strVal val="#ppt_x"/>
+                                          </p:val>
+                                        </p:tav>
+                                      </p:tavLst>
+                                    </p:anim>
+                                    <p:anim calcmode="lin" valueType="num">
+                                      <p:cBhvr additive="base">
+                                        <p:cTn id="8" dur="500" fill="hold"/>
+                                        <p:tgtEl>
+                                          <p:spTgt spid="5"/>
+                                        </p:tgtEl>
+                                        <p:attrNameLst>
+                                          <p:attrName>ppt_y</p:attrName>
+                                        </p:attrNameLst>
+                                      </p:cBhvr>
+                                      <p:tavLst>
+                                        <p:tav tm="0">
+                                          <p:val>
+                                            <p:strVal val="#ppt_y"/>
+                                          </p:val>
+                                        </p:tav>
+                                        <p:tav tm="100000">
+                                          <p:val>
+                                            <p:strVal val="#ppt_y"/>
+                                          </p:val>
+                                        </p:tav>
+                                      </p:tavLst>
+                                    </p:anim>
+                                  </p:childTnLst>
+                                </p:cTn>
+                              </p:par>
+                              <p:par>
+                                <p:cTn id="9" presetID="2" presetClass="entr" presetSubtype="8" fill="hold" grpId="0" nodeType="withEffect">
+                                  <p:stCondLst>
+                                    <p:cond delay="0"/>
+                                  </p:stCondLst>
+                                  <p:childTnLst>
+                                    <p:set>
+                                      <p:cBhvr>
+                                        <p:cTn id="10" dur="1" fill="hold">
+                                          <p:stCondLst>
+                                            <p:cond delay="0"/>
+                                          </p:stCondLst>
+                                        </p:cTn>
+                                        <p:tgtEl>
+                                          <p:spTgt spid="8"/>
+                                        </p:tgtEl>
+                                        <p:attrNameLst>
+                                          <p:attrName>style.visibility</p:attrName>
+                                        </p:attrNameLst>
+                                      </p:cBhvr>
+                                      <p:to>
+                                        <p:strVal val="visible"/>
+                                      </p:to>
+                                    </p:set>
+                                    <p:anim calcmode="lin" valueType="num">
+                                      <p:cBhvr additive="base">
+                                        <p:cTn id="11" dur="500" fill="hold"/>
+                                        <p:tgtEl>
+                                          <p:spTgt spid="8"/>
+                                        </p:tgtEl>
+                                        <p:attrNameLst>
+                                          <p:attrName>ppt_x</p:attrName>
+                                        </p:attrNameLst>
+                                      </p:cBhvr>
+                                      <p:tavLst>
+                                        <p:tav tm="0">
+                                          <p:val>
+                                            <p:strVal val="0-#ppt_w/2"/>
+                                          </p:val>
+                                        </p:tav>
+                                        <p:tav tm="100000">
+                                          <p:val>
+                                            <p:strVal val="#ppt_x"/>
+                                          </p:val>
+                                        </p:tav>
+                                      </p:tavLst>
+                                    </p:anim>
+                                    <p:anim calcmode="lin" valueType="num">
+                                      <p:cBhvr additive="base">
+                                        <p:cTn id="12" dur="500" fill="hold"/>
+                                        <p:tgtEl>
+                                          <p:spTgt spid="8"/>
+                                        </p:tgtEl>
+                                        <p:attrNameLst>
+                                          <p:attrName>ppt_y</p:attrName>
+                                        </p:attrNameLst>
+                                      </p:cBhvr>
+                                      <p:tavLst>
+                                        <p:tav tm="0">
+                                          <p:val>
+                                            <p:strVal val="#ppt_y"/>
+                                          </p:val>
+                                        </p:tav>
+                                        <p:tav tm="100000">
+                                          <p:val>
+                                            <p:strVal val="#ppt_y"/>
+                                          </p:val>
+                                        </p:tav>
+                                      </p:tavLst>
+                                    </p:anim>
+                                  </p:childTnLst>
+                                </p:cTn>
+                              </p:par>
+                            </p:childTnLst>
+                          </p:cTn>
+                        </p:par>
+                      </p:childTnLst>
+                    </p:cTn>
+                  </p:par>
+                  <p:par>
+                    <p:cTn id="13" fill="hold">
+                      <p:stCondLst>
+                        <p:cond delay="indefinite"/>
+                      </p:stCondLst>
+                      <p:childTnLst>
+                        <p:par>
+                          <p:cTn id="14" fill="hold">
+                            <p:stCondLst>
+                              <p:cond delay="0"/>
+                            </p:stCondLst>
+                            <p:childTnLst>
+                              <p:par>
+                                <p:cTn id="15" presetID="2" presetClass="entr" presetSubtype="4" fill="hold" nodeType="clickEffect">
+                                  <p:stCondLst>
+                                    <p:cond delay="0"/>
+                                  </p:stCondLst>
+                                  <p:childTnLst>
+                                    <p:set>
+                                      <p:cBhvr>
+                                        <p:cTn id="16" dur="1" fill="hold">
+                                          <p:stCondLst>
+                                            <p:cond delay="0"/>
+                                          </p:stCondLst>
+                                        </p:cTn>
+                                        <p:tgtEl>
+                                          <p:spTgt spid="6"/>
+                                        </p:tgtEl>
+                                        <p:attrNameLst>
+                                          <p:attrName>style.visibility</p:attrName>
+                                        </p:attrNameLst>
+                                      </p:cBhvr>
+                                      <p:to>
+                                        <p:strVal val="visible"/>
+                                      </p:to>
+                                    </p:set>
+                                    <p:anim calcmode="lin" valueType="num">
+                                      <p:cBhvr additive="base">
+                                        <p:cTn id="17" dur="500" fill="hold"/>
+                                        <p:tgtEl>
+                                          <p:spTgt spid="6"/>
+                                        </p:tgtEl>
+                                        <p:attrNameLst>
+                                          <p:attrName>ppt_x</p:attrName>
+                                        </p:attrNameLst>
+                                      </p:cBhvr>
+                                      <p:tavLst>
+                                        <p:tav tm="0">
+                                          <p:val>
+                                            <p:strVal val="#ppt_x"/>
+                                          </p:val>
+                                        </p:tav>
+                                        <p:tav tm="100000">
+                                          <p:val>
+                                            <p:strVal val="#ppt_x"/>
+                                          </p:val>
+                                        </p:tav>
+                                      </p:tavLst>
+                                    </p:anim>
+                                    <p:anim calcmode="lin" valueType="num">
+                                      <p:cBhvr additive="base">
+                                        <p:cTn id="18" dur="500" fill="hold"/>
+                                        <p:tgtEl>
+                                          <p:spTgt spid="6"/>
+                                        </p:tgtEl>
+                                        <p:attrNameLst>
+                                          <p:attrName>ppt_y</p:attrName>
+                                        </p:attrNameLst>
+                                      </p:cBhvr>
+                                      <p:tavLst>
+                                        <p:tav tm="0">
+                                          <p:val>
+                                            <p:strVal val="1+#ppt_h/2"/>
+                                          </p:val>
+                                        </p:tav>
+                                        <p:tav tm="100000">
+                                          <p:val>
+                                            <p:strVal val="#ppt_y"/>
+                                          </p:val>
+                                        </p:tav>
+                                      </p:tavLst>
+                                    </p:anim>
+                                  </p:childTnLst>
+                                </p:cTn>
+                              </p:par>
+                              <p:par>
+                                <p:cTn id="19" presetID="2" presetClass="entr" presetSubtype="4" fill="hold" grpId="0" nodeType="withEffect">
+                                  <p:stCondLst>
+                                    <p:cond delay="0"/>
+                                  </p:stCondLst>
+                                  <p:childTnLst>
+                                    <p:set>
+                                      <p:cBhvr>
+                                        <p:cTn id="20" dur="1" fill="hold">
+                                          <p:stCondLst>
+                                            <p:cond delay="0"/>
+                                          </p:stCondLst>
+                                        </p:cTn>
+                                        <p:tgtEl>
+                                          <p:spTgt spid="12"/>
+                                        </p:tgtEl>
+                                        <p:attrNameLst>
+                                          <p:attrName>style.visibility</p:attrName>
+                                        </p:attrNameLst>
+                                      </p:cBhvr>
+                                      <p:to>
+                                        <p:strVal val="visible"/>
+                                      </p:to>
+                                    </p:set>
+                                    <p:anim calcmode="lin" valueType="num">
+                                      <p:cBhvr additive="base">
+                                        <p:cTn id="21" dur="500" fill="hold"/>
+                                        <p:tgtEl>
+                                          <p:spTgt spid="12"/>
+                                        </p:tgtEl>
+                                        <p:attrNameLst>
+                                          <p:attrName>ppt_x</p:attrName>
+                                        </p:attrNameLst>
+                                      </p:cBhvr>
+                                      <p:tavLst>
+                                        <p:tav tm="0">
+                                          <p:val>
+                                            <p:strVal val="#ppt_x"/>
+                                          </p:val>
+                                        </p:tav>
+                                        <p:tav tm="100000">
+                                          <p:val>
+                                            <p:strVal val="#ppt_x"/>
+                                          </p:val>
+                                        </p:tav>
+                                      </p:tavLst>
+                                    </p:anim>
+                                    <p:anim calcmode="lin" valueType="num">
+                                      <p:cBhvr additive="base">
+                                        <p:cTn id="22" dur="500" fill="hold"/>
+                                        <p:tgtEl>
+                                          <p:spTgt spid="12"/>
+                                        </p:tgtEl>
+                                        <p:attrNameLst>
+                                          <p:attrName>ppt_y</p:attrName>
+                                        </p:attrNameLst>
+                                      </p:cBhvr>
+                                      <p:tavLst>
+                                        <p:tav tm="0">
+                                          <p:val>
+                                            <p:strVal val="1+#ppt_h/2"/>
+                                          </p:val>
+                                        </p:tav>
+                                        <p:tav tm="100000">
+                                          <p:val>
+                                            <p:strVal val="#ppt_y"/>
+                                          </p:val>
+                                        </p:tav>
+                                      </p:tavLst>
+                                    </p:anim>
+                                  </p:childTnLst>
+                                </p:cTn>
+                              </p:par>
+                            </p:childTnLst>
+                          </p:cTn>
+                        </p:par>
+                      </p:childTnLst>
+                    </p:cTn>
+                  </p:par>
+                  <p:par>
+                    <p:cTn id="23" fill="hold">
+                      <p:stCondLst>
+                        <p:cond delay="indefinite"/>
+                      </p:stCondLst>
+                      <p:childTnLst>
+                        <p:par>
+                          <p:cTn id="24" fill="hold">
+                            <p:stCondLst>
+                              <p:cond delay="0"/>
+                            </p:stCondLst>
+                            <p:childTnLst>
+                              <p:par>
+                                <p:cTn id="25" presetID="2" presetClass="entr" presetSubtype="2" fill="hold" nodeType="clickEffect">
+                                  <p:stCondLst>
+                                    <p:cond delay="0"/>
+                                  </p:stCondLst>
+                                  <p:childTnLst>
+                                    <p:set>
+                                      <p:cBhvr>
+                                        <p:cTn id="26" dur="1" fill="hold">
+                                          <p:stCondLst>
+                                            <p:cond delay="0"/>
+                                          </p:stCondLst>
+                                        </p:cTn>
+                                        <p:tgtEl>
+                                          <p:spTgt spid="4"/>
+                                        </p:tgtEl>
+                                        <p:attrNameLst>
+                                          <p:attrName>style.visibility</p:attrName>
+                                        </p:attrNameLst>
+                                      </p:cBhvr>
+                                      <p:to>
+                                        <p:strVal val="visible"/>
+                                      </p:to>
+                                    </p:set>
+                                    <p:anim calcmode="lin" valueType="num">
+                                      <p:cBhvr additive="base">
+                                        <p:cTn id="27" dur="500" fill="hold"/>
+                                        <p:tgtEl>
+                                          <p:spTgt spid="4"/>
+                                        </p:tgtEl>
+                                        <p:attrNameLst>
+                                          <p:attrName>ppt_x</p:attrName>
+                                        </p:attrNameLst>
+                                      </p:cBhvr>
+                                      <p:tavLst>
+                                        <p:tav tm="0">
+                                          <p:val>
+                                            <p:strVal val="1+#ppt_w/2"/>
+                                          </p:val>
+                                        </p:tav>
+                                        <p:tav tm="100000">
+                                          <p:val>
+                                            <p:strVal val="#ppt_x"/>
+                                          </p:val>
+                                        </p:tav>
+                                      </p:tavLst>
+                                    </p:anim>
+                                    <p:anim calcmode="lin" valueType="num">
+                                      <p:cBhvr additive="base">
+                                        <p:cTn id="28" dur="500" fill="hold"/>
+                                        <p:tgtEl>
+                                          <p:spTgt spid="4"/>
+                                        </p:tgtEl>
+                                        <p:attrNameLst>
+                                          <p:attrName>ppt_y</p:attrName>
+                                        </p:attrNameLst>
+                                      </p:cBhvr>
+                                      <p:tavLst>
+                                        <p:tav tm="0">
+                                          <p:val>
+                                            <p:strVal val="#ppt_y"/>
+                                          </p:val>
+                                        </p:tav>
+                                        <p:tav tm="100000">
+                                          <p:val>
+                                            <p:strVal val="#ppt_y"/>
+                                          </p:val>
+                                        </p:tav>
+                                      </p:tavLst>
+                                    </p:anim>
+                                  </p:childTnLst>
+                                </p:cTn>
+                              </p:par>
+                              <p:par>
+                                <p:cTn id="29" presetID="2" presetClass="entr" presetSubtype="2" fill="hold" grpId="0" nodeType="withEffect">
+                                  <p:stCondLst>
+                                    <p:cond delay="0"/>
+                                  </p:stCondLst>
+                                  <p:childTnLst>
+                                    <p:set>
+                                      <p:cBhvr>
+                                        <p:cTn id="30" dur="1" fill="hold">
+                                          <p:stCondLst>
+                                            <p:cond delay="0"/>
+                                          </p:stCondLst>
+                                        </p:cTn>
+                                        <p:tgtEl>
+                                          <p:spTgt spid="7"/>
+                                        </p:tgtEl>
+                                        <p:attrNameLst>
+                                          <p:attrName>style.visibility</p:attrName>
+                                        </p:attrNameLst>
+                                      </p:cBhvr>
+                                      <p:to>
+                                        <p:strVal val="visible"/>
+                                      </p:to>
+                                    </p:set>
+                                    <p:anim calcmode="lin" valueType="num">
+                                      <p:cBhvr additive="base">
+                                        <p:cTn id="31" dur="500" fill="hold"/>
+                                        <p:tgtEl>
+                                          <p:spTgt spid="7"/>
+                                        </p:tgtEl>
+                                        <p:attrNameLst>
+                                          <p:attrName>ppt_x</p:attrName>
+                                        </p:attrNameLst>
+                                      </p:cBhvr>
+                                      <p:tavLst>
+                                        <p:tav tm="0">
+                                          <p:val>
+                                            <p:strVal val="1+#ppt_w/2"/>
+                                          </p:val>
+                                        </p:tav>
+                                        <p:tav tm="100000">
+                                          <p:val>
+                                            <p:strVal val="#ppt_x"/>
+                                          </p:val>
+                                        </p:tav>
+                                      </p:tavLst>
+                                    </p:anim>
+                                    <p:anim calcmode="lin" valueType="num">
+                                      <p:cBhvr additive="base">
+                                        <p:cTn id="32" dur="500" fill="hold"/>
+                                        <p:tgtEl>
+                                          <p:spTgt spid="7"/>
+                                        </p:tgtEl>
+                                        <p:attrNameLst>
+                                          <p:attrName>ppt_y</p:attrName>
+                                        </p:attrNameLst>
+                                      </p:cBhvr>
+                                      <p:tavLst>
+                                        <p:tav tm="0">
+                                          <p:val>
+                                            <p:strVal val="#ppt_y"/>
+                                          </p:val>
+                                        </p:tav>
+                                        <p:tav tm="100000">
+                                          <p:val>
+                                            <p:strVal val="#ppt_y"/>
+                                          </p:val>
+                                        </p:tav>
+                                      </p:tavLst>
+                                    </p:anim>
+                                  </p:childTnLst>
+                                </p:cTn>
+                              </p:par>
+                            </p:childTnLst>
+                          </p:cTn>
+                        </p:par>
+                      </p:childTnLst>
+                    </p:cTn>
+                  </p:par>
+                </p:childTnLst>
+              </p:cTn>
+              <p:prevCondLst>
+                <p:cond evt="onPrev" delay="0">
+                  <p:tgtEl>
+                    <p:sldTgt/>
+                  </p:tgtEl>
+                </p:cond>
+              </p:prevCondLst>
+              <p:nextCondLst>
+                <p:cond evt="onNext" delay="0">
+                  <p:tgtEl>
+                    <p:sldTgt/>
+                  </p:tgtEl>
+                </p:cond>
+              </p:nextCondLst>
+            </p:seq>
+          </p:childTnLst>
+        </p:cTn>
       </p:par>
     </p:tnLst>
+    <p:bldLst>
+      <p:bldP spid="7" grpId="0"/>
+      <p:bldP spid="8" grpId="0"/>
+      <p:bldP spid="12" grpId="0"/>
+    </p:bldLst>
   </p:timing>
 </p:sld>
 </file>
@@ -7745,8 +9923,8 @@
         </p:nvSpPr>
         <p:spPr>
           <a:xfrm>
-            <a:off x="412574" y="2497130"/>
-            <a:ext cx="7583487" cy="1323439"/>
+            <a:off x="3781756" y="2711164"/>
+            <a:ext cx="4647798" cy="1446550"/>
           </a:xfrm>
           <a:prstGeom prst="rect">
             <a:avLst/>
@@ -7880,12 +10058,84 @@
               <a:t> del </a:t>
             </a:r>
             <a:r>
-              <a:rPr lang="en-US" sz="2200" dirty="0" err="1">
+              <a:rPr lang="en-US" sz="2200" dirty="0" err="1" smtClean="0">
                 <a:solidFill>
                   <a:schemeClr val="bg1"/>
                 </a:solidFill>
               </a:rPr>
               <a:t>pescatore</a:t>
+            </a:r>
+            <a:r>
+              <a:rPr lang="en-US" sz="2200" dirty="0" smtClean="0">
+                <a:solidFill>
+                  <a:schemeClr val="bg1"/>
+                </a:solidFill>
+              </a:rPr>
+              <a:t> (</a:t>
+            </a:r>
+            <a:r>
+              <a:rPr lang="en-US" sz="2200" dirty="0" smtClean="0">
+                <a:solidFill>
+                  <a:schemeClr val="bg1"/>
+                </a:solidFill>
+              </a:rPr>
+              <a:t>Il </a:t>
+            </a:r>
+            <a:r>
+              <a:rPr lang="en-US" sz="2200" dirty="0" err="1" smtClean="0">
+                <a:solidFill>
+                  <a:schemeClr val="bg1"/>
+                </a:solidFill>
+              </a:rPr>
+              <a:t>l</a:t>
+            </a:r>
+            <a:r>
+              <a:rPr lang="en-US" sz="2200" dirty="0" err="1" smtClean="0">
+                <a:solidFill>
+                  <a:schemeClr val="bg1"/>
+                </a:solidFill>
+              </a:rPr>
+              <a:t>upo</a:t>
+            </a:r>
+            <a:r>
+              <a:rPr lang="en-US" sz="2200" dirty="0" smtClean="0">
+                <a:solidFill>
+                  <a:schemeClr val="bg1"/>
+                </a:solidFill>
+              </a:rPr>
+              <a:t> </a:t>
+            </a:r>
+            <a:r>
+              <a:rPr lang="en-US" sz="2200" dirty="0" err="1" smtClean="0">
+                <a:solidFill>
+                  <a:schemeClr val="bg1"/>
+                </a:solidFill>
+              </a:rPr>
+              <a:t>mangia</a:t>
+            </a:r>
+            <a:r>
+              <a:rPr lang="en-US" sz="2200" dirty="0" smtClean="0">
+                <a:solidFill>
+                  <a:schemeClr val="bg1"/>
+                </a:solidFill>
+              </a:rPr>
+              <a:t> la </a:t>
+            </a:r>
+            <a:r>
+              <a:rPr lang="en-US" sz="2200" dirty="0" err="1" smtClean="0">
+                <a:solidFill>
+                  <a:schemeClr val="bg1"/>
+                </a:solidFill>
+              </a:rPr>
+              <a:t>capra</a:t>
+            </a:r>
+            <a:r>
+              <a:rPr lang="en-US" sz="2200" dirty="0" smtClean="0">
+                <a:solidFill>
+                  <a:schemeClr val="bg1"/>
+                </a:solidFill>
+              </a:rPr>
+              <a:t>)</a:t>
             </a:r>
             <a:endParaRPr lang="en-US" sz="2200" dirty="0">
               <a:solidFill>
@@ -7893,12 +10143,6 @@
               </a:solidFill>
             </a:endParaRPr>
           </a:p>
-          <a:p>
-            <a:endParaRPr lang="en-US" dirty="0"/>
-          </a:p>
-          <a:p>
-            <a:endParaRPr lang="en-US" dirty="0"/>
-          </a:p>
         </p:txBody>
       </p:sp>
       <p:sp>
@@ -7909,8 +10153,8 @@
         </p:nvSpPr>
         <p:spPr>
           <a:xfrm>
-            <a:off x="412574" y="3599960"/>
-            <a:ext cx="7583487" cy="1046440"/>
+            <a:off x="412574" y="4752031"/>
+            <a:ext cx="3973275" cy="2062103"/>
           </a:xfrm>
           <a:prstGeom prst="rect">
             <a:avLst/>
@@ -8044,12 +10288,84 @@
               <a:t> del </a:t>
             </a:r>
             <a:r>
-              <a:rPr lang="en-US" sz="2200" dirty="0" err="1">
+              <a:rPr lang="en-US" sz="2200" dirty="0" err="1" smtClean="0">
                 <a:solidFill>
                   <a:schemeClr val="bg1"/>
                 </a:solidFill>
               </a:rPr>
               <a:t>pescatore</a:t>
+            </a:r>
+            <a:r>
+              <a:rPr lang="en-US" sz="2200" dirty="0" smtClean="0">
+                <a:solidFill>
+                  <a:schemeClr val="bg1"/>
+                </a:solidFill>
+              </a:rPr>
+              <a:t> (La </a:t>
+            </a:r>
+            <a:r>
+              <a:rPr lang="en-US" sz="2200" dirty="0" err="1" smtClean="0">
+                <a:solidFill>
+                  <a:schemeClr val="bg1"/>
+                </a:solidFill>
+              </a:rPr>
+              <a:t>capra</a:t>
+            </a:r>
+            <a:r>
+              <a:rPr lang="en-US" sz="2200" dirty="0" smtClean="0">
+                <a:solidFill>
+                  <a:schemeClr val="bg1"/>
+                </a:solidFill>
+              </a:rPr>
+              <a:t> </a:t>
+            </a:r>
+            <a:r>
+              <a:rPr lang="en-US" sz="2200" dirty="0" err="1" smtClean="0">
+                <a:solidFill>
+                  <a:schemeClr val="bg1"/>
+                </a:solidFill>
+              </a:rPr>
+              <a:t>mangia</a:t>
+            </a:r>
+            <a:r>
+              <a:rPr lang="en-US" sz="2200" dirty="0" smtClean="0">
+                <a:solidFill>
+                  <a:schemeClr val="bg1"/>
+                </a:solidFill>
+              </a:rPr>
+              <a:t> </a:t>
+            </a:r>
+            <a:r>
+              <a:rPr lang="en-US" sz="2200" dirty="0" err="1" smtClean="0">
+                <a:solidFill>
+                  <a:schemeClr val="bg1"/>
+                </a:solidFill>
+              </a:rPr>
+              <a:t>il</a:t>
+            </a:r>
+            <a:r>
+              <a:rPr lang="en-US" sz="2200" dirty="0" smtClean="0">
+                <a:solidFill>
+                  <a:schemeClr val="bg1"/>
+                </a:solidFill>
+              </a:rPr>
+              <a:t> </a:t>
+            </a:r>
+            <a:r>
+              <a:rPr lang="en-US" sz="2200" dirty="0" err="1" smtClean="0">
+                <a:solidFill>
+                  <a:schemeClr val="bg1"/>
+                </a:solidFill>
+              </a:rPr>
+              <a:t>cavolo</a:t>
+            </a:r>
+            <a:r>
+              <a:rPr lang="en-US" sz="2200" dirty="0" smtClean="0">
+                <a:solidFill>
+                  <a:schemeClr val="bg1"/>
+                </a:solidFill>
+              </a:rPr>
+              <a:t>)</a:t>
             </a:r>
             <a:endParaRPr lang="en-US" sz="2200" dirty="0">
               <a:solidFill>
@@ -8092,6 +10408,66 @@
           </a:prstGeom>
         </p:spPr>
       </p:pic>
+      <p:pic>
+        <p:nvPicPr>
+          <p:cNvPr id="8" name="Picture 7" descr="lupo-e-sette-capretti-265x300.jpg"/>
+          <p:cNvPicPr>
+            <a:picLocks noChangeAspect="1"/>
+          </p:cNvPicPr>
+          <p:nvPr/>
+        </p:nvPicPr>
+        <p:blipFill>
+          <a:blip r:embed="rId4">
+            <a:extLst>
+              <a:ext uri="{28A0092B-C50C-407E-A947-70E740481C1C}">
+                <a14:useLocalDpi xmlns:a14="http://schemas.microsoft.com/office/drawing/2010/main" val="0"/>
+              </a:ext>
+            </a:extLst>
+          </a:blip>
+          <a:stretch>
+            <a:fillRect/>
+          </a:stretch>
+        </p:blipFill>
+        <p:spPr>
+          <a:xfrm>
+            <a:off x="412574" y="2353149"/>
+            <a:ext cx="3140849" cy="2358563"/>
+          </a:xfrm>
+          <a:prstGeom prst="rect">
+            <a:avLst/>
+          </a:prstGeom>
+        </p:spPr>
+      </p:pic>
+      <p:pic>
+        <p:nvPicPr>
+          <p:cNvPr id="9" name="Picture 8" descr="hqdefault.jpg"/>
+          <p:cNvPicPr>
+            <a:picLocks noChangeAspect="1"/>
+          </p:cNvPicPr>
+          <p:nvPr/>
+        </p:nvPicPr>
+        <p:blipFill>
+          <a:blip r:embed="rId5">
+            <a:extLst>
+              <a:ext uri="{28A0092B-C50C-407E-A947-70E740481C1C}">
+                <a14:useLocalDpi xmlns:a14="http://schemas.microsoft.com/office/drawing/2010/main" val="0"/>
+              </a:ext>
+            </a:extLst>
+          </a:blip>
+          <a:stretch>
+            <a:fillRect/>
+          </a:stretch>
+        </p:blipFill>
+        <p:spPr>
+          <a:xfrm>
+            <a:off x="4820549" y="4257596"/>
+            <a:ext cx="3150911" cy="2363183"/>
+          </a:xfrm>
+          <a:prstGeom prst="rect">
+            <a:avLst/>
+          </a:prstGeom>
+        </p:spPr>
+      </p:pic>
     </p:spTree>
     <p:extLst>
       <p:ext uri="{BB962C8B-B14F-4D97-AF65-F5344CB8AC3E}">
@@ -8105,9 +10481,419 @@
   <p:timing>
     <p:tnLst>
       <p:par>
-        <p:cTn xmlns:p14="http://schemas.microsoft.com/office/powerpoint/2010/main" id="1" dur="indefinite" restart="never" nodeType="tmRoot"/>
+        <p:cTn xmlns:p14="http://schemas.microsoft.com/office/powerpoint/2010/main" id="1" dur="indefinite" restart="never" nodeType="tmRoot">
+          <p:childTnLst>
+            <p:seq concurrent="1" nextAc="seek">
+              <p:cTn id="2" dur="indefinite" nodeType="mainSeq">
+                <p:childTnLst>
+                  <p:par>
+                    <p:cTn id="3" fill="hold">
+                      <p:stCondLst>
+                        <p:cond delay="indefinite"/>
+                      </p:stCondLst>
+                      <p:childTnLst>
+                        <p:par>
+                          <p:cTn id="4" fill="hold">
+                            <p:stCondLst>
+                              <p:cond delay="0"/>
+                            </p:stCondLst>
+                            <p:childTnLst>
+                              <p:par>
+                                <p:cTn id="5" presetID="18" presetClass="entr" presetSubtype="3" fill="hold" grpId="0" nodeType="clickEffect">
+                                  <p:stCondLst>
+                                    <p:cond delay="0"/>
+                                  </p:stCondLst>
+                                  <p:childTnLst>
+                                    <p:set>
+                                      <p:cBhvr>
+                                        <p:cTn id="6" dur="1" fill="hold">
+                                          <p:stCondLst>
+                                            <p:cond delay="0"/>
+                                          </p:stCondLst>
+                                        </p:cTn>
+                                        <p:tgtEl>
+                                          <p:spTgt spid="3">
+                                            <p:txEl>
+                                              <p:pRg st="0" end="0"/>
+                                            </p:txEl>
+                                          </p:spTgt>
+                                        </p:tgtEl>
+                                        <p:attrNameLst>
+                                          <p:attrName>style.visibility</p:attrName>
+                                        </p:attrNameLst>
+                                      </p:cBhvr>
+                                      <p:to>
+                                        <p:strVal val="visible"/>
+                                      </p:to>
+                                    </p:set>
+                                    <p:animEffect transition="in" filter="strips(upRight)">
+                                      <p:cBhvr>
+                                        <p:cTn id="7" dur="500"/>
+                                        <p:tgtEl>
+                                          <p:spTgt spid="3">
+                                            <p:txEl>
+                                              <p:pRg st="0" end="0"/>
+                                            </p:txEl>
+                                          </p:spTgt>
+                                        </p:tgtEl>
+                                      </p:cBhvr>
+                                    </p:animEffect>
+                                  </p:childTnLst>
+                                </p:cTn>
+                              </p:par>
+                              <p:par>
+                                <p:cTn id="8" presetID="18" presetClass="entr" presetSubtype="3" fill="hold" nodeType="withEffect">
+                                  <p:stCondLst>
+                                    <p:cond delay="0"/>
+                                  </p:stCondLst>
+                                  <p:childTnLst>
+                                    <p:set>
+                                      <p:cBhvr>
+                                        <p:cTn id="9" dur="1" fill="hold">
+                                          <p:stCondLst>
+                                            <p:cond delay="0"/>
+                                          </p:stCondLst>
+                                        </p:cTn>
+                                        <p:tgtEl>
+                                          <p:spTgt spid="7"/>
+                                        </p:tgtEl>
+                                        <p:attrNameLst>
+                                          <p:attrName>style.visibility</p:attrName>
+                                        </p:attrNameLst>
+                                      </p:cBhvr>
+                                      <p:to>
+                                        <p:strVal val="visible"/>
+                                      </p:to>
+                                    </p:set>
+                                    <p:animEffect transition="in" filter="strips(upRight)">
+                                      <p:cBhvr>
+                                        <p:cTn id="10" dur="500"/>
+                                        <p:tgtEl>
+                                          <p:spTgt spid="7"/>
+                                        </p:tgtEl>
+                                      </p:cBhvr>
+                                    </p:animEffect>
+                                  </p:childTnLst>
+                                </p:cTn>
+                              </p:par>
+                            </p:childTnLst>
+                          </p:cTn>
+                        </p:par>
+                      </p:childTnLst>
+                    </p:cTn>
+                  </p:par>
+                  <p:par>
+                    <p:cTn id="11" fill="hold">
+                      <p:stCondLst>
+                        <p:cond delay="indefinite"/>
+                      </p:stCondLst>
+                      <p:childTnLst>
+                        <p:par>
+                          <p:cTn id="12" fill="hold">
+                            <p:stCondLst>
+                              <p:cond delay="0"/>
+                            </p:stCondLst>
+                            <p:childTnLst>
+                              <p:par>
+                                <p:cTn id="13" presetID="12" presetClass="entr" presetSubtype="2" fill="hold" grpId="0" nodeType="clickEffect">
+                                  <p:stCondLst>
+                                    <p:cond delay="0"/>
+                                  </p:stCondLst>
+                                  <p:childTnLst>
+                                    <p:set>
+                                      <p:cBhvr>
+                                        <p:cTn id="14" dur="1" fill="hold">
+                                          <p:stCondLst>
+                                            <p:cond delay="0"/>
+                                          </p:stCondLst>
+                                        </p:cTn>
+                                        <p:tgtEl>
+                                          <p:spTgt spid="5"/>
+                                        </p:tgtEl>
+                                        <p:attrNameLst>
+                                          <p:attrName>style.visibility</p:attrName>
+                                        </p:attrNameLst>
+                                      </p:cBhvr>
+                                      <p:to>
+                                        <p:strVal val="visible"/>
+                                      </p:to>
+                                    </p:set>
+                                    <p:anim calcmode="lin" valueType="num">
+                                      <p:cBhvr additive="base">
+                                        <p:cTn id="15" dur="500"/>
+                                        <p:tgtEl>
+                                          <p:spTgt spid="5"/>
+                                        </p:tgtEl>
+                                        <p:attrNameLst>
+                                          <p:attrName>ppt_x</p:attrName>
+                                        </p:attrNameLst>
+                                      </p:cBhvr>
+                                      <p:tavLst>
+                                        <p:tav tm="0">
+                                          <p:val>
+                                            <p:strVal val="#ppt_x+#ppt_w*1.125000"/>
+                                          </p:val>
+                                        </p:tav>
+                                        <p:tav tm="100000">
+                                          <p:val>
+                                            <p:strVal val="#ppt_x"/>
+                                          </p:val>
+                                        </p:tav>
+                                      </p:tavLst>
+                                    </p:anim>
+                                    <p:animEffect transition="in" filter="wipe(left)">
+                                      <p:cBhvr>
+                                        <p:cTn id="16" dur="500"/>
+                                        <p:tgtEl>
+                                          <p:spTgt spid="5"/>
+                                        </p:tgtEl>
+                                      </p:cBhvr>
+                                    </p:animEffect>
+                                  </p:childTnLst>
+                                </p:cTn>
+                              </p:par>
+                            </p:childTnLst>
+                          </p:cTn>
+                        </p:par>
+                        <p:par>
+                          <p:cTn id="17" fill="hold">
+                            <p:stCondLst>
+                              <p:cond delay="500"/>
+                            </p:stCondLst>
+                            <p:childTnLst>
+                              <p:par>
+                                <p:cTn id="18" presetID="12" presetClass="entr" presetSubtype="8" fill="hold" nodeType="afterEffect">
+                                  <p:stCondLst>
+                                    <p:cond delay="0"/>
+                                  </p:stCondLst>
+                                  <p:childTnLst>
+                                    <p:set>
+                                      <p:cBhvr>
+                                        <p:cTn id="19" dur="1" fill="hold">
+                                          <p:stCondLst>
+                                            <p:cond delay="0"/>
+                                          </p:stCondLst>
+                                        </p:cTn>
+                                        <p:tgtEl>
+                                          <p:spTgt spid="8"/>
+                                        </p:tgtEl>
+                                        <p:attrNameLst>
+                                          <p:attrName>style.visibility</p:attrName>
+                                        </p:attrNameLst>
+                                      </p:cBhvr>
+                                      <p:to>
+                                        <p:strVal val="visible"/>
+                                      </p:to>
+                                    </p:set>
+                                    <p:anim calcmode="lin" valueType="num">
+                                      <p:cBhvr additive="base">
+                                        <p:cTn id="20" dur="500"/>
+                                        <p:tgtEl>
+                                          <p:spTgt spid="8"/>
+                                        </p:tgtEl>
+                                        <p:attrNameLst>
+                                          <p:attrName>ppt_x</p:attrName>
+                                        </p:attrNameLst>
+                                      </p:cBhvr>
+                                      <p:tavLst>
+                                        <p:tav tm="0">
+                                          <p:val>
+                                            <p:strVal val="#ppt_x-#ppt_w*1.125000"/>
+                                          </p:val>
+                                        </p:tav>
+                                        <p:tav tm="100000">
+                                          <p:val>
+                                            <p:strVal val="#ppt_x"/>
+                                          </p:val>
+                                        </p:tav>
+                                      </p:tavLst>
+                                    </p:anim>
+                                    <p:animEffect transition="in" filter="wipe(right)">
+                                      <p:cBhvr>
+                                        <p:cTn id="21" dur="500"/>
+                                        <p:tgtEl>
+                                          <p:spTgt spid="8"/>
+                                        </p:tgtEl>
+                                      </p:cBhvr>
+                                    </p:animEffect>
+                                  </p:childTnLst>
+                                </p:cTn>
+                              </p:par>
+                            </p:childTnLst>
+                          </p:cTn>
+                        </p:par>
+                      </p:childTnLst>
+                    </p:cTn>
+                  </p:par>
+                  <p:par>
+                    <p:cTn id="22" fill="hold">
+                      <p:stCondLst>
+                        <p:cond delay="indefinite"/>
+                      </p:stCondLst>
+                      <p:childTnLst>
+                        <p:par>
+                          <p:cTn id="23" fill="hold">
+                            <p:stCondLst>
+                              <p:cond delay="0"/>
+                            </p:stCondLst>
+                            <p:childTnLst>
+                              <p:par>
+                                <p:cTn id="24" presetID="12" presetClass="entr" presetSubtype="8" fill="hold" grpId="0" nodeType="clickEffect">
+                                  <p:stCondLst>
+                                    <p:cond delay="0"/>
+                                  </p:stCondLst>
+                                  <p:childTnLst>
+                                    <p:set>
+                                      <p:cBhvr>
+                                        <p:cTn id="25" dur="1" fill="hold">
+                                          <p:stCondLst>
+                                            <p:cond delay="0"/>
+                                          </p:stCondLst>
+                                        </p:cTn>
+                                        <p:tgtEl>
+                                          <p:spTgt spid="6"/>
+                                        </p:tgtEl>
+                                        <p:attrNameLst>
+                                          <p:attrName>style.visibility</p:attrName>
+                                        </p:attrNameLst>
+                                      </p:cBhvr>
+                                      <p:to>
+                                        <p:strVal val="visible"/>
+                                      </p:to>
+                                    </p:set>
+                                    <p:anim calcmode="lin" valueType="num">
+                                      <p:cBhvr additive="base">
+                                        <p:cTn id="26" dur="500"/>
+                                        <p:tgtEl>
+                                          <p:spTgt spid="6"/>
+                                        </p:tgtEl>
+                                        <p:attrNameLst>
+                                          <p:attrName>ppt_x</p:attrName>
+                                        </p:attrNameLst>
+                                      </p:cBhvr>
+                                      <p:tavLst>
+                                        <p:tav tm="0">
+                                          <p:val>
+                                            <p:strVal val="#ppt_x-#ppt_w*1.125000"/>
+                                          </p:val>
+                                        </p:tav>
+                                        <p:tav tm="100000">
+                                          <p:val>
+                                            <p:strVal val="#ppt_x"/>
+                                          </p:val>
+                                        </p:tav>
+                                      </p:tavLst>
+                                    </p:anim>
+                                    <p:animEffect transition="in" filter="wipe(right)">
+                                      <p:cBhvr>
+                                        <p:cTn id="27" dur="500"/>
+                                        <p:tgtEl>
+                                          <p:spTgt spid="6"/>
+                                        </p:tgtEl>
+                                      </p:cBhvr>
+                                    </p:animEffect>
+                                  </p:childTnLst>
+                                </p:cTn>
+                              </p:par>
+                            </p:childTnLst>
+                          </p:cTn>
+                        </p:par>
+                        <p:par>
+                          <p:cTn id="28" fill="hold">
+                            <p:stCondLst>
+                              <p:cond delay="500"/>
+                            </p:stCondLst>
+                            <p:childTnLst>
+                              <p:par>
+                                <p:cTn id="29" presetID="12" presetClass="entr" presetSubtype="2" fill="hold" nodeType="afterEffect">
+                                  <p:stCondLst>
+                                    <p:cond delay="0"/>
+                                  </p:stCondLst>
+                                  <p:childTnLst>
+                                    <p:set>
+                                      <p:cBhvr>
+                                        <p:cTn id="30" dur="1" fill="hold">
+                                          <p:stCondLst>
+                                            <p:cond delay="0"/>
+                                          </p:stCondLst>
+                                        </p:cTn>
+                                        <p:tgtEl>
+                                          <p:spTgt spid="9"/>
+                                        </p:tgtEl>
+                                        <p:attrNameLst>
+                                          <p:attrName>style.visibility</p:attrName>
+                                        </p:attrNameLst>
+                                      </p:cBhvr>
+                                      <p:to>
+                                        <p:strVal val="visible"/>
+                                      </p:to>
+                                    </p:set>
+                                    <p:anim calcmode="lin" valueType="num">
+                                      <p:cBhvr additive="base">
+                                        <p:cTn id="31" dur="500"/>
+                                        <p:tgtEl>
+                                          <p:spTgt spid="9"/>
+                                        </p:tgtEl>
+                                        <p:attrNameLst>
+                                          <p:attrName>ppt_x</p:attrName>
+                                        </p:attrNameLst>
+                                      </p:cBhvr>
+                                      <p:tavLst>
+                                        <p:tav tm="0">
+                                          <p:val>
+                                            <p:strVal val="#ppt_x+#ppt_w*1.125000"/>
+                                          </p:val>
+                                        </p:tav>
+                                        <p:tav tm="100000">
+                                          <p:val>
+                                            <p:strVal val="#ppt_x"/>
+                                          </p:val>
+                                        </p:tav>
+                                      </p:tavLst>
+                                    </p:anim>
+                                    <p:animEffect transition="in" filter="wipe(left)">
+                                      <p:cBhvr>
+                                        <p:cTn id="32" dur="500"/>
+                                        <p:tgtEl>
+                                          <p:spTgt spid="9"/>
+                                        </p:tgtEl>
+                                      </p:cBhvr>
+                                    </p:animEffect>
+                                  </p:childTnLst>
+                                </p:cTn>
+                              </p:par>
+                            </p:childTnLst>
+                          </p:cTn>
+                        </p:par>
+                      </p:childTnLst>
+                    </p:cTn>
+                  </p:par>
+                </p:childTnLst>
+              </p:cTn>
+              <p:prevCondLst>
+                <p:cond evt="onPrev" delay="0">
+                  <p:tgtEl>
+                    <p:sldTgt/>
+                  </p:tgtEl>
+                </p:cond>
+              </p:prevCondLst>
+              <p:nextCondLst>
+                <p:cond evt="onNext" delay="0">
+                  <p:tgtEl>
+                    <p:sldTgt/>
+                  </p:tgtEl>
+                </p:cond>
+              </p:nextCondLst>
+            </p:seq>
+          </p:childTnLst>
+        </p:cTn>
       </p:par>
     </p:tnLst>
+    <p:bldLst>
+      <p:bldP spid="3" grpId="0" build="p"/>
+      <p:bldP spid="5" grpId="0"/>
+      <p:bldP spid="6" grpId="0"/>
+    </p:bldLst>
   </p:timing>
 </p:sld>
 </file>
@@ -8145,10 +10931,10 @@
           <a:lstStyle/>
           <a:p>
             <a:r>
-              <a:rPr lang="en-US" dirty="0" smtClean="0"/>
+              <a:rPr lang="en-US" sz="6000" b="1" dirty="0" smtClean="0"/>
               <a:t>Stakeholder</a:t>
             </a:r>
-            <a:endParaRPr lang="en-US" dirty="0"/>
+            <a:endParaRPr lang="en-US" sz="6000" b="1" dirty="0"/>
           </a:p>
         </p:txBody>
       </p:sp>
@@ -8207,12 +10993,24 @@
               <a:t> </a:t>
             </a:r>
             <a:r>
-              <a:rPr lang="en-US" dirty="0" err="1" smtClean="0"/>
+              <a:rPr lang="en-US" b="1" dirty="0" err="1" smtClean="0">
+                <a:solidFill>
+                  <a:srgbClr val="FFFF00"/>
+                </a:solidFill>
+              </a:rPr>
               <a:t>pescatore</a:t>
             </a:r>
             <a:r>
+              <a:rPr lang="en-US" dirty="0" smtClean="0">
+                <a:solidFill>
+                  <a:srgbClr val="FFFF00"/>
+                </a:solidFill>
+              </a:rPr>
+              <a:t> </a:t>
+            </a:r>
+            <a:r>
               <a:rPr lang="en-US" dirty="0" smtClean="0"/>
-              <a:t> a cui </a:t>
+              <a:t>a cui </a:t>
             </a:r>
             <a:r>
               <a:rPr lang="en-US" dirty="0" err="1" smtClean="0"/>
@@ -8268,8 +11066,38 @@
         </p:blipFill>
         <p:spPr>
           <a:xfrm>
-            <a:off x="2873949" y="2991366"/>
-            <a:ext cx="2873948" cy="2891098"/>
+            <a:off x="451235" y="2791601"/>
+            <a:ext cx="3787186" cy="3597784"/>
+          </a:xfrm>
+          <a:prstGeom prst="rect">
+            <a:avLst/>
+          </a:prstGeom>
+        </p:spPr>
+      </p:pic>
+      <p:pic>
+        <p:nvPicPr>
+          <p:cNvPr id="5" name="Picture 4" descr="divertente-barca-da-pesca.jpg"/>
+          <p:cNvPicPr>
+            <a:picLocks noChangeAspect="1"/>
+          </p:cNvPicPr>
+          <p:nvPr/>
+        </p:nvPicPr>
+        <p:blipFill>
+          <a:blip r:embed="rId3">
+            <a:extLst>
+              <a:ext uri="{28A0092B-C50C-407E-A947-70E740481C1C}">
+                <a14:useLocalDpi xmlns:a14="http://schemas.microsoft.com/office/drawing/2010/main" val="0"/>
+              </a:ext>
+            </a:extLst>
+          </a:blip>
+          <a:stretch>
+            <a:fillRect/>
+          </a:stretch>
+        </p:blipFill>
+        <p:spPr>
+          <a:xfrm>
+            <a:off x="4573966" y="2791601"/>
+            <a:ext cx="4108460" cy="3597784"/>
           </a:xfrm>
           <a:prstGeom prst="rect">
             <a:avLst/>
@@ -8329,10 +11157,10 @@
           <a:lstStyle/>
           <a:p>
             <a:r>
-              <a:rPr lang="en-US" dirty="0" err="1" smtClean="0"/>
+              <a:rPr lang="en-US" sz="6600" b="1" dirty="0" err="1" smtClean="0"/>
               <a:t>Motivazioni</a:t>
             </a:r>
-            <a:endParaRPr lang="en-US" dirty="0"/>
+            <a:endParaRPr lang="en-US" b="1" dirty="0"/>
           </a:p>
         </p:txBody>
       </p:sp>
@@ -8520,14 +11348,60 @@
         </p:blipFill>
         <p:spPr>
           <a:xfrm>
-            <a:off x="2667000" y="3422650"/>
-            <a:ext cx="3810000" cy="2857500"/>
+            <a:off x="4455504" y="2925214"/>
+            <a:ext cx="4150021" cy="3112516"/>
           </a:xfrm>
           <a:prstGeom prst="rect">
             <a:avLst/>
           </a:prstGeom>
         </p:spPr>
       </p:pic>
+      <p:sp>
+        <p:nvSpPr>
+          <p:cNvPr id="5" name="TextBox 4"/>
+          <p:cNvSpPr txBox="1"/>
+          <p:nvPr/>
+        </p:nvSpPr>
+        <p:spPr>
+          <a:xfrm>
+            <a:off x="249906" y="3949092"/>
+            <a:ext cx="4205598" cy="830997"/>
+          </a:xfrm>
+          <a:prstGeom prst="rect">
+            <a:avLst/>
+          </a:prstGeom>
+          <a:noFill/>
+        </p:spPr>
+        <p:txBody>
+          <a:bodyPr wrap="none" rtlCol="0">
+            <a:spAutoFit/>
+          </a:bodyPr>
+          <a:lstStyle/>
+          <a:p>
+            <a:r>
+              <a:rPr lang="en-US" sz="4800" b="1" dirty="0" err="1" smtClean="0">
+                <a:solidFill>
+                  <a:srgbClr val="FFFFFF"/>
+                </a:solidFill>
+              </a:rPr>
+              <a:t>Qualche</a:t>
+            </a:r>
+            <a:r>
+              <a:rPr lang="en-US" sz="4800" b="1" dirty="0" smtClean="0">
+                <a:solidFill>
+                  <a:srgbClr val="FFFFFF"/>
+                </a:solidFill>
+              </a:rPr>
+              <a:t> idea?</a:t>
+            </a:r>
+            <a:endParaRPr lang="en-US" sz="4800" b="1" dirty="0">
+              <a:solidFill>
+                <a:srgbClr val="FFFFFF"/>
+              </a:solidFill>
+            </a:endParaRPr>
+          </a:p>
+        </p:txBody>
+      </p:sp>
     </p:spTree>
     <p:extLst>
       <p:ext uri="{BB962C8B-B14F-4D97-AF65-F5344CB8AC3E}">
@@ -8541,9 +11415,80 @@
   <p:timing>
     <p:tnLst>
       <p:par>
-        <p:cTn xmlns:p14="http://schemas.microsoft.com/office/powerpoint/2010/main" id="1" dur="indefinite" restart="never" nodeType="tmRoot"/>
+        <p:cTn xmlns:p14="http://schemas.microsoft.com/office/powerpoint/2010/main" id="1" dur="indefinite" restart="never" nodeType="tmRoot">
+          <p:childTnLst>
+            <p:seq concurrent="1" nextAc="seek">
+              <p:cTn id="2" dur="indefinite" nodeType="mainSeq">
+                <p:childTnLst>
+                  <p:par>
+                    <p:cTn id="3" fill="hold">
+                      <p:stCondLst>
+                        <p:cond delay="indefinite"/>
+                      </p:stCondLst>
+                      <p:childTnLst>
+                        <p:par>
+                          <p:cTn id="4" fill="hold">
+                            <p:stCondLst>
+                              <p:cond delay="0"/>
+                            </p:stCondLst>
+                            <p:childTnLst>
+                              <p:par>
+                                <p:cTn id="5" presetID="1" presetClass="entr" presetSubtype="0" fill="hold" grpId="0" nodeType="clickEffect">
+                                  <p:stCondLst>
+                                    <p:cond delay="0"/>
+                                  </p:stCondLst>
+                                  <p:childTnLst>
+                                    <p:set>
+                                      <p:cBhvr>
+                                        <p:cTn id="6" dur="1" fill="hold">
+                                          <p:stCondLst>
+                                            <p:cond delay="0"/>
+                                          </p:stCondLst>
+                                        </p:cTn>
+                                        <p:tgtEl>
+                                          <p:spTgt spid="5"/>
+                                        </p:tgtEl>
+                                        <p:attrNameLst>
+                                          <p:attrName>style.visibility</p:attrName>
+                                        </p:attrNameLst>
+                                      </p:cBhvr>
+                                      <p:to>
+                                        <p:strVal val="visible"/>
+                                      </p:to>
+                                    </p:set>
+                                  </p:childTnLst>
+                                </p:cTn>
+                              </p:par>
+                            </p:childTnLst>
+                          </p:cTn>
+                        </p:par>
+                      </p:childTnLst>
+                    </p:cTn>
+                  </p:par>
+                </p:childTnLst>
+              </p:cTn>
+              <p:prevCondLst>
+                <p:cond evt="onPrev" delay="0">
+                  <p:tgtEl>
+                    <p:sldTgt/>
+                  </p:tgtEl>
+                </p:cond>
+              </p:prevCondLst>
+              <p:nextCondLst>
+                <p:cond evt="onNext" delay="0">
+                  <p:tgtEl>
+                    <p:sldTgt/>
+                  </p:tgtEl>
+                </p:cond>
+              </p:nextCondLst>
+            </p:seq>
+          </p:childTnLst>
+        </p:cTn>
       </p:par>
     </p:tnLst>
+    <p:bldLst>
+      <p:bldP spid="5" grpId="0"/>
+    </p:bldLst>
   </p:timing>
 </p:sld>
 </file>
@@ -8575,16 +11520,21 @@
             <p:ph type="title"/>
           </p:nvPr>
         </p:nvSpPr>
-        <p:spPr/>
+        <p:spPr>
+          <a:xfrm>
+            <a:off x="779463" y="381000"/>
+            <a:ext cx="8025606" cy="1044388"/>
+          </a:xfrm>
+        </p:spPr>
         <p:txBody>
           <a:bodyPr/>
           <a:lstStyle/>
           <a:p>
             <a:r>
-              <a:rPr lang="en-US" dirty="0" smtClean="0"/>
+              <a:rPr lang="en-US" sz="4400" b="1" dirty="0" smtClean="0"/>
               <a:t>SOLUZIONE DA INFORMATICO</a:t>
             </a:r>
-            <a:endParaRPr lang="en-US" dirty="0"/>
+            <a:endParaRPr lang="en-US" sz="4400" b="1" dirty="0"/>
           </a:p>
         </p:txBody>
       </p:sp>
@@ -8598,7 +11548,12 @@
             <p:ph idx="1"/>
           </p:nvPr>
         </p:nvSpPr>
-        <p:spPr/>
+        <p:spPr>
+          <a:xfrm>
+            <a:off x="779463" y="1657573"/>
+            <a:ext cx="7583487" cy="3736079"/>
+          </a:xfrm>
+        </p:spPr>
         <p:txBody>
           <a:bodyPr/>
           <a:lstStyle/>
@@ -8610,7 +11565,7 @@
             <a:r>
               <a:rPr lang="en-US" dirty="0" err="1" smtClean="0">
                 <a:solidFill>
-                  <a:srgbClr val="D7EEFB"/>
+                  <a:srgbClr val="FFFFFF"/>
                 </a:solidFill>
               </a:rPr>
               <a:t>Trasportiamo</a:t>
@@ -8618,7 +11573,7 @@
             <a:r>
               <a:rPr lang="en-US" dirty="0" smtClean="0">
                 <a:solidFill>
-                  <a:srgbClr val="D7EEFB"/>
+                  <a:srgbClr val="FFFFFF"/>
                 </a:solidFill>
               </a:rPr>
               <a:t> prima la </a:t>
@@ -8626,7 +11581,7 @@
             <a:r>
               <a:rPr lang="en-US" dirty="0" err="1" smtClean="0">
                 <a:solidFill>
-                  <a:srgbClr val="D7EEFB"/>
+                  <a:srgbClr val="FFFFFF"/>
                 </a:solidFill>
               </a:rPr>
               <a:t>capra</a:t>
@@ -8634,7 +11589,7 @@
             <a:r>
               <a:rPr lang="en-US" dirty="0" smtClean="0">
                 <a:solidFill>
-                  <a:srgbClr val="D7EEFB"/>
+                  <a:srgbClr val="FFFFFF"/>
                 </a:solidFill>
               </a:rPr>
               <a:t> </a:t>
@@ -8642,7 +11597,7 @@
             <a:r>
               <a:rPr lang="en-US" dirty="0" err="1" smtClean="0">
                 <a:solidFill>
-                  <a:srgbClr val="D7EEFB"/>
+                  <a:srgbClr val="FFFFFF"/>
                 </a:solidFill>
               </a:rPr>
               <a:t>sulla</a:t>
@@ -8650,7 +11605,7 @@
             <a:r>
               <a:rPr lang="en-US" dirty="0" smtClean="0">
                 <a:solidFill>
-                  <a:srgbClr val="D7EEFB"/>
+                  <a:srgbClr val="FFFFFF"/>
                 </a:solidFill>
               </a:rPr>
               <a:t> </a:t>
@@ -8658,7 +11613,7 @@
             <a:r>
               <a:rPr lang="en-US" dirty="0" err="1" smtClean="0">
                 <a:solidFill>
-                  <a:srgbClr val="D7EEFB"/>
+                  <a:srgbClr val="FFFFFF"/>
                 </a:solidFill>
               </a:rPr>
               <a:t>sponda</a:t>
@@ -8666,7 +11621,7 @@
             <a:r>
               <a:rPr lang="en-US" dirty="0" smtClean="0">
                 <a:solidFill>
-                  <a:srgbClr val="D7EEFB"/>
+                  <a:srgbClr val="FFFFFF"/>
                 </a:solidFill>
               </a:rPr>
               <a:t> </a:t>
@@ -8674,7 +11629,7 @@
             <a:r>
               <a:rPr lang="en-US" dirty="0" err="1" smtClean="0">
                 <a:solidFill>
-                  <a:srgbClr val="D7EEFB"/>
+                  <a:srgbClr val="FFFFFF"/>
                 </a:solidFill>
               </a:rPr>
               <a:t>destra</a:t>
@@ -8682,7 +11637,7 @@
             <a:r>
               <a:rPr lang="en-US" dirty="0" smtClean="0">
                 <a:solidFill>
-                  <a:srgbClr val="D7EEFB"/>
+                  <a:srgbClr val="FFFFFF"/>
                 </a:solidFill>
               </a:rPr>
               <a:t>  ( </a:t>
@@ -8690,7 +11645,7 @@
             <a:r>
               <a:rPr lang="en-US" dirty="0" err="1" smtClean="0">
                 <a:solidFill>
-                  <a:srgbClr val="D7EEFB"/>
+                  <a:srgbClr val="FFFFFF"/>
                 </a:solidFill>
               </a:rPr>
               <a:t>rimangono</a:t>
@@ -8698,7 +11653,7 @@
             <a:r>
               <a:rPr lang="en-US" dirty="0" smtClean="0">
                 <a:solidFill>
-                  <a:srgbClr val="D7EEFB"/>
+                  <a:srgbClr val="FFFFFF"/>
                 </a:solidFill>
               </a:rPr>
               <a:t> </a:t>
@@ -8706,7 +11661,7 @@
             <a:r>
               <a:rPr lang="en-US" dirty="0" err="1" smtClean="0">
                 <a:solidFill>
-                  <a:srgbClr val="D7EEFB"/>
+                  <a:srgbClr val="FFFFFF"/>
                 </a:solidFill>
               </a:rPr>
               <a:t>lupo</a:t>
@@ -8714,7 +11669,7 @@
             <a:r>
               <a:rPr lang="en-US" dirty="0" smtClean="0">
                 <a:solidFill>
-                  <a:srgbClr val="D7EEFB"/>
+                  <a:srgbClr val="FFFFFF"/>
                 </a:solidFill>
               </a:rPr>
               <a:t> e </a:t>
@@ -8722,7 +11677,7 @@
             <a:r>
               <a:rPr lang="en-US" dirty="0" err="1" smtClean="0">
                 <a:solidFill>
-                  <a:srgbClr val="D7EEFB"/>
+                  <a:srgbClr val="FFFFFF"/>
                 </a:solidFill>
               </a:rPr>
               <a:t>cavolo</a:t>
@@ -8730,7 +11685,7 @@
             <a:r>
               <a:rPr lang="en-US" dirty="0" smtClean="0">
                 <a:solidFill>
-                  <a:srgbClr val="D7EEFB"/>
+                  <a:srgbClr val="FFFFFF"/>
                 </a:solidFill>
               </a:rPr>
               <a:t> )</a:t>
@@ -8744,7 +11699,7 @@
             <a:r>
               <a:rPr lang="en-US" dirty="0" err="1" smtClean="0">
                 <a:solidFill>
-                  <a:srgbClr val="D7EEFB"/>
+                  <a:srgbClr val="FFFFFF"/>
                 </a:solidFill>
               </a:rPr>
               <a:t>Torniamo</a:t>
@@ -8752,7 +11707,7 @@
             <a:r>
               <a:rPr lang="en-US" dirty="0" smtClean="0">
                 <a:solidFill>
-                  <a:srgbClr val="D7EEFB"/>
+                  <a:srgbClr val="FFFFFF"/>
                 </a:solidFill>
               </a:rPr>
               <a:t> </a:t>
@@ -8760,7 +11715,7 @@
             <a:r>
               <a:rPr lang="en-US" dirty="0" err="1" smtClean="0">
                 <a:solidFill>
-                  <a:srgbClr val="D7EEFB"/>
+                  <a:srgbClr val="FFFFFF"/>
                 </a:solidFill>
               </a:rPr>
               <a:t>indietro</a:t>
@@ -8768,7 +11723,7 @@
             <a:r>
               <a:rPr lang="en-US" dirty="0" smtClean="0">
                 <a:solidFill>
-                  <a:srgbClr val="D7EEFB"/>
+                  <a:srgbClr val="FFFFFF"/>
                 </a:solidFill>
               </a:rPr>
               <a:t> e  </a:t>
@@ -8776,7 +11731,7 @@
             <a:r>
               <a:rPr lang="en-US" dirty="0" err="1">
                 <a:solidFill>
-                  <a:srgbClr val="D7EEFB"/>
+                  <a:srgbClr val="FFFFFF"/>
                 </a:solidFill>
               </a:rPr>
               <a:t>t</a:t>
@@ -8784,7 +11739,7 @@
             <a:r>
               <a:rPr lang="en-US" dirty="0" err="1" smtClean="0">
                 <a:solidFill>
-                  <a:srgbClr val="D7EEFB"/>
+                  <a:srgbClr val="FFFFFF"/>
                 </a:solidFill>
               </a:rPr>
               <a:t>rasportiamo</a:t>
@@ -8792,7 +11747,7 @@
             <a:r>
               <a:rPr lang="en-US" dirty="0" smtClean="0">
                 <a:solidFill>
-                  <a:srgbClr val="D7EEFB"/>
+                  <a:srgbClr val="FFFFFF"/>
                 </a:solidFill>
               </a:rPr>
               <a:t> </a:t>
@@ -8800,7 +11755,7 @@
             <a:r>
               <a:rPr lang="en-US" dirty="0" err="1" smtClean="0">
                 <a:solidFill>
-                  <a:srgbClr val="D7EEFB"/>
+                  <a:srgbClr val="FFFFFF"/>
                 </a:solidFill>
               </a:rPr>
               <a:t>il</a:t>
@@ -8808,7 +11763,7 @@
             <a:r>
               <a:rPr lang="en-US" dirty="0" smtClean="0">
                 <a:solidFill>
-                  <a:srgbClr val="D7EEFB"/>
+                  <a:srgbClr val="FFFFFF"/>
                 </a:solidFill>
               </a:rPr>
               <a:t> </a:t>
@@ -8816,7 +11771,7 @@
             <a:r>
               <a:rPr lang="en-US" dirty="0" err="1" smtClean="0">
                 <a:solidFill>
-                  <a:srgbClr val="D7EEFB"/>
+                  <a:srgbClr val="FFFFFF"/>
                 </a:solidFill>
               </a:rPr>
               <a:t>cavolo</a:t>
@@ -8824,7 +11779,7 @@
             <a:r>
               <a:rPr lang="en-US" dirty="0" smtClean="0">
                 <a:solidFill>
-                  <a:srgbClr val="D7EEFB"/>
+                  <a:srgbClr val="FFFFFF"/>
                 </a:solidFill>
               </a:rPr>
               <a:t> </a:t>
@@ -8832,7 +11787,7 @@
             <a:r>
               <a:rPr lang="en-US" dirty="0" err="1" smtClean="0">
                 <a:solidFill>
-                  <a:srgbClr val="D7EEFB"/>
+                  <a:srgbClr val="FFFFFF"/>
                 </a:solidFill>
               </a:rPr>
               <a:t>sulla</a:t>
@@ -8840,7 +11795,7 @@
             <a:r>
               <a:rPr lang="en-US" dirty="0" smtClean="0">
                 <a:solidFill>
-                  <a:srgbClr val="D7EEFB"/>
+                  <a:srgbClr val="FFFFFF"/>
                 </a:solidFill>
               </a:rPr>
               <a:t> </a:t>
@@ -8848,7 +11803,7 @@
             <a:r>
               <a:rPr lang="en-US" dirty="0" err="1" smtClean="0">
                 <a:solidFill>
-                  <a:srgbClr val="D7EEFB"/>
+                  <a:srgbClr val="FFFFFF"/>
                 </a:solidFill>
               </a:rPr>
               <a:t>sponda</a:t>
@@ -8856,7 +11811,7 @@
             <a:r>
               <a:rPr lang="en-US" dirty="0" smtClean="0">
                 <a:solidFill>
-                  <a:srgbClr val="D7EEFB"/>
+                  <a:srgbClr val="FFFFFF"/>
                 </a:solidFill>
               </a:rPr>
               <a:t> </a:t>
@@ -8864,7 +11819,7 @@
             <a:r>
               <a:rPr lang="en-US" dirty="0" err="1" smtClean="0">
                 <a:solidFill>
-                  <a:srgbClr val="D7EEFB"/>
+                  <a:srgbClr val="FFFFFF"/>
                 </a:solidFill>
               </a:rPr>
               <a:t>destra</a:t>
@@ -8872,7 +11827,7 @@
             <a:r>
               <a:rPr lang="en-US" dirty="0" smtClean="0">
                 <a:solidFill>
-                  <a:srgbClr val="D7EEFB"/>
+                  <a:srgbClr val="FFFFFF"/>
                 </a:solidFill>
               </a:rPr>
               <a:t> </a:t>
@@ -8880,7 +11835,7 @@
             <a:r>
               <a:rPr lang="en-US" dirty="0" err="1" smtClean="0">
                 <a:solidFill>
-                  <a:srgbClr val="D7EEFB"/>
+                  <a:srgbClr val="FFFFFF"/>
                 </a:solidFill>
               </a:rPr>
               <a:t>riportando</a:t>
@@ -8888,7 +11843,7 @@
             <a:r>
               <a:rPr lang="en-US" dirty="0" smtClean="0">
                 <a:solidFill>
-                  <a:srgbClr val="D7EEFB"/>
+                  <a:srgbClr val="FFFFFF"/>
                 </a:solidFill>
               </a:rPr>
               <a:t> la </a:t>
@@ -8896,7 +11851,7 @@
             <a:r>
               <a:rPr lang="en-US" dirty="0" err="1" smtClean="0">
                 <a:solidFill>
-                  <a:srgbClr val="D7EEFB"/>
+                  <a:srgbClr val="FFFFFF"/>
                 </a:solidFill>
               </a:rPr>
               <a:t>capra</a:t>
@@ -8904,7 +11859,7 @@
             <a:r>
               <a:rPr lang="en-US" dirty="0" smtClean="0">
                 <a:solidFill>
-                  <a:srgbClr val="D7EEFB"/>
+                  <a:srgbClr val="FFFFFF"/>
                 </a:solidFill>
               </a:rPr>
               <a:t> </a:t>
@@ -8912,7 +11867,7 @@
             <a:r>
               <a:rPr lang="en-US" dirty="0" err="1" smtClean="0">
                 <a:solidFill>
-                  <a:srgbClr val="D7EEFB"/>
+                  <a:srgbClr val="FFFFFF"/>
                 </a:solidFill>
               </a:rPr>
               <a:t>sulla</a:t>
@@ -8920,7 +11875,7 @@
             <a:r>
               <a:rPr lang="en-US" dirty="0" smtClean="0">
                 <a:solidFill>
-                  <a:srgbClr val="D7EEFB"/>
+                  <a:srgbClr val="FFFFFF"/>
                 </a:solidFill>
               </a:rPr>
               <a:t> </a:t>
@@ -8928,7 +11883,7 @@
             <a:r>
               <a:rPr lang="en-US" dirty="0" err="1" smtClean="0">
                 <a:solidFill>
-                  <a:srgbClr val="D7EEFB"/>
+                  <a:srgbClr val="FFFFFF"/>
                 </a:solidFill>
               </a:rPr>
               <a:t>sponda</a:t>
@@ -8936,7 +11891,7 @@
             <a:r>
               <a:rPr lang="en-US" dirty="0" smtClean="0">
                 <a:solidFill>
-                  <a:srgbClr val="D7EEFB"/>
+                  <a:srgbClr val="FFFFFF"/>
                 </a:solidFill>
               </a:rPr>
               <a:t> </a:t>
@@ -8944,14 +11899,14 @@
             <a:r>
               <a:rPr lang="en-US" dirty="0" err="1" smtClean="0">
                 <a:solidFill>
-                  <a:srgbClr val="D7EEFB"/>
+                  <a:srgbClr val="FFFFFF"/>
                 </a:solidFill>
               </a:rPr>
               <a:t>sinistra</a:t>
             </a:r>
             <a:endParaRPr lang="en-US" dirty="0">
               <a:solidFill>
-                <a:srgbClr val="D7EEFB"/>
+                <a:srgbClr val="FFFFFF"/>
               </a:solidFill>
             </a:endParaRPr>
           </a:p>
@@ -8963,7 +11918,7 @@
             <a:r>
               <a:rPr lang="en-US" dirty="0" err="1" smtClean="0">
                 <a:solidFill>
-                  <a:srgbClr val="D7EEFB"/>
+                  <a:srgbClr val="FFFFFF"/>
                 </a:solidFill>
               </a:rPr>
               <a:t>Trasportiamo</a:t>
@@ -8971,7 +11926,7 @@
             <a:r>
               <a:rPr lang="en-US" dirty="0" smtClean="0">
                 <a:solidFill>
-                  <a:srgbClr val="D7EEFB"/>
+                  <a:srgbClr val="FFFFFF"/>
                 </a:solidFill>
               </a:rPr>
               <a:t> </a:t>
@@ -8979,7 +11934,7 @@
             <a:r>
               <a:rPr lang="en-US" dirty="0" err="1" smtClean="0">
                 <a:solidFill>
-                  <a:srgbClr val="D7EEFB"/>
+                  <a:srgbClr val="FFFFFF"/>
                 </a:solidFill>
               </a:rPr>
               <a:t>il</a:t>
@@ -8987,7 +11942,7 @@
             <a:r>
               <a:rPr lang="en-US" dirty="0" smtClean="0">
                 <a:solidFill>
-                  <a:srgbClr val="D7EEFB"/>
+                  <a:srgbClr val="FFFFFF"/>
                 </a:solidFill>
               </a:rPr>
               <a:t> </a:t>
@@ -8995,7 +11950,7 @@
             <a:r>
               <a:rPr lang="en-US" dirty="0" err="1" smtClean="0">
                 <a:solidFill>
-                  <a:srgbClr val="D7EEFB"/>
+                  <a:srgbClr val="FFFFFF"/>
                 </a:solidFill>
               </a:rPr>
               <a:t>lupo</a:t>
@@ -9003,7 +11958,7 @@
             <a:r>
               <a:rPr lang="en-US" dirty="0" smtClean="0">
                 <a:solidFill>
-                  <a:srgbClr val="D7EEFB"/>
+                  <a:srgbClr val="FFFFFF"/>
                 </a:solidFill>
               </a:rPr>
               <a:t> </a:t>
@@ -9011,7 +11966,7 @@
             <a:r>
               <a:rPr lang="en-US" dirty="0" err="1" smtClean="0">
                 <a:solidFill>
-                  <a:srgbClr val="D7EEFB"/>
+                  <a:srgbClr val="FFFFFF"/>
                 </a:solidFill>
               </a:rPr>
               <a:t>sulla</a:t>
@@ -9019,7 +11974,7 @@
             <a:r>
               <a:rPr lang="en-US" dirty="0" smtClean="0">
                 <a:solidFill>
-                  <a:srgbClr val="D7EEFB"/>
+                  <a:srgbClr val="FFFFFF"/>
                 </a:solidFill>
               </a:rPr>
               <a:t> </a:t>
@@ -9027,7 +11982,7 @@
             <a:r>
               <a:rPr lang="en-US" dirty="0" err="1" smtClean="0">
                 <a:solidFill>
-                  <a:srgbClr val="D7EEFB"/>
+                  <a:srgbClr val="FFFFFF"/>
                 </a:solidFill>
               </a:rPr>
               <a:t>sponda</a:t>
@@ -9035,7 +11990,7 @@
             <a:r>
               <a:rPr lang="en-US" dirty="0" smtClean="0">
                 <a:solidFill>
-                  <a:srgbClr val="D7EEFB"/>
+                  <a:srgbClr val="FFFFFF"/>
                 </a:solidFill>
               </a:rPr>
               <a:t> </a:t>
@@ -9043,7 +11998,7 @@
             <a:r>
               <a:rPr lang="en-US" dirty="0" err="1" smtClean="0">
                 <a:solidFill>
-                  <a:srgbClr val="D7EEFB"/>
+                  <a:srgbClr val="FFFFFF"/>
                 </a:solidFill>
               </a:rPr>
               <a:t>destra</a:t>
@@ -9051,7 +12006,7 @@
             <a:r>
               <a:rPr lang="en-US" dirty="0" smtClean="0">
                 <a:solidFill>
-                  <a:srgbClr val="D7EEFB"/>
+                  <a:srgbClr val="FFFFFF"/>
                 </a:solidFill>
               </a:rPr>
               <a:t> </a:t>
@@ -9059,7 +12014,7 @@
             <a:r>
               <a:rPr lang="en-US" dirty="0" err="1" smtClean="0">
                 <a:solidFill>
-                  <a:srgbClr val="D7EEFB"/>
+                  <a:srgbClr val="FFFFFF"/>
                 </a:solidFill>
               </a:rPr>
               <a:t>lasciando</a:t>
@@ -9067,7 +12022,7 @@
             <a:r>
               <a:rPr lang="en-US" dirty="0" smtClean="0">
                 <a:solidFill>
-                  <a:srgbClr val="D7EEFB"/>
+                  <a:srgbClr val="FFFFFF"/>
                 </a:solidFill>
               </a:rPr>
               <a:t> la </a:t>
@@ -9075,7 +12030,7 @@
             <a:r>
               <a:rPr lang="en-US" dirty="0" err="1" smtClean="0">
                 <a:solidFill>
-                  <a:srgbClr val="D7EEFB"/>
+                  <a:srgbClr val="FFFFFF"/>
                 </a:solidFill>
               </a:rPr>
               <a:t>capra</a:t>
@@ -9083,7 +12038,7 @@
             <a:r>
               <a:rPr lang="en-US" dirty="0" smtClean="0">
                 <a:solidFill>
-                  <a:srgbClr val="D7EEFB"/>
+                  <a:srgbClr val="FFFFFF"/>
                 </a:solidFill>
               </a:rPr>
               <a:t> </a:t>
@@ -9091,7 +12046,7 @@
             <a:r>
               <a:rPr lang="en-US" dirty="0" err="1" smtClean="0">
                 <a:solidFill>
-                  <a:srgbClr val="D7EEFB"/>
+                  <a:srgbClr val="FFFFFF"/>
                 </a:solidFill>
               </a:rPr>
               <a:t>sulla</a:t>
@@ -9099,7 +12054,7 @@
             <a:r>
               <a:rPr lang="en-US" dirty="0" smtClean="0">
                 <a:solidFill>
-                  <a:srgbClr val="D7EEFB"/>
+                  <a:srgbClr val="FFFFFF"/>
                 </a:solidFill>
               </a:rPr>
               <a:t> </a:t>
@@ -9107,7 +12062,7 @@
             <a:r>
               <a:rPr lang="en-US" dirty="0" err="1" smtClean="0">
                 <a:solidFill>
-                  <a:srgbClr val="D7EEFB"/>
+                  <a:srgbClr val="FFFFFF"/>
                 </a:solidFill>
               </a:rPr>
               <a:t>sponda</a:t>
@@ -9115,7 +12070,7 @@
             <a:r>
               <a:rPr lang="en-US" dirty="0" smtClean="0">
                 <a:solidFill>
-                  <a:srgbClr val="D7EEFB"/>
+                  <a:srgbClr val="FFFFFF"/>
                 </a:solidFill>
               </a:rPr>
               <a:t> </a:t>
@@ -9123,14 +12078,14 @@
             <a:r>
               <a:rPr lang="en-US" dirty="0" err="1" smtClean="0">
                 <a:solidFill>
-                  <a:srgbClr val="D7EEFB"/>
+                  <a:srgbClr val="FFFFFF"/>
                 </a:solidFill>
               </a:rPr>
               <a:t>sinistra</a:t>
             </a:r>
             <a:endParaRPr lang="en-US" dirty="0">
               <a:solidFill>
-                <a:srgbClr val="D7EEFB"/>
+                <a:srgbClr val="FFFFFF"/>
               </a:solidFill>
             </a:endParaRPr>
           </a:p>
@@ -9142,7 +12097,7 @@
             <a:r>
               <a:rPr lang="en-US" dirty="0" err="1" smtClean="0">
                 <a:solidFill>
-                  <a:srgbClr val="D7EEFB"/>
+                  <a:srgbClr val="FFFFFF"/>
                 </a:solidFill>
               </a:rPr>
               <a:t>Infine</a:t>
@@ -9150,7 +12105,7 @@
             <a:r>
               <a:rPr lang="en-US" dirty="0" smtClean="0">
                 <a:solidFill>
-                  <a:srgbClr val="D7EEFB"/>
+                  <a:srgbClr val="FFFFFF"/>
                 </a:solidFill>
               </a:rPr>
               <a:t> </a:t>
@@ -9158,7 +12113,7 @@
             <a:r>
               <a:rPr lang="en-US" dirty="0" err="1" smtClean="0">
                 <a:solidFill>
-                  <a:srgbClr val="D7EEFB"/>
+                  <a:srgbClr val="FFFFFF"/>
                 </a:solidFill>
               </a:rPr>
               <a:t>ritorniamo</a:t>
@@ -9166,7 +12121,7 @@
             <a:r>
               <a:rPr lang="en-US" dirty="0" smtClean="0">
                 <a:solidFill>
-                  <a:srgbClr val="D7EEFB"/>
+                  <a:srgbClr val="FFFFFF"/>
                 </a:solidFill>
               </a:rPr>
               <a:t> a </a:t>
@@ -9174,7 +12129,7 @@
             <a:r>
               <a:rPr lang="en-US" dirty="0" err="1" smtClean="0">
                 <a:solidFill>
-                  <a:srgbClr val="D7EEFB"/>
+                  <a:srgbClr val="FFFFFF"/>
                 </a:solidFill>
               </a:rPr>
               <a:t>predendere</a:t>
@@ -9182,7 +12137,7 @@
             <a:r>
               <a:rPr lang="en-US" dirty="0" smtClean="0">
                 <a:solidFill>
-                  <a:srgbClr val="D7EEFB"/>
+                  <a:srgbClr val="FFFFFF"/>
                 </a:solidFill>
               </a:rPr>
               <a:t> la </a:t>
@@ -9190,7 +12145,7 @@
             <a:r>
               <a:rPr lang="en-US" dirty="0" err="1" smtClean="0">
                 <a:solidFill>
-                  <a:srgbClr val="D7EEFB"/>
+                  <a:srgbClr val="FFFFFF"/>
                 </a:solidFill>
               </a:rPr>
               <a:t>capra</a:t>
@@ -9198,7 +12153,7 @@
             <a:r>
               <a:rPr lang="en-US" dirty="0" smtClean="0">
                 <a:solidFill>
-                  <a:srgbClr val="D7EEFB"/>
+                  <a:srgbClr val="FFFFFF"/>
                 </a:solidFill>
               </a:rPr>
               <a:t> e la </a:t>
@@ -9206,7 +12161,7 @@
             <a:r>
               <a:rPr lang="en-US" dirty="0" err="1" smtClean="0">
                 <a:solidFill>
-                  <a:srgbClr val="D7EEFB"/>
+                  <a:srgbClr val="FFFFFF"/>
                 </a:solidFill>
               </a:rPr>
               <a:t>trasportiamo</a:t>
@@ -9214,7 +12169,7 @@
             <a:r>
               <a:rPr lang="en-US" dirty="0" smtClean="0">
                 <a:solidFill>
-                  <a:srgbClr val="D7EEFB"/>
+                  <a:srgbClr val="FFFFFF"/>
                 </a:solidFill>
               </a:rPr>
               <a:t> </a:t>
@@ -9222,7 +12177,7 @@
             <a:r>
               <a:rPr lang="en-US" dirty="0" err="1" smtClean="0">
                 <a:solidFill>
-                  <a:srgbClr val="D7EEFB"/>
+                  <a:srgbClr val="FFFFFF"/>
                 </a:solidFill>
               </a:rPr>
               <a:t>sulla</a:t>
@@ -9230,7 +12185,7 @@
             <a:r>
               <a:rPr lang="en-US" dirty="0" smtClean="0">
                 <a:solidFill>
-                  <a:srgbClr val="D7EEFB"/>
+                  <a:srgbClr val="FFFFFF"/>
                 </a:solidFill>
               </a:rPr>
               <a:t> </a:t>
@@ -9238,7 +12193,7 @@
             <a:r>
               <a:rPr lang="en-US" dirty="0" err="1" smtClean="0">
                 <a:solidFill>
-                  <a:srgbClr val="D7EEFB"/>
+                  <a:srgbClr val="FFFFFF"/>
                 </a:solidFill>
               </a:rPr>
               <a:t>sponda</a:t>
@@ -9246,7 +12201,7 @@
             <a:r>
               <a:rPr lang="en-US" dirty="0" smtClean="0">
                 <a:solidFill>
-                  <a:srgbClr val="D7EEFB"/>
+                  <a:srgbClr val="FFFFFF"/>
                 </a:solidFill>
               </a:rPr>
               <a:t> </a:t>
@@ -9254,7 +12209,7 @@
             <a:r>
               <a:rPr lang="en-US" dirty="0" err="1" smtClean="0">
                 <a:solidFill>
-                  <a:srgbClr val="D7EEFB"/>
+                  <a:srgbClr val="FFFFFF"/>
                 </a:solidFill>
               </a:rPr>
               <a:t>destra</a:t>
@@ -9262,7 +12217,7 @@
             <a:r>
               <a:rPr lang="en-US" dirty="0" smtClean="0">
                 <a:solidFill>
-                  <a:srgbClr val="D7EEFB"/>
+                  <a:srgbClr val="FFFFFF"/>
                 </a:solidFill>
               </a:rPr>
               <a:t>. </a:t>
@@ -9271,44 +12226,6 @@
           <a:p>
             <a:pPr marL="0" indent="0">
               <a:buNone/>
-            </a:pPr>
-            <a:r>
-              <a:rPr lang="en-US" dirty="0" err="1" smtClean="0">
-                <a:solidFill>
-                  <a:srgbClr val="D7EEFB"/>
-                </a:solidFill>
-              </a:rPr>
-              <a:t>Numero</a:t>
-            </a:r>
-            <a:r>
-              <a:rPr lang="en-US" dirty="0" smtClean="0">
-                <a:solidFill>
-                  <a:srgbClr val="D7EEFB"/>
-                </a:solidFill>
-              </a:rPr>
-              <a:t> </a:t>
-            </a:r>
-            <a:r>
-              <a:rPr lang="en-US" dirty="0" err="1" smtClean="0">
-                <a:solidFill>
-                  <a:srgbClr val="D7EEFB"/>
-                </a:solidFill>
-              </a:rPr>
-              <a:t>viaggi</a:t>
-            </a:r>
-            <a:r>
-              <a:rPr lang="en-US" dirty="0" smtClean="0">
-                <a:solidFill>
-                  <a:srgbClr val="D7EEFB"/>
-                </a:solidFill>
-              </a:rPr>
-              <a:t>: 7</a:t>
-            </a:r>
-          </a:p>
-          <a:p>
-            <a:pPr marL="457200" indent="-457200">
-              <a:buFont typeface="+mj-lt"/>
-              <a:buAutoNum type="arabicPeriod"/>
             </a:pPr>
             <a:endParaRPr lang="en-US" dirty="0" smtClean="0">
               <a:solidFill>
@@ -9326,6 +12243,78 @@
                 <a:srgbClr val="D7EEFB"/>
               </a:solidFill>
             </a:endParaRPr>
+          </a:p>
+        </p:txBody>
+      </p:sp>
+      <p:sp>
+        <p:nvSpPr>
+          <p:cNvPr id="4" name="TextBox 3"/>
+          <p:cNvSpPr txBox="1"/>
+          <p:nvPr/>
+        </p:nvSpPr>
+        <p:spPr>
+          <a:xfrm>
+            <a:off x="779463" y="5422190"/>
+            <a:ext cx="3847102" cy="923330"/>
+          </a:xfrm>
+          <a:prstGeom prst="rect">
+            <a:avLst/>
+          </a:prstGeom>
+          <a:noFill/>
+        </p:spPr>
+        <p:txBody>
+          <a:bodyPr wrap="none" rtlCol="0">
+            <a:spAutoFit/>
+          </a:bodyPr>
+          <a:lstStyle/>
+          <a:p>
+            <a:r>
+              <a:rPr lang="en-US" sz="3600" b="1" dirty="0" err="1">
+                <a:solidFill>
+                  <a:schemeClr val="accent5">
+                    <a:lumMod val="40000"/>
+                    <a:lumOff val="60000"/>
+                  </a:schemeClr>
+                </a:solidFill>
+              </a:rPr>
+              <a:t>Numero</a:t>
+            </a:r>
+            <a:r>
+              <a:rPr lang="en-US" sz="3600" b="1" dirty="0">
+                <a:solidFill>
+                  <a:schemeClr val="accent5">
+                    <a:lumMod val="40000"/>
+                    <a:lumOff val="60000"/>
+                  </a:schemeClr>
+                </a:solidFill>
+              </a:rPr>
+              <a:t> </a:t>
+            </a:r>
+            <a:r>
+              <a:rPr lang="en-US" sz="3600" b="1" dirty="0" err="1">
+                <a:solidFill>
+                  <a:schemeClr val="accent5">
+                    <a:lumMod val="40000"/>
+                    <a:lumOff val="60000"/>
+                  </a:schemeClr>
+                </a:solidFill>
+              </a:rPr>
+              <a:t>viaggi</a:t>
+            </a:r>
+            <a:r>
+              <a:rPr lang="en-US" sz="3600" b="1" dirty="0">
+                <a:solidFill>
+                  <a:schemeClr val="accent5">
+                    <a:lumMod val="40000"/>
+                    <a:lumOff val="60000"/>
+                  </a:schemeClr>
+                </a:solidFill>
+              </a:rPr>
+              <a:t>: 7</a:t>
+            </a:r>
+          </a:p>
+          <a:p>
+            <a:endParaRPr lang="en-US" dirty="0"/>
           </a:p>
         </p:txBody>
       </p:sp>
@@ -9342,9 +12331,378 @@
   <p:timing>
     <p:tnLst>
       <p:par>
-        <p:cTn xmlns:p14="http://schemas.microsoft.com/office/powerpoint/2010/main" id="1" dur="indefinite" restart="never" nodeType="tmRoot"/>
+        <p:cTn xmlns:p14="http://schemas.microsoft.com/office/powerpoint/2010/main" id="1" dur="indefinite" restart="never" nodeType="tmRoot">
+          <p:childTnLst>
+            <p:seq concurrent="1" nextAc="seek">
+              <p:cTn id="2" dur="indefinite" nodeType="mainSeq">
+                <p:childTnLst>
+                  <p:par>
+                    <p:cTn id="3" fill="hold">
+                      <p:stCondLst>
+                        <p:cond delay="indefinite"/>
+                      </p:stCondLst>
+                      <p:childTnLst>
+                        <p:par>
+                          <p:cTn id="4" fill="hold">
+                            <p:stCondLst>
+                              <p:cond delay="0"/>
+                            </p:stCondLst>
+                            <p:childTnLst>
+                              <p:par>
+                                <p:cTn id="5" presetID="43" presetClass="entr" presetSubtype="0" fill="hold" grpId="0" nodeType="clickEffect">
+                                  <p:stCondLst>
+                                    <p:cond delay="0"/>
+                                  </p:stCondLst>
+                                  <p:childTnLst>
+                                    <p:set>
+                                      <p:cBhvr>
+                                        <p:cTn id="6" dur="1" fill="hold">
+                                          <p:stCondLst>
+                                            <p:cond delay="0"/>
+                                          </p:stCondLst>
+                                        </p:cTn>
+                                        <p:tgtEl>
+                                          <p:spTgt spid="4"/>
+                                        </p:tgtEl>
+                                        <p:attrNameLst>
+                                          <p:attrName>style.visibility</p:attrName>
+                                        </p:attrNameLst>
+                                      </p:cBhvr>
+                                      <p:to>
+                                        <p:strVal val="visible"/>
+                                      </p:to>
+                                    </p:set>
+                                    <p:animEffect transition="in" filter="fade">
+                                      <p:cBhvr>
+                                        <p:cTn id="7" dur="100"/>
+                                        <p:tgtEl>
+                                          <p:spTgt spid="4"/>
+                                        </p:tgtEl>
+                                      </p:cBhvr>
+                                    </p:animEffect>
+                                    <p:anim calcmode="lin" valueType="num">
+                                      <p:cBhvr>
+                                        <p:cTn id="8" dur="400" fill="hold"/>
+                                        <p:tgtEl>
+                                          <p:spTgt spid="4"/>
+                                        </p:tgtEl>
+                                        <p:attrNameLst>
+                                          <p:attrName>ppt_x</p:attrName>
+                                        </p:attrNameLst>
+                                      </p:cBhvr>
+                                      <p:tavLst>
+                                        <p:tav tm="0">
+                                          <p:val>
+                                            <p:strVal val="#ppt_x"/>
+                                          </p:val>
+                                        </p:tav>
+                                        <p:tav tm="100000">
+                                          <p:val>
+                                            <p:strVal val="#ppt_x"/>
+                                          </p:val>
+                                        </p:tav>
+                                      </p:tavLst>
+                                    </p:anim>
+                                    <p:anim calcmode="lin" valueType="num">
+                                      <p:cBhvr>
+                                        <p:cTn id="9" dur="400" fill="hold"/>
+                                        <p:tgtEl>
+                                          <p:spTgt spid="4"/>
+                                        </p:tgtEl>
+                                        <p:attrNameLst>
+                                          <p:attrName>ppt_y</p:attrName>
+                                        </p:attrNameLst>
+                                      </p:cBhvr>
+                                      <p:tavLst>
+                                        <p:tav tm="0">
+                                          <p:val>
+                                            <p:strVal val="#ppt_y+0.31"/>
+                                          </p:val>
+                                        </p:tav>
+                                        <p:tav tm="100000">
+                                          <p:val>
+                                            <p:strVal val="#ppt_y+0.31"/>
+                                          </p:val>
+                                        </p:tav>
+                                      </p:tavLst>
+                                    </p:anim>
+                                    <p:anim calcmode="lin" valueType="num">
+                                      <p:cBhvr>
+                                        <p:cTn id="10" dur="600" decel="50000" fill="hold">
+                                          <p:stCondLst>
+                                            <p:cond delay="400"/>
+                                          </p:stCondLst>
+                                        </p:cTn>
+                                        <p:tgtEl>
+                                          <p:spTgt spid="4"/>
+                                        </p:tgtEl>
+                                        <p:attrNameLst>
+                                          <p:attrName>ppt_x</p:attrName>
+                                        </p:attrNameLst>
+                                      </p:cBhvr>
+                                      <p:tavLst>
+                                        <p:tav tm="0">
+                                          <p:val>
+                                            <p:strVal val="#ppt_x"/>
+                                          </p:val>
+                                        </p:tav>
+                                        <p:tav tm="5000">
+                                          <p:val>
+                                            <p:strVal val="#ppt_x+0.0242"/>
+                                          </p:val>
+                                        </p:tav>
+                                        <p:tav tm="10000">
+                                          <p:val>
+                                            <p:strVal val="#ppt_x+0.0479"/>
+                                          </p:val>
+                                        </p:tav>
+                                        <p:tav tm="15000">
+                                          <p:val>
+                                            <p:strVal val="#ppt_x+0.0704"/>
+                                          </p:val>
+                                        </p:tav>
+                                        <p:tav tm="20000">
+                                          <p:val>
+                                            <p:strVal val="#ppt_x+0.0911"/>
+                                          </p:val>
+                                        </p:tav>
+                                        <p:tav tm="25000">
+                                          <p:val>
+                                            <p:strVal val="#ppt_x+0.1096"/>
+                                          </p:val>
+                                        </p:tav>
+                                        <p:tav tm="30000">
+                                          <p:val>
+                                            <p:strVal val="#ppt_x+0.1254"/>
+                                          </p:val>
+                                        </p:tav>
+                                        <p:tav tm="35000">
+                                          <p:val>
+                                            <p:strVal val="#ppt_x+0.1381"/>
+                                          </p:val>
+                                        </p:tav>
+                                        <p:tav tm="40000">
+                                          <p:val>
+                                            <p:strVal val="#ppt_x+0.1474"/>
+                                          </p:val>
+                                        </p:tav>
+                                        <p:tav tm="45000">
+                                          <p:val>
+                                            <p:strVal val="#ppt_x+0.1531"/>
+                                          </p:val>
+                                        </p:tav>
+                                        <p:tav tm="50000">
+                                          <p:val>
+                                            <p:strVal val="#ppt_x+0.1550"/>
+                                          </p:val>
+                                        </p:tav>
+                                        <p:tav tm="55000">
+                                          <p:val>
+                                            <p:strVal val="#ppt_x+0.1531"/>
+                                          </p:val>
+                                        </p:tav>
+                                        <p:tav tm="60000">
+                                          <p:val>
+                                            <p:strVal val="#ppt_x+0.1474"/>
+                                          </p:val>
+                                        </p:tav>
+                                        <p:tav tm="65000">
+                                          <p:val>
+                                            <p:strVal val="#ppt_x+0.1381"/>
+                                          </p:val>
+                                        </p:tav>
+                                        <p:tav tm="70000">
+                                          <p:val>
+                                            <p:strVal val="#ppt_x+0.1254"/>
+                                          </p:val>
+                                        </p:tav>
+                                        <p:tav tm="75000">
+                                          <p:val>
+                                            <p:strVal val="#ppt_x+0.1096"/>
+                                          </p:val>
+                                        </p:tav>
+                                        <p:tav tm="80000">
+                                          <p:val>
+                                            <p:strVal val="#ppt_x+0.0911"/>
+                                          </p:val>
+                                        </p:tav>
+                                        <p:tav tm="85000">
+                                          <p:val>
+                                            <p:strVal val="#ppt_x+0.0704"/>
+                                          </p:val>
+                                        </p:tav>
+                                        <p:tav tm="90000">
+                                          <p:val>
+                                            <p:strVal val="#ppt_x+0.0479"/>
+                                          </p:val>
+                                        </p:tav>
+                                        <p:tav tm="95000">
+                                          <p:val>
+                                            <p:strVal val="#ppt_x+0.0242"/>
+                                          </p:val>
+                                        </p:tav>
+                                        <p:tav tm="100000">
+                                          <p:val>
+                                            <p:strVal val="#ppt_x"/>
+                                          </p:val>
+                                        </p:tav>
+                                      </p:tavLst>
+                                    </p:anim>
+                                    <p:anim calcmode="lin" valueType="num">
+                                      <p:cBhvr>
+                                        <p:cTn id="11" dur="600" decel="50000" fill="hold">
+                                          <p:stCondLst>
+                                            <p:cond delay="400"/>
+                                          </p:stCondLst>
+                                        </p:cTn>
+                                        <p:tgtEl>
+                                          <p:spTgt spid="4"/>
+                                        </p:tgtEl>
+                                        <p:attrNameLst>
+                                          <p:attrName>ppt_y</p:attrName>
+                                        </p:attrNameLst>
+                                      </p:cBhvr>
+                                      <p:tavLst>
+                                        <p:tav tm="0">
+                                          <p:val>
+                                            <p:strVal val="#ppt_y+0.31"/>
+                                          </p:val>
+                                        </p:tav>
+                                        <p:tav tm="5000">
+                                          <p:val>
+                                            <p:strVal val="#ppt_y+0.308"/>
+                                          </p:val>
+                                        </p:tav>
+                                        <p:tav tm="10000">
+                                          <p:val>
+                                            <p:strVal val="#ppt_y+0.3024"/>
+                                          </p:val>
+                                        </p:tav>
+                                        <p:tav tm="15000">
+                                          <p:val>
+                                            <p:strVal val="#ppt_y+0.2931"/>
+                                          </p:val>
+                                        </p:tav>
+                                        <p:tav tm="20000">
+                                          <p:val>
+                                            <p:strVal val="#ppt_y+0.2804"/>
+                                          </p:val>
+                                        </p:tav>
+                                        <p:tav tm="25000">
+                                          <p:val>
+                                            <p:strVal val="#ppt_y+0.2646"/>
+                                          </p:val>
+                                        </p:tav>
+                                        <p:tav tm="30000">
+                                          <p:val>
+                                            <p:strVal val="#ppt_y+0.2461"/>
+                                          </p:val>
+                                        </p:tav>
+                                        <p:tav tm="35000">
+                                          <p:val>
+                                            <p:strVal val="#ppt_y+0.2253"/>
+                                          </p:val>
+                                        </p:tav>
+                                        <p:tav tm="40000">
+                                          <p:val>
+                                            <p:strVal val="#ppt_y+0.2029"/>
+                                          </p:val>
+                                        </p:tav>
+                                        <p:tav tm="45000">
+                                          <p:val>
+                                            <p:strVal val="#ppt_y+0.1792"/>
+                                          </p:val>
+                                        </p:tav>
+                                        <p:tav tm="50000">
+                                          <p:val>
+                                            <p:strVal val="#ppt_y+0.155"/>
+                                          </p:val>
+                                        </p:tav>
+                                        <p:tav tm="55000">
+                                          <p:val>
+                                            <p:strVal val="#ppt_y+0.1307"/>
+                                          </p:val>
+                                        </p:tav>
+                                        <p:tav tm="60000">
+                                          <p:val>
+                                            <p:strVal val="#ppt_y+0.1071"/>
+                                          </p:val>
+                                        </p:tav>
+                                        <p:tav tm="65000">
+                                          <p:val>
+                                            <p:strVal val="#ppt_y+0.0846"/>
+                                          </p:val>
+                                        </p:tav>
+                                        <p:tav tm="70000">
+                                          <p:val>
+                                            <p:strVal val="#ppt_y+0.0639"/>
+                                          </p:val>
+                                        </p:tav>
+                                        <p:tav tm="75000">
+                                          <p:val>
+                                            <p:strVal val="#ppt_y+0.0454"/>
+                                          </p:val>
+                                        </p:tav>
+                                        <p:tav tm="80000">
+                                          <p:val>
+                                            <p:strVal val="#ppt_y+0.0296"/>
+                                          </p:val>
+                                        </p:tav>
+                                        <p:tav tm="85000">
+                                          <p:val>
+                                            <p:strVal val="#ppt_y+0.0169"/>
+                                          </p:val>
+                                        </p:tav>
+                                        <p:tav tm="90000">
+                                          <p:val>
+                                            <p:strVal val="#ppt_y+0.0076"/>
+                                          </p:val>
+                                        </p:tav>
+                                        <p:tav tm="95000">
+                                          <p:val>
+                                            <p:strVal val="#ppt_y+0.0019"/>
+                                          </p:val>
+                                        </p:tav>
+                                        <p:tav tm="100000">
+                                          <p:val>
+                                            <p:strVal val="#ppt_y"/>
+                                          </p:val>
+                                        </p:tav>
+                                      </p:tavLst>
+                                    </p:anim>
+                                  </p:childTnLst>
+                                </p:cTn>
+                              </p:par>
+                            </p:childTnLst>
+                          </p:cTn>
+                        </p:par>
+                      </p:childTnLst>
+                    </p:cTn>
+                  </p:par>
+                </p:childTnLst>
+              </p:cTn>
+              <p:prevCondLst>
+                <p:cond evt="onPrev" delay="0">
+                  <p:tgtEl>
+                    <p:sldTgt/>
+                  </p:tgtEl>
+                </p:cond>
+              </p:prevCondLst>
+              <p:nextCondLst>
+                <p:cond evt="onNext" delay="0">
+                  <p:tgtEl>
+                    <p:sldTgt/>
+                  </p:tgtEl>
+                </p:cond>
+              </p:nextCondLst>
+            </p:seq>
+          </p:childTnLst>
+        </p:cTn>
       </p:par>
     </p:tnLst>
+    <p:bldLst>
+      <p:bldP spid="4" grpId="0"/>
+    </p:bldLst>
   </p:timing>
 </p:sld>
 </file>
@@ -9382,10 +12740,10 @@
           <a:lstStyle/>
           <a:p>
             <a:r>
-              <a:rPr lang="en-US" dirty="0" smtClean="0"/>
+              <a:rPr lang="en-US" sz="4400" dirty="0" smtClean="0"/>
               <a:t>1°SOLUZIONE DA INGEGNERE </a:t>
             </a:r>
-            <a:endParaRPr lang="en-US" dirty="0"/>
+            <a:endParaRPr lang="en-US" sz="4400" dirty="0"/>
           </a:p>
         </p:txBody>
       </p:sp>
@@ -9399,7 +12757,12 @@
             <p:ph idx="1"/>
           </p:nvPr>
         </p:nvSpPr>
-        <p:spPr/>
+        <p:spPr>
+          <a:xfrm>
+            <a:off x="779463" y="1828800"/>
+            <a:ext cx="7583487" cy="2608834"/>
+          </a:xfrm>
+        </p:spPr>
         <p:txBody>
           <a:bodyPr/>
           <a:lstStyle/>
@@ -9567,26 +12930,64 @@
             </a:r>
             <a:endParaRPr lang="en-US" dirty="0" smtClean="0"/>
           </a:p>
-          <a:p>
-            <a:pPr marL="0" indent="0">
-              <a:buNone/>
-            </a:pPr>
-            <a:r>
-              <a:rPr lang="en-US" dirty="0" err="1" smtClean="0"/>
+        </p:txBody>
+      </p:sp>
+      <p:sp>
+        <p:nvSpPr>
+          <p:cNvPr id="4" name="TextBox 3"/>
+          <p:cNvSpPr txBox="1"/>
+          <p:nvPr/>
+        </p:nvSpPr>
+        <p:spPr>
+          <a:xfrm>
+            <a:off x="779463" y="4694475"/>
+            <a:ext cx="4531033" cy="923330"/>
+          </a:xfrm>
+          <a:prstGeom prst="rect">
+            <a:avLst/>
+          </a:prstGeom>
+          <a:noFill/>
+        </p:spPr>
+        <p:txBody>
+          <a:bodyPr wrap="none" rtlCol="0">
+            <a:spAutoFit/>
+          </a:bodyPr>
+          <a:lstStyle/>
+          <a:p>
+            <a:r>
+              <a:rPr lang="en-US" sz="3600" b="1" dirty="0" err="1">
+                <a:solidFill>
+                  <a:srgbClr val="FF7172"/>
+                </a:solidFill>
+              </a:rPr>
               <a:t>Numero</a:t>
             </a:r>
             <a:r>
-              <a:rPr lang="en-US" dirty="0" smtClean="0"/>
+              <a:rPr lang="en-US" sz="3600" b="1" dirty="0">
+                <a:solidFill>
+                  <a:srgbClr val="FF7172"/>
+                </a:solidFill>
+              </a:rPr>
               <a:t> di </a:t>
             </a:r>
             <a:r>
-              <a:rPr lang="en-US" dirty="0" err="1" smtClean="0"/>
+              <a:rPr lang="en-US" sz="3600" b="1" dirty="0" err="1">
+                <a:solidFill>
+                  <a:srgbClr val="FF7172"/>
+                </a:solidFill>
+              </a:rPr>
               <a:t>viaggi</a:t>
             </a:r>
             <a:r>
-              <a:rPr lang="en-US" dirty="0" smtClean="0"/>
+              <a:rPr lang="en-US" sz="3600" b="1" dirty="0">
+                <a:solidFill>
+                  <a:srgbClr val="FF7172"/>
+                </a:solidFill>
+              </a:rPr>
               <a:t> : 5</a:t>
             </a:r>
+          </a:p>
+          <a:p>
             <a:endParaRPr lang="en-US" dirty="0"/>
           </a:p>
         </p:txBody>
@@ -9604,9 +13005,378 @@
   <p:timing>
     <p:tnLst>
       <p:par>
-        <p:cTn xmlns:p14="http://schemas.microsoft.com/office/powerpoint/2010/main" id="1" dur="indefinite" restart="never" nodeType="tmRoot"/>
+        <p:cTn xmlns:p14="http://schemas.microsoft.com/office/powerpoint/2010/main" id="1" dur="indefinite" restart="never" nodeType="tmRoot">
+          <p:childTnLst>
+            <p:seq concurrent="1" nextAc="seek">
+              <p:cTn id="2" dur="indefinite" nodeType="mainSeq">
+                <p:childTnLst>
+                  <p:par>
+                    <p:cTn id="3" fill="hold">
+                      <p:stCondLst>
+                        <p:cond delay="indefinite"/>
+                      </p:stCondLst>
+                      <p:childTnLst>
+                        <p:par>
+                          <p:cTn id="4" fill="hold">
+                            <p:stCondLst>
+                              <p:cond delay="0"/>
+                            </p:stCondLst>
+                            <p:childTnLst>
+                              <p:par>
+                                <p:cTn id="5" presetID="43" presetClass="entr" presetSubtype="0" fill="hold" grpId="0" nodeType="clickEffect">
+                                  <p:stCondLst>
+                                    <p:cond delay="0"/>
+                                  </p:stCondLst>
+                                  <p:childTnLst>
+                                    <p:set>
+                                      <p:cBhvr>
+                                        <p:cTn id="6" dur="1" fill="hold">
+                                          <p:stCondLst>
+                                            <p:cond delay="0"/>
+                                          </p:stCondLst>
+                                        </p:cTn>
+                                        <p:tgtEl>
+                                          <p:spTgt spid="4"/>
+                                        </p:tgtEl>
+                                        <p:attrNameLst>
+                                          <p:attrName>style.visibility</p:attrName>
+                                        </p:attrNameLst>
+                                      </p:cBhvr>
+                                      <p:to>
+                                        <p:strVal val="visible"/>
+                                      </p:to>
+                                    </p:set>
+                                    <p:animEffect transition="in" filter="fade">
+                                      <p:cBhvr>
+                                        <p:cTn id="7" dur="100"/>
+                                        <p:tgtEl>
+                                          <p:spTgt spid="4"/>
+                                        </p:tgtEl>
+                                      </p:cBhvr>
+                                    </p:animEffect>
+                                    <p:anim calcmode="lin" valueType="num">
+                                      <p:cBhvr>
+                                        <p:cTn id="8" dur="400" fill="hold"/>
+                                        <p:tgtEl>
+                                          <p:spTgt spid="4"/>
+                                        </p:tgtEl>
+                                        <p:attrNameLst>
+                                          <p:attrName>ppt_x</p:attrName>
+                                        </p:attrNameLst>
+                                      </p:cBhvr>
+                                      <p:tavLst>
+                                        <p:tav tm="0">
+                                          <p:val>
+                                            <p:strVal val="#ppt_x"/>
+                                          </p:val>
+                                        </p:tav>
+                                        <p:tav tm="100000">
+                                          <p:val>
+                                            <p:strVal val="#ppt_x"/>
+                                          </p:val>
+                                        </p:tav>
+                                      </p:tavLst>
+                                    </p:anim>
+                                    <p:anim calcmode="lin" valueType="num">
+                                      <p:cBhvr>
+                                        <p:cTn id="9" dur="400" fill="hold"/>
+                                        <p:tgtEl>
+                                          <p:spTgt spid="4"/>
+                                        </p:tgtEl>
+                                        <p:attrNameLst>
+                                          <p:attrName>ppt_y</p:attrName>
+                                        </p:attrNameLst>
+                                      </p:cBhvr>
+                                      <p:tavLst>
+                                        <p:tav tm="0">
+                                          <p:val>
+                                            <p:strVal val="#ppt_y+0.31"/>
+                                          </p:val>
+                                        </p:tav>
+                                        <p:tav tm="100000">
+                                          <p:val>
+                                            <p:strVal val="#ppt_y+0.31"/>
+                                          </p:val>
+                                        </p:tav>
+                                      </p:tavLst>
+                                    </p:anim>
+                                    <p:anim calcmode="lin" valueType="num">
+                                      <p:cBhvr>
+                                        <p:cTn id="10" dur="600" decel="50000" fill="hold">
+                                          <p:stCondLst>
+                                            <p:cond delay="400"/>
+                                          </p:stCondLst>
+                                        </p:cTn>
+                                        <p:tgtEl>
+                                          <p:spTgt spid="4"/>
+                                        </p:tgtEl>
+                                        <p:attrNameLst>
+                                          <p:attrName>ppt_x</p:attrName>
+                                        </p:attrNameLst>
+                                      </p:cBhvr>
+                                      <p:tavLst>
+                                        <p:tav tm="0">
+                                          <p:val>
+                                            <p:strVal val="#ppt_x"/>
+                                          </p:val>
+                                        </p:tav>
+                                        <p:tav tm="5000">
+                                          <p:val>
+                                            <p:strVal val="#ppt_x+0.0242"/>
+                                          </p:val>
+                                        </p:tav>
+                                        <p:tav tm="10000">
+                                          <p:val>
+                                            <p:strVal val="#ppt_x+0.0479"/>
+                                          </p:val>
+                                        </p:tav>
+                                        <p:tav tm="15000">
+                                          <p:val>
+                                            <p:strVal val="#ppt_x+0.0704"/>
+                                          </p:val>
+                                        </p:tav>
+                                        <p:tav tm="20000">
+                                          <p:val>
+                                            <p:strVal val="#ppt_x+0.0911"/>
+                                          </p:val>
+                                        </p:tav>
+                                        <p:tav tm="25000">
+                                          <p:val>
+                                            <p:strVal val="#ppt_x+0.1096"/>
+                                          </p:val>
+                                        </p:tav>
+                                        <p:tav tm="30000">
+                                          <p:val>
+                                            <p:strVal val="#ppt_x+0.1254"/>
+                                          </p:val>
+                                        </p:tav>
+                                        <p:tav tm="35000">
+                                          <p:val>
+                                            <p:strVal val="#ppt_x+0.1381"/>
+                                          </p:val>
+                                        </p:tav>
+                                        <p:tav tm="40000">
+                                          <p:val>
+                                            <p:strVal val="#ppt_x+0.1474"/>
+                                          </p:val>
+                                        </p:tav>
+                                        <p:tav tm="45000">
+                                          <p:val>
+                                            <p:strVal val="#ppt_x+0.1531"/>
+                                          </p:val>
+                                        </p:tav>
+                                        <p:tav tm="50000">
+                                          <p:val>
+                                            <p:strVal val="#ppt_x+0.1550"/>
+                                          </p:val>
+                                        </p:tav>
+                                        <p:tav tm="55000">
+                                          <p:val>
+                                            <p:strVal val="#ppt_x+0.1531"/>
+                                          </p:val>
+                                        </p:tav>
+                                        <p:tav tm="60000">
+                                          <p:val>
+                                            <p:strVal val="#ppt_x+0.1474"/>
+                                          </p:val>
+                                        </p:tav>
+                                        <p:tav tm="65000">
+                                          <p:val>
+                                            <p:strVal val="#ppt_x+0.1381"/>
+                                          </p:val>
+                                        </p:tav>
+                                        <p:tav tm="70000">
+                                          <p:val>
+                                            <p:strVal val="#ppt_x+0.1254"/>
+                                          </p:val>
+                                        </p:tav>
+                                        <p:tav tm="75000">
+                                          <p:val>
+                                            <p:strVal val="#ppt_x+0.1096"/>
+                                          </p:val>
+                                        </p:tav>
+                                        <p:tav tm="80000">
+                                          <p:val>
+                                            <p:strVal val="#ppt_x+0.0911"/>
+                                          </p:val>
+                                        </p:tav>
+                                        <p:tav tm="85000">
+                                          <p:val>
+                                            <p:strVal val="#ppt_x+0.0704"/>
+                                          </p:val>
+                                        </p:tav>
+                                        <p:tav tm="90000">
+                                          <p:val>
+                                            <p:strVal val="#ppt_x+0.0479"/>
+                                          </p:val>
+                                        </p:tav>
+                                        <p:tav tm="95000">
+                                          <p:val>
+                                            <p:strVal val="#ppt_x+0.0242"/>
+                                          </p:val>
+                                        </p:tav>
+                                        <p:tav tm="100000">
+                                          <p:val>
+                                            <p:strVal val="#ppt_x"/>
+                                          </p:val>
+                                        </p:tav>
+                                      </p:tavLst>
+                                    </p:anim>
+                                    <p:anim calcmode="lin" valueType="num">
+                                      <p:cBhvr>
+                                        <p:cTn id="11" dur="600" decel="50000" fill="hold">
+                                          <p:stCondLst>
+                                            <p:cond delay="400"/>
+                                          </p:stCondLst>
+                                        </p:cTn>
+                                        <p:tgtEl>
+                                          <p:spTgt spid="4"/>
+                                        </p:tgtEl>
+                                        <p:attrNameLst>
+                                          <p:attrName>ppt_y</p:attrName>
+                                        </p:attrNameLst>
+                                      </p:cBhvr>
+                                      <p:tavLst>
+                                        <p:tav tm="0">
+                                          <p:val>
+                                            <p:strVal val="#ppt_y+0.31"/>
+                                          </p:val>
+                                        </p:tav>
+                                        <p:tav tm="5000">
+                                          <p:val>
+                                            <p:strVal val="#ppt_y+0.308"/>
+                                          </p:val>
+                                        </p:tav>
+                                        <p:tav tm="10000">
+                                          <p:val>
+                                            <p:strVal val="#ppt_y+0.3024"/>
+                                          </p:val>
+                                        </p:tav>
+                                        <p:tav tm="15000">
+                                          <p:val>
+                                            <p:strVal val="#ppt_y+0.2931"/>
+                                          </p:val>
+                                        </p:tav>
+                                        <p:tav tm="20000">
+                                          <p:val>
+                                            <p:strVal val="#ppt_y+0.2804"/>
+                                          </p:val>
+                                        </p:tav>
+                                        <p:tav tm="25000">
+                                          <p:val>
+                                            <p:strVal val="#ppt_y+0.2646"/>
+                                          </p:val>
+                                        </p:tav>
+                                        <p:tav tm="30000">
+                                          <p:val>
+                                            <p:strVal val="#ppt_y+0.2461"/>
+                                          </p:val>
+                                        </p:tav>
+                                        <p:tav tm="35000">
+                                          <p:val>
+                                            <p:strVal val="#ppt_y+0.2253"/>
+                                          </p:val>
+                                        </p:tav>
+                                        <p:tav tm="40000">
+                                          <p:val>
+                                            <p:strVal val="#ppt_y+0.2029"/>
+                                          </p:val>
+                                        </p:tav>
+                                        <p:tav tm="45000">
+                                          <p:val>
+                                            <p:strVal val="#ppt_y+0.1792"/>
+                                          </p:val>
+                                        </p:tav>
+                                        <p:tav tm="50000">
+                                          <p:val>
+                                            <p:strVal val="#ppt_y+0.155"/>
+                                          </p:val>
+                                        </p:tav>
+                                        <p:tav tm="55000">
+                                          <p:val>
+                                            <p:strVal val="#ppt_y+0.1307"/>
+                                          </p:val>
+                                        </p:tav>
+                                        <p:tav tm="60000">
+                                          <p:val>
+                                            <p:strVal val="#ppt_y+0.1071"/>
+                                          </p:val>
+                                        </p:tav>
+                                        <p:tav tm="65000">
+                                          <p:val>
+                                            <p:strVal val="#ppt_y+0.0846"/>
+                                          </p:val>
+                                        </p:tav>
+                                        <p:tav tm="70000">
+                                          <p:val>
+                                            <p:strVal val="#ppt_y+0.0639"/>
+                                          </p:val>
+                                        </p:tav>
+                                        <p:tav tm="75000">
+                                          <p:val>
+                                            <p:strVal val="#ppt_y+0.0454"/>
+                                          </p:val>
+                                        </p:tav>
+                                        <p:tav tm="80000">
+                                          <p:val>
+                                            <p:strVal val="#ppt_y+0.0296"/>
+                                          </p:val>
+                                        </p:tav>
+                                        <p:tav tm="85000">
+                                          <p:val>
+                                            <p:strVal val="#ppt_y+0.0169"/>
+                                          </p:val>
+                                        </p:tav>
+                                        <p:tav tm="90000">
+                                          <p:val>
+                                            <p:strVal val="#ppt_y+0.0076"/>
+                                          </p:val>
+                                        </p:tav>
+                                        <p:tav tm="95000">
+                                          <p:val>
+                                            <p:strVal val="#ppt_y+0.0019"/>
+                                          </p:val>
+                                        </p:tav>
+                                        <p:tav tm="100000">
+                                          <p:val>
+                                            <p:strVal val="#ppt_y"/>
+                                          </p:val>
+                                        </p:tav>
+                                      </p:tavLst>
+                                    </p:anim>
+                                  </p:childTnLst>
+                                </p:cTn>
+                              </p:par>
+                            </p:childTnLst>
+                          </p:cTn>
+                        </p:par>
+                      </p:childTnLst>
+                    </p:cTn>
+                  </p:par>
+                </p:childTnLst>
+              </p:cTn>
+              <p:prevCondLst>
+                <p:cond evt="onPrev" delay="0">
+                  <p:tgtEl>
+                    <p:sldTgt/>
+                  </p:tgtEl>
+                </p:cond>
+              </p:prevCondLst>
+              <p:nextCondLst>
+                <p:cond evt="onNext" delay="0">
+                  <p:tgtEl>
+                    <p:sldTgt/>
+                  </p:tgtEl>
+                </p:cond>
+              </p:nextCondLst>
+            </p:seq>
+          </p:childTnLst>
+        </p:cTn>
       </p:par>
     </p:tnLst>
+    <p:bldLst>
+      <p:bldP spid="4" grpId="0"/>
+    </p:bldLst>
   </p:timing>
 </p:sld>
 </file>
